--- a/teste0/01. Pre-Classic/02. rd-132211/Vertices.pptx
+++ b/teste0/01. Pre-Classic/02. rd-132211/Vertices.pptx
@@ -8,29 +8,36 @@
     <p:sldId id="256" r:id="rId2"/>
     <p:sldId id="260" r:id="rId3"/>
     <p:sldId id="271" r:id="rId4"/>
-    <p:sldId id="276" r:id="rId5"/>
-    <p:sldId id="277" r:id="rId6"/>
-    <p:sldId id="278" r:id="rId7"/>
-    <p:sldId id="275" r:id="rId8"/>
-    <p:sldId id="279" r:id="rId9"/>
-    <p:sldId id="280" r:id="rId10"/>
-    <p:sldId id="282" r:id="rId11"/>
-    <p:sldId id="258" r:id="rId12"/>
-    <p:sldId id="281" r:id="rId13"/>
-    <p:sldId id="259" r:id="rId14"/>
-    <p:sldId id="270" r:id="rId15"/>
-    <p:sldId id="269" r:id="rId16"/>
-    <p:sldId id="274" r:id="rId17"/>
-    <p:sldId id="261" r:id="rId18"/>
-    <p:sldId id="266" r:id="rId19"/>
-    <p:sldId id="265" r:id="rId20"/>
-    <p:sldId id="267" r:id="rId21"/>
-    <p:sldId id="268" r:id="rId22"/>
-    <p:sldId id="264" r:id="rId23"/>
-    <p:sldId id="263" r:id="rId24"/>
-    <p:sldId id="273" r:id="rId25"/>
-    <p:sldId id="272" r:id="rId26"/>
-    <p:sldId id="262" r:id="rId27"/>
+    <p:sldId id="290" r:id="rId5"/>
+    <p:sldId id="276" r:id="rId6"/>
+    <p:sldId id="277" r:id="rId7"/>
+    <p:sldId id="278" r:id="rId8"/>
+    <p:sldId id="275" r:id="rId9"/>
+    <p:sldId id="279" r:id="rId10"/>
+    <p:sldId id="280" r:id="rId11"/>
+    <p:sldId id="282" r:id="rId12"/>
+    <p:sldId id="284" r:id="rId13"/>
+    <p:sldId id="286" r:id="rId14"/>
+    <p:sldId id="283" r:id="rId15"/>
+    <p:sldId id="258" r:id="rId16"/>
+    <p:sldId id="281" r:id="rId17"/>
+    <p:sldId id="259" r:id="rId18"/>
+    <p:sldId id="289" r:id="rId19"/>
+    <p:sldId id="270" r:id="rId20"/>
+    <p:sldId id="269" r:id="rId21"/>
+    <p:sldId id="274" r:id="rId22"/>
+    <p:sldId id="261" r:id="rId23"/>
+    <p:sldId id="266" r:id="rId24"/>
+    <p:sldId id="265" r:id="rId25"/>
+    <p:sldId id="267" r:id="rId26"/>
+    <p:sldId id="268" r:id="rId27"/>
+    <p:sldId id="264" r:id="rId28"/>
+    <p:sldId id="263" r:id="rId29"/>
+    <p:sldId id="273" r:id="rId30"/>
+    <p:sldId id="272" r:id="rId31"/>
+    <p:sldId id="287" r:id="rId32"/>
+    <p:sldId id="288" r:id="rId33"/>
+    <p:sldId id="262" r:id="rId34"/>
   </p:sldIdLst>
   <p:sldSz cx="12192000" cy="6858000"/>
   <p:notesSz cx="6858000" cy="9144000"/>
@@ -284,7 +291,7 @@
           <a:p>
             <a:fld id="{B707E8A8-90E3-4A67-A068-63B2F13060B5}" type="datetimeFigureOut">
               <a:rPr lang="pt-BR" smtClean="0"/>
-              <a:t>04/03/2025</a:t>
+              <a:t>04/04/2025</a:t>
             </a:fld>
             <a:endParaRPr lang="pt-BR"/>
           </a:p>
@@ -482,7 +489,7 @@
           <a:p>
             <a:fld id="{B707E8A8-90E3-4A67-A068-63B2F13060B5}" type="datetimeFigureOut">
               <a:rPr lang="pt-BR" smtClean="0"/>
-              <a:t>04/03/2025</a:t>
+              <a:t>04/04/2025</a:t>
             </a:fld>
             <a:endParaRPr lang="pt-BR"/>
           </a:p>
@@ -690,7 +697,7 @@
           <a:p>
             <a:fld id="{B707E8A8-90E3-4A67-A068-63B2F13060B5}" type="datetimeFigureOut">
               <a:rPr lang="pt-BR" smtClean="0"/>
-              <a:t>04/03/2025</a:t>
+              <a:t>04/04/2025</a:t>
             </a:fld>
             <a:endParaRPr lang="pt-BR"/>
           </a:p>
@@ -888,7 +895,7 @@
           <a:p>
             <a:fld id="{B707E8A8-90E3-4A67-A068-63B2F13060B5}" type="datetimeFigureOut">
               <a:rPr lang="pt-BR" smtClean="0"/>
-              <a:t>04/03/2025</a:t>
+              <a:t>04/04/2025</a:t>
             </a:fld>
             <a:endParaRPr lang="pt-BR"/>
           </a:p>
@@ -1163,7 +1170,7 @@
           <a:p>
             <a:fld id="{B707E8A8-90E3-4A67-A068-63B2F13060B5}" type="datetimeFigureOut">
               <a:rPr lang="pt-BR" smtClean="0"/>
-              <a:t>04/03/2025</a:t>
+              <a:t>04/04/2025</a:t>
             </a:fld>
             <a:endParaRPr lang="pt-BR"/>
           </a:p>
@@ -1428,7 +1435,7 @@
           <a:p>
             <a:fld id="{B707E8A8-90E3-4A67-A068-63B2F13060B5}" type="datetimeFigureOut">
               <a:rPr lang="pt-BR" smtClean="0"/>
-              <a:t>04/03/2025</a:t>
+              <a:t>04/04/2025</a:t>
             </a:fld>
             <a:endParaRPr lang="pt-BR"/>
           </a:p>
@@ -1840,7 +1847,7 @@
           <a:p>
             <a:fld id="{B707E8A8-90E3-4A67-A068-63B2F13060B5}" type="datetimeFigureOut">
               <a:rPr lang="pt-BR" smtClean="0"/>
-              <a:t>04/03/2025</a:t>
+              <a:t>04/04/2025</a:t>
             </a:fld>
             <a:endParaRPr lang="pt-BR"/>
           </a:p>
@@ -1981,7 +1988,7 @@
           <a:p>
             <a:fld id="{B707E8A8-90E3-4A67-A068-63B2F13060B5}" type="datetimeFigureOut">
               <a:rPr lang="pt-BR" smtClean="0"/>
-              <a:t>04/03/2025</a:t>
+              <a:t>04/04/2025</a:t>
             </a:fld>
             <a:endParaRPr lang="pt-BR"/>
           </a:p>
@@ -2094,7 +2101,7 @@
           <a:p>
             <a:fld id="{B707E8A8-90E3-4A67-A068-63B2F13060B5}" type="datetimeFigureOut">
               <a:rPr lang="pt-BR" smtClean="0"/>
-              <a:t>04/03/2025</a:t>
+              <a:t>04/04/2025</a:t>
             </a:fld>
             <a:endParaRPr lang="pt-BR"/>
           </a:p>
@@ -2405,7 +2412,7 @@
           <a:p>
             <a:fld id="{B707E8A8-90E3-4A67-A068-63B2F13060B5}" type="datetimeFigureOut">
               <a:rPr lang="pt-BR" smtClean="0"/>
-              <a:t>04/03/2025</a:t>
+              <a:t>04/04/2025</a:t>
             </a:fld>
             <a:endParaRPr lang="pt-BR"/>
           </a:p>
@@ -2693,7 +2700,7 @@
           <a:p>
             <a:fld id="{B707E8A8-90E3-4A67-A068-63B2F13060B5}" type="datetimeFigureOut">
               <a:rPr lang="pt-BR" smtClean="0"/>
-              <a:t>04/03/2025</a:t>
+              <a:t>04/04/2025</a:t>
             </a:fld>
             <a:endParaRPr lang="pt-BR"/>
           </a:p>
@@ -2934,7 +2941,7 @@
           <a:p>
             <a:fld id="{B707E8A8-90E3-4A67-A068-63B2F13060B5}" type="datetimeFigureOut">
               <a:rPr lang="pt-BR" smtClean="0"/>
-              <a:t>04/03/2025</a:t>
+              <a:t>04/04/2025</a:t>
             </a:fld>
             <a:endParaRPr lang="pt-BR"/>
           </a:p>
@@ -3372,6 +3379,752 @@
         <p:cNvPr id="1" name="">
           <a:extLst>
             <a:ext uri="{FF2B5EF4-FFF2-40B4-BE49-F238E27FC236}">
+              <a16:creationId xmlns:a16="http://schemas.microsoft.com/office/drawing/2014/main" id="{832D3574-AE79-74D9-E45F-5E4C83010F26}"/>
+            </a:ext>
+          </a:extLst>
+        </p:cNvPr>
+        <p:cNvGrpSpPr/>
+        <p:nvPr/>
+      </p:nvGrpSpPr>
+      <p:grpSpPr>
+        <a:xfrm>
+          <a:off x="0" y="0"/>
+          <a:ext cx="0" cy="0"/>
+          <a:chOff x="0" y="0"/>
+          <a:chExt cx="0" cy="0"/>
+        </a:xfrm>
+      </p:grpSpPr>
+      <p:sp>
+        <p:nvSpPr>
+          <p:cNvPr id="2" name="Retângulo 1">
+            <a:extLst>
+              <a:ext uri="{FF2B5EF4-FFF2-40B4-BE49-F238E27FC236}">
+                <a16:creationId xmlns:a16="http://schemas.microsoft.com/office/drawing/2014/main" id="{78B13B3A-9A20-B83C-8FD4-A5560C23213A}"/>
+              </a:ext>
+            </a:extLst>
+          </p:cNvPr>
+          <p:cNvSpPr/>
+          <p:nvPr/>
+        </p:nvSpPr>
+        <p:spPr>
+          <a:xfrm>
+            <a:off x="0" y="0"/>
+            <a:ext cx="12192000" cy="6858000"/>
+          </a:xfrm>
+          <a:prstGeom prst="rect">
+            <a:avLst/>
+          </a:prstGeom>
+          <a:solidFill>
+            <a:schemeClr val="tx1">
+              <a:lumMod val="95000"/>
+              <a:lumOff val="5000"/>
+            </a:schemeClr>
+          </a:solidFill>
+          <a:ln>
+            <a:noFill/>
+          </a:ln>
+        </p:spPr>
+        <p:style>
+          <a:lnRef idx="2">
+            <a:schemeClr val="accent1">
+              <a:shade val="15000"/>
+            </a:schemeClr>
+          </a:lnRef>
+          <a:fillRef idx="1">
+            <a:schemeClr val="accent1"/>
+          </a:fillRef>
+          <a:effectRef idx="0">
+            <a:schemeClr val="accent1"/>
+          </a:effectRef>
+          <a:fontRef idx="minor">
+            <a:schemeClr val="lt1"/>
+          </a:fontRef>
+        </p:style>
+        <p:txBody>
+          <a:bodyPr rtlCol="0" anchor="ctr"/>
+          <a:lstStyle/>
+          <a:p>
+            <a:pPr algn="ctr"/>
+            <a:endParaRPr lang="pt-BR"/>
+          </a:p>
+        </p:txBody>
+      </p:sp>
+      <p:pic>
+        <p:nvPicPr>
+          <p:cNvPr id="3" name="Imagem 2" descr="Forma, Retângulo&#10;&#10;O conteúdo gerado por IA pode estar incorreto.">
+            <a:extLst>
+              <a:ext uri="{FF2B5EF4-FFF2-40B4-BE49-F238E27FC236}">
+                <a16:creationId xmlns:a16="http://schemas.microsoft.com/office/drawing/2014/main" id="{C759B68E-37AF-14D6-F2B1-237073F0C3E8}"/>
+              </a:ext>
+            </a:extLst>
+          </p:cNvPr>
+          <p:cNvPicPr>
+            <a:picLocks noChangeAspect="1"/>
+          </p:cNvPicPr>
+          <p:nvPr/>
+        </p:nvPicPr>
+        <p:blipFill>
+          <a:blip r:embed="rId2">
+            <a:extLst>
+              <a:ext uri="{28A0092B-C50C-407E-A947-70E740481C1C}">
+                <a14:useLocalDpi xmlns:a14="http://schemas.microsoft.com/office/drawing/2010/main" val="0"/>
+              </a:ext>
+            </a:extLst>
+          </a:blip>
+          <a:stretch>
+            <a:fillRect/>
+          </a:stretch>
+        </p:blipFill>
+        <p:spPr>
+          <a:xfrm>
+            <a:off x="2496000" y="623531"/>
+            <a:ext cx="7200000" cy="5610938"/>
+          </a:xfrm>
+          <a:prstGeom prst="rect">
+            <a:avLst/>
+          </a:prstGeom>
+        </p:spPr>
+      </p:pic>
+      <p:cxnSp>
+        <p:nvCxnSpPr>
+          <p:cNvPr id="5" name="Conector de Seta Reta 4">
+            <a:extLst>
+              <a:ext uri="{FF2B5EF4-FFF2-40B4-BE49-F238E27FC236}">
+                <a16:creationId xmlns:a16="http://schemas.microsoft.com/office/drawing/2014/main" id="{61DBB11C-C192-65C8-E885-F063CAC3C4BB}"/>
+              </a:ext>
+            </a:extLst>
+          </p:cNvPr>
+          <p:cNvCxnSpPr>
+            <a:cxnSpLocks/>
+          </p:cNvCxnSpPr>
+          <p:nvPr/>
+        </p:nvCxnSpPr>
+        <p:spPr>
+          <a:xfrm flipV="1">
+            <a:off x="2168165" y="623531"/>
+            <a:ext cx="0" cy="5959311"/>
+          </a:xfrm>
+          <a:prstGeom prst="straightConnector1">
+            <a:avLst/>
+          </a:prstGeom>
+          <a:ln w="76200">
+            <a:solidFill>
+              <a:srgbClr val="00B050"/>
+            </a:solidFill>
+            <a:tailEnd type="triangle"/>
+          </a:ln>
+        </p:spPr>
+        <p:style>
+          <a:lnRef idx="2">
+            <a:schemeClr val="accent1"/>
+          </a:lnRef>
+          <a:fillRef idx="0">
+            <a:schemeClr val="accent1"/>
+          </a:fillRef>
+          <a:effectRef idx="1">
+            <a:schemeClr val="accent1"/>
+          </a:effectRef>
+          <a:fontRef idx="minor">
+            <a:schemeClr val="tx1"/>
+          </a:fontRef>
+        </p:style>
+      </p:cxnSp>
+      <p:cxnSp>
+        <p:nvCxnSpPr>
+          <p:cNvPr id="7" name="Conector de Seta Reta 6">
+            <a:extLst>
+              <a:ext uri="{FF2B5EF4-FFF2-40B4-BE49-F238E27FC236}">
+                <a16:creationId xmlns:a16="http://schemas.microsoft.com/office/drawing/2014/main" id="{C919E996-F12E-3FB5-4992-9029F7629017}"/>
+              </a:ext>
+            </a:extLst>
+          </p:cNvPr>
+          <p:cNvCxnSpPr>
+            <a:cxnSpLocks/>
+          </p:cNvCxnSpPr>
+          <p:nvPr/>
+        </p:nvCxnSpPr>
+        <p:spPr>
+          <a:xfrm>
+            <a:off x="2168165" y="6582842"/>
+            <a:ext cx="7527835" cy="0"/>
+          </a:xfrm>
+          <a:prstGeom prst="straightConnector1">
+            <a:avLst/>
+          </a:prstGeom>
+          <a:ln w="76200">
+            <a:solidFill>
+              <a:srgbClr val="FF0000"/>
+            </a:solidFill>
+            <a:tailEnd type="triangle"/>
+          </a:ln>
+        </p:spPr>
+        <p:style>
+          <a:lnRef idx="2">
+            <a:schemeClr val="accent1"/>
+          </a:lnRef>
+          <a:fillRef idx="0">
+            <a:schemeClr val="accent1"/>
+          </a:fillRef>
+          <a:effectRef idx="1">
+            <a:schemeClr val="accent1"/>
+          </a:effectRef>
+          <a:fontRef idx="minor">
+            <a:schemeClr val="tx1"/>
+          </a:fontRef>
+        </p:style>
+      </p:cxnSp>
+      <p:sp>
+        <p:nvSpPr>
+          <p:cNvPr id="8" name="CaixaDeTexto 7">
+            <a:extLst>
+              <a:ext uri="{FF2B5EF4-FFF2-40B4-BE49-F238E27FC236}">
+                <a16:creationId xmlns:a16="http://schemas.microsoft.com/office/drawing/2014/main" id="{16E85638-BC47-0680-A03C-4C668D73803F}"/>
+              </a:ext>
+            </a:extLst>
+          </p:cNvPr>
+          <p:cNvSpPr txBox="1"/>
+          <p:nvPr/>
+        </p:nvSpPr>
+        <p:spPr>
+          <a:xfrm>
+            <a:off x="2013315" y="131975"/>
+            <a:ext cx="309700" cy="369332"/>
+          </a:xfrm>
+          <a:prstGeom prst="rect">
+            <a:avLst/>
+          </a:prstGeom>
+          <a:noFill/>
+        </p:spPr>
+        <p:txBody>
+          <a:bodyPr wrap="none" rtlCol="0">
+            <a:spAutoFit/>
+          </a:bodyPr>
+          <a:lstStyle/>
+          <a:p>
+            <a:r>
+              <a:rPr lang="pt-BR" dirty="0">
+                <a:solidFill>
+                  <a:schemeClr val="bg1"/>
+                </a:solidFill>
+              </a:rPr>
+              <a:t>Y</a:t>
+            </a:r>
+          </a:p>
+        </p:txBody>
+      </p:sp>
+      <p:sp>
+        <p:nvSpPr>
+          <p:cNvPr id="9" name="CaixaDeTexto 8">
+            <a:extLst>
+              <a:ext uri="{FF2B5EF4-FFF2-40B4-BE49-F238E27FC236}">
+                <a16:creationId xmlns:a16="http://schemas.microsoft.com/office/drawing/2014/main" id="{AD807ABC-127C-7C7A-E5B9-8BF21D251543}"/>
+              </a:ext>
+            </a:extLst>
+          </p:cNvPr>
+          <p:cNvSpPr txBox="1"/>
+          <p:nvPr/>
+        </p:nvSpPr>
+        <p:spPr>
+          <a:xfrm>
+            <a:off x="9886268" y="6398176"/>
+            <a:ext cx="312906" cy="369332"/>
+          </a:xfrm>
+          <a:prstGeom prst="rect">
+            <a:avLst/>
+          </a:prstGeom>
+          <a:noFill/>
+        </p:spPr>
+        <p:txBody>
+          <a:bodyPr wrap="none" rtlCol="0">
+            <a:spAutoFit/>
+          </a:bodyPr>
+          <a:lstStyle/>
+          <a:p>
+            <a:r>
+              <a:rPr lang="pt-BR" dirty="0">
+                <a:solidFill>
+                  <a:schemeClr val="bg1"/>
+                </a:solidFill>
+              </a:rPr>
+              <a:t>X</a:t>
+            </a:r>
+          </a:p>
+        </p:txBody>
+      </p:sp>
+      <p:cxnSp>
+        <p:nvCxnSpPr>
+          <p:cNvPr id="6" name="Conector reto 5">
+            <a:extLst>
+              <a:ext uri="{FF2B5EF4-FFF2-40B4-BE49-F238E27FC236}">
+                <a16:creationId xmlns:a16="http://schemas.microsoft.com/office/drawing/2014/main" id="{E3EF0D48-18D5-577A-C524-6E49B8908855}"/>
+              </a:ext>
+            </a:extLst>
+          </p:cNvPr>
+          <p:cNvCxnSpPr/>
+          <p:nvPr/>
+        </p:nvCxnSpPr>
+        <p:spPr>
+          <a:xfrm>
+            <a:off x="6014301" y="386499"/>
+            <a:ext cx="81699" cy="6196343"/>
+          </a:xfrm>
+          <a:prstGeom prst="line">
+            <a:avLst/>
+          </a:prstGeom>
+        </p:spPr>
+        <p:style>
+          <a:lnRef idx="2">
+            <a:schemeClr val="accent1"/>
+          </a:lnRef>
+          <a:fillRef idx="0">
+            <a:schemeClr val="accent1"/>
+          </a:fillRef>
+          <a:effectRef idx="1">
+            <a:schemeClr val="accent1"/>
+          </a:effectRef>
+          <a:fontRef idx="minor">
+            <a:schemeClr val="tx1"/>
+          </a:fontRef>
+        </p:style>
+      </p:cxnSp>
+      <p:cxnSp>
+        <p:nvCxnSpPr>
+          <p:cNvPr id="11" name="Conector reto 10">
+            <a:extLst>
+              <a:ext uri="{FF2B5EF4-FFF2-40B4-BE49-F238E27FC236}">
+                <a16:creationId xmlns:a16="http://schemas.microsoft.com/office/drawing/2014/main" id="{C8415649-3771-F5C0-7273-A271FC165B4E}"/>
+              </a:ext>
+            </a:extLst>
+          </p:cNvPr>
+          <p:cNvCxnSpPr>
+            <a:cxnSpLocks/>
+          </p:cNvCxnSpPr>
+          <p:nvPr/>
+        </p:nvCxnSpPr>
+        <p:spPr>
+          <a:xfrm>
+            <a:off x="1800520" y="3429000"/>
+            <a:ext cx="8776354" cy="96625"/>
+          </a:xfrm>
+          <a:prstGeom prst="line">
+            <a:avLst/>
+          </a:prstGeom>
+        </p:spPr>
+        <p:style>
+          <a:lnRef idx="2">
+            <a:schemeClr val="accent1"/>
+          </a:lnRef>
+          <a:fillRef idx="0">
+            <a:schemeClr val="accent1"/>
+          </a:fillRef>
+          <a:effectRef idx="1">
+            <a:schemeClr val="accent1"/>
+          </a:effectRef>
+          <a:fontRef idx="minor">
+            <a:schemeClr val="tx1"/>
+          </a:fontRef>
+        </p:style>
+      </p:cxnSp>
+      <p:sp>
+        <p:nvSpPr>
+          <p:cNvPr id="13" name="CaixaDeTexto 12">
+            <a:extLst>
+              <a:ext uri="{FF2B5EF4-FFF2-40B4-BE49-F238E27FC236}">
+                <a16:creationId xmlns:a16="http://schemas.microsoft.com/office/drawing/2014/main" id="{8BF89DE6-ADF6-70D3-2582-C315F4465602}"/>
+              </a:ext>
+            </a:extLst>
+          </p:cNvPr>
+          <p:cNvSpPr txBox="1"/>
+          <p:nvPr/>
+        </p:nvSpPr>
+        <p:spPr>
+          <a:xfrm>
+            <a:off x="6055150" y="3449467"/>
+            <a:ext cx="944489" cy="369332"/>
+          </a:xfrm>
+          <a:prstGeom prst="rect">
+            <a:avLst/>
+          </a:prstGeom>
+          <a:noFill/>
+        </p:spPr>
+        <p:txBody>
+          <a:bodyPr wrap="none" rtlCol="0">
+            <a:spAutoFit/>
+          </a:bodyPr>
+          <a:lstStyle/>
+          <a:p>
+            <a:r>
+              <a:rPr lang="pt-BR" dirty="0">
+                <a:latin typeface="Consolas" panose="020B0609020204030204" pitchFamily="49" charset="0"/>
+              </a:rPr>
+              <a:t>x0, y0</a:t>
+            </a:r>
+          </a:p>
+        </p:txBody>
+      </p:sp>
+      <p:sp>
+        <p:nvSpPr>
+          <p:cNvPr id="14" name="CaixaDeTexto 13">
+            <a:extLst>
+              <a:ext uri="{FF2B5EF4-FFF2-40B4-BE49-F238E27FC236}">
+                <a16:creationId xmlns:a16="http://schemas.microsoft.com/office/drawing/2014/main" id="{FA6C6786-7131-DC04-7E8E-571ABB65559F}"/>
+              </a:ext>
+            </a:extLst>
+          </p:cNvPr>
+          <p:cNvSpPr txBox="1"/>
+          <p:nvPr/>
+        </p:nvSpPr>
+        <p:spPr>
+          <a:xfrm>
+            <a:off x="2471676" y="5865137"/>
+            <a:ext cx="1197764" cy="369332"/>
+          </a:xfrm>
+          <a:prstGeom prst="rect">
+            <a:avLst/>
+          </a:prstGeom>
+          <a:noFill/>
+        </p:spPr>
+        <p:txBody>
+          <a:bodyPr wrap="none" rtlCol="0">
+            <a:spAutoFit/>
+          </a:bodyPr>
+          <a:lstStyle/>
+          <a:p>
+            <a:r>
+              <a:rPr lang="pt-BR" dirty="0">
+                <a:latin typeface="Consolas" panose="020B0609020204030204" pitchFamily="49" charset="0"/>
+              </a:rPr>
+              <a:t>-x1, -y1</a:t>
+            </a:r>
+          </a:p>
+        </p:txBody>
+      </p:sp>
+      <p:sp>
+        <p:nvSpPr>
+          <p:cNvPr id="15" name="CaixaDeTexto 14">
+            <a:extLst>
+              <a:ext uri="{FF2B5EF4-FFF2-40B4-BE49-F238E27FC236}">
+                <a16:creationId xmlns:a16="http://schemas.microsoft.com/office/drawing/2014/main" id="{25C48533-120F-82F2-6C9A-258FD64BA34A}"/>
+              </a:ext>
+            </a:extLst>
+          </p:cNvPr>
+          <p:cNvSpPr txBox="1"/>
+          <p:nvPr/>
+        </p:nvSpPr>
+        <p:spPr>
+          <a:xfrm>
+            <a:off x="8740354" y="833634"/>
+            <a:ext cx="944489" cy="369332"/>
+          </a:xfrm>
+          <a:prstGeom prst="rect">
+            <a:avLst/>
+          </a:prstGeom>
+          <a:noFill/>
+        </p:spPr>
+        <p:txBody>
+          <a:bodyPr wrap="none" rtlCol="0">
+            <a:spAutoFit/>
+          </a:bodyPr>
+          <a:lstStyle/>
+          <a:p>
+            <a:r>
+              <a:rPr lang="pt-BR" dirty="0">
+                <a:latin typeface="Consolas" panose="020B0609020204030204" pitchFamily="49" charset="0"/>
+              </a:rPr>
+              <a:t>x1, y1</a:t>
+            </a:r>
+          </a:p>
+        </p:txBody>
+      </p:sp>
+      <p:sp>
+        <p:nvSpPr>
+          <p:cNvPr id="16" name="CaixaDeTexto 15">
+            <a:extLst>
+              <a:ext uri="{FF2B5EF4-FFF2-40B4-BE49-F238E27FC236}">
+                <a16:creationId xmlns:a16="http://schemas.microsoft.com/office/drawing/2014/main" id="{D590FEC0-1E60-D945-3C42-EADC0803B4B5}"/>
+              </a:ext>
+            </a:extLst>
+          </p:cNvPr>
+          <p:cNvSpPr txBox="1"/>
+          <p:nvPr/>
+        </p:nvSpPr>
+        <p:spPr>
+          <a:xfrm>
+            <a:off x="8589271" y="5817648"/>
+            <a:ext cx="1071127" cy="369332"/>
+          </a:xfrm>
+          <a:prstGeom prst="rect">
+            <a:avLst/>
+          </a:prstGeom>
+          <a:noFill/>
+        </p:spPr>
+        <p:txBody>
+          <a:bodyPr wrap="none" rtlCol="0">
+            <a:spAutoFit/>
+          </a:bodyPr>
+          <a:lstStyle/>
+          <a:p>
+            <a:r>
+              <a:rPr lang="pt-BR" dirty="0">
+                <a:latin typeface="Consolas" panose="020B0609020204030204" pitchFamily="49" charset="0"/>
+              </a:rPr>
+              <a:t>x1, -y1</a:t>
+            </a:r>
+          </a:p>
+        </p:txBody>
+      </p:sp>
+      <p:sp>
+        <p:nvSpPr>
+          <p:cNvPr id="18" name="CaixaDeTexto 17">
+            <a:extLst>
+              <a:ext uri="{FF2B5EF4-FFF2-40B4-BE49-F238E27FC236}">
+                <a16:creationId xmlns:a16="http://schemas.microsoft.com/office/drawing/2014/main" id="{395FD0C0-9819-917B-08FC-7EDF0DEB9804}"/>
+              </a:ext>
+            </a:extLst>
+          </p:cNvPr>
+          <p:cNvSpPr txBox="1"/>
+          <p:nvPr/>
+        </p:nvSpPr>
+        <p:spPr>
+          <a:xfrm>
+            <a:off x="2486785" y="843060"/>
+            <a:ext cx="1071127" cy="369332"/>
+          </a:xfrm>
+          <a:prstGeom prst="rect">
+            <a:avLst/>
+          </a:prstGeom>
+          <a:noFill/>
+        </p:spPr>
+        <p:txBody>
+          <a:bodyPr wrap="none" rtlCol="0">
+            <a:spAutoFit/>
+          </a:bodyPr>
+          <a:lstStyle/>
+          <a:p>
+            <a:r>
+              <a:rPr lang="pt-BR" dirty="0">
+                <a:latin typeface="Consolas" panose="020B0609020204030204" pitchFamily="49" charset="0"/>
+              </a:rPr>
+              <a:t>-x1, y1</a:t>
+            </a:r>
+          </a:p>
+        </p:txBody>
+      </p:sp>
+      <p:sp>
+        <p:nvSpPr>
+          <p:cNvPr id="23" name="CaixaDeTexto 22">
+            <a:extLst>
+              <a:ext uri="{FF2B5EF4-FFF2-40B4-BE49-F238E27FC236}">
+                <a16:creationId xmlns:a16="http://schemas.microsoft.com/office/drawing/2014/main" id="{2BDA2BEA-5A58-C026-AEEB-A3D4EE0946E6}"/>
+              </a:ext>
+            </a:extLst>
+          </p:cNvPr>
+          <p:cNvSpPr txBox="1"/>
+          <p:nvPr/>
+        </p:nvSpPr>
+        <p:spPr>
+          <a:xfrm>
+            <a:off x="7749646" y="3477312"/>
+            <a:ext cx="691215" cy="369332"/>
+          </a:xfrm>
+          <a:prstGeom prst="rect">
+            <a:avLst/>
+          </a:prstGeom>
+          <a:noFill/>
+        </p:spPr>
+        <p:txBody>
+          <a:bodyPr wrap="none" rtlCol="0">
+            <a:spAutoFit/>
+          </a:bodyPr>
+          <a:lstStyle/>
+          <a:p>
+            <a:r>
+              <a:rPr lang="pt-BR" dirty="0">
+                <a:latin typeface="Consolas" panose="020B0609020204030204" pitchFamily="49" charset="0"/>
+              </a:rPr>
+              <a:t>9, 0</a:t>
+            </a:r>
+          </a:p>
+        </p:txBody>
+      </p:sp>
+      <p:sp>
+        <p:nvSpPr>
+          <p:cNvPr id="4" name="CaixaDeTexto 3">
+            <a:extLst>
+              <a:ext uri="{FF2B5EF4-FFF2-40B4-BE49-F238E27FC236}">
+                <a16:creationId xmlns:a16="http://schemas.microsoft.com/office/drawing/2014/main" id="{40C3DEF5-9155-6EA8-AA09-1DF5569ADD0E}"/>
+              </a:ext>
+            </a:extLst>
+          </p:cNvPr>
+          <p:cNvSpPr txBox="1"/>
+          <p:nvPr/>
+        </p:nvSpPr>
+        <p:spPr>
+          <a:xfrm>
+            <a:off x="3941309" y="3459420"/>
+            <a:ext cx="817853" cy="369332"/>
+          </a:xfrm>
+          <a:prstGeom prst="rect">
+            <a:avLst/>
+          </a:prstGeom>
+          <a:noFill/>
+        </p:spPr>
+        <p:txBody>
+          <a:bodyPr wrap="none" rtlCol="0">
+            <a:spAutoFit/>
+          </a:bodyPr>
+          <a:lstStyle/>
+          <a:p>
+            <a:r>
+              <a:rPr lang="pt-BR" dirty="0">
+                <a:latin typeface="Consolas" panose="020B0609020204030204" pitchFamily="49" charset="0"/>
+              </a:rPr>
+              <a:t>-8, 0</a:t>
+            </a:r>
+          </a:p>
+        </p:txBody>
+      </p:sp>
+      <p:sp>
+        <p:nvSpPr>
+          <p:cNvPr id="10" name="CaixaDeTexto 9">
+            <a:extLst>
+              <a:ext uri="{FF2B5EF4-FFF2-40B4-BE49-F238E27FC236}">
+                <a16:creationId xmlns:a16="http://schemas.microsoft.com/office/drawing/2014/main" id="{0376242D-7903-1C04-76EF-680B9ECABEB9}"/>
+              </a:ext>
+            </a:extLst>
+          </p:cNvPr>
+          <p:cNvSpPr txBox="1"/>
+          <p:nvPr/>
+        </p:nvSpPr>
+        <p:spPr>
+          <a:xfrm>
+            <a:off x="3846224" y="833634"/>
+            <a:ext cx="817853" cy="369332"/>
+          </a:xfrm>
+          <a:prstGeom prst="rect">
+            <a:avLst/>
+          </a:prstGeom>
+          <a:noFill/>
+        </p:spPr>
+        <p:txBody>
+          <a:bodyPr wrap="none" rtlCol="0">
+            <a:spAutoFit/>
+          </a:bodyPr>
+          <a:lstStyle/>
+          <a:p>
+            <a:r>
+              <a:rPr lang="pt-BR" dirty="0">
+                <a:latin typeface="Consolas" panose="020B0609020204030204" pitchFamily="49" charset="0"/>
+              </a:rPr>
+              <a:t>-8, 1</a:t>
+            </a:r>
+          </a:p>
+        </p:txBody>
+      </p:sp>
+      <p:sp>
+        <p:nvSpPr>
+          <p:cNvPr id="17" name="CaixaDeTexto 16">
+            <a:extLst>
+              <a:ext uri="{FF2B5EF4-FFF2-40B4-BE49-F238E27FC236}">
+                <a16:creationId xmlns:a16="http://schemas.microsoft.com/office/drawing/2014/main" id="{26482F2E-9027-FAEF-07F7-CC79D5196AD4}"/>
+              </a:ext>
+            </a:extLst>
+          </p:cNvPr>
+          <p:cNvSpPr txBox="1"/>
+          <p:nvPr/>
+        </p:nvSpPr>
+        <p:spPr>
+          <a:xfrm>
+            <a:off x="7508967" y="767645"/>
+            <a:ext cx="691215" cy="369332"/>
+          </a:xfrm>
+          <a:prstGeom prst="rect">
+            <a:avLst/>
+          </a:prstGeom>
+          <a:noFill/>
+        </p:spPr>
+        <p:txBody>
+          <a:bodyPr wrap="none" rtlCol="0">
+            <a:spAutoFit/>
+          </a:bodyPr>
+          <a:lstStyle/>
+          <a:p>
+            <a:r>
+              <a:rPr lang="pt-BR" dirty="0">
+                <a:latin typeface="Consolas" panose="020B0609020204030204" pitchFamily="49" charset="0"/>
+              </a:rPr>
+              <a:t>9, 1</a:t>
+            </a:r>
+          </a:p>
+        </p:txBody>
+      </p:sp>
+      <p:sp>
+        <p:nvSpPr>
+          <p:cNvPr id="19" name="CaixaDeTexto 18">
+            <a:extLst>
+              <a:ext uri="{FF2B5EF4-FFF2-40B4-BE49-F238E27FC236}">
+                <a16:creationId xmlns:a16="http://schemas.microsoft.com/office/drawing/2014/main" id="{E679ABB8-C564-B963-6EB6-CC19446A18BE}"/>
+              </a:ext>
+            </a:extLst>
+          </p:cNvPr>
+          <p:cNvSpPr txBox="1"/>
+          <p:nvPr/>
+        </p:nvSpPr>
+        <p:spPr>
+          <a:xfrm>
+            <a:off x="0" y="0"/>
+            <a:ext cx="1324402" cy="369332"/>
+          </a:xfrm>
+          <a:prstGeom prst="rect">
+            <a:avLst/>
+          </a:prstGeom>
+          <a:noFill/>
+        </p:spPr>
+        <p:txBody>
+          <a:bodyPr wrap="none" rtlCol="0">
+            <a:spAutoFit/>
+          </a:bodyPr>
+          <a:lstStyle/>
+          <a:p>
+            <a:r>
+              <a:rPr lang="pt-BR" dirty="0" err="1">
+                <a:solidFill>
+                  <a:schemeClr val="bg1"/>
+                </a:solidFill>
+                <a:latin typeface="Consolas" panose="020B0609020204030204" pitchFamily="49" charset="0"/>
+              </a:rPr>
+              <a:t>Crosshair</a:t>
+            </a:r>
+            <a:endParaRPr lang="pt-BR" dirty="0">
+              <a:solidFill>
+                <a:schemeClr val="bg1"/>
+              </a:solidFill>
+              <a:latin typeface="Consolas" panose="020B0609020204030204" pitchFamily="49" charset="0"/>
+            </a:endParaRPr>
+          </a:p>
+        </p:txBody>
+      </p:sp>
+    </p:spTree>
+    <p:extLst>
+      <p:ext uri="{BB962C8B-B14F-4D97-AF65-F5344CB8AC3E}">
+        <p14:creationId xmlns:p14="http://schemas.microsoft.com/office/powerpoint/2010/main" val="2541292165"/>
+      </p:ext>
+    </p:extLst>
+  </p:cSld>
+  <p:clrMapOvr>
+    <a:masterClrMapping/>
+  </p:clrMapOvr>
+</p:sld>
+</file>
+
+<file path=ppt/slides/slide11.xml><?xml version="1.0" encoding="utf-8"?>
+<p:sld xmlns:a="http://schemas.openxmlformats.org/drawingml/2006/main" xmlns:r="http://schemas.openxmlformats.org/officeDocument/2006/relationships" xmlns:p="http://schemas.openxmlformats.org/presentationml/2006/main">
+  <p:cSld>
+    <p:spTree>
+      <p:nvGrpSpPr>
+        <p:cNvPr id="1" name="">
+          <a:extLst>
+            <a:ext uri="{FF2B5EF4-FFF2-40B4-BE49-F238E27FC236}">
               <a16:creationId xmlns:a16="http://schemas.microsoft.com/office/drawing/2014/main" id="{438FDF62-6D9D-07CA-C6E9-28C14F8F2DAF}"/>
             </a:ext>
           </a:extLst>
@@ -3455,7 +4208,1374 @@
 </p:sld>
 </file>
 
-<file path=ppt/slides/slide11.xml><?xml version="1.0" encoding="utf-8"?>
+<file path=ppt/slides/slide12.xml><?xml version="1.0" encoding="utf-8"?>
+<p:sld xmlns:a="http://schemas.openxmlformats.org/drawingml/2006/main" xmlns:r="http://schemas.openxmlformats.org/officeDocument/2006/relationships" xmlns:p="http://schemas.openxmlformats.org/presentationml/2006/main">
+  <p:cSld>
+    <p:spTree>
+      <p:nvGrpSpPr>
+        <p:cNvPr id="1" name="">
+          <a:extLst>
+            <a:ext uri="{FF2B5EF4-FFF2-40B4-BE49-F238E27FC236}">
+              <a16:creationId xmlns:a16="http://schemas.microsoft.com/office/drawing/2014/main" id="{1BDE559C-04D7-369F-6E81-8E548E802751}"/>
+            </a:ext>
+          </a:extLst>
+        </p:cNvPr>
+        <p:cNvGrpSpPr/>
+        <p:nvPr/>
+      </p:nvGrpSpPr>
+      <p:grpSpPr>
+        <a:xfrm>
+          <a:off x="0" y="0"/>
+          <a:ext cx="0" cy="0"/>
+          <a:chOff x="0" y="0"/>
+          <a:chExt cx="0" cy="0"/>
+        </a:xfrm>
+      </p:grpSpPr>
+      <p:sp>
+        <p:nvSpPr>
+          <p:cNvPr id="2" name="Retângulo 1">
+            <a:extLst>
+              <a:ext uri="{FF2B5EF4-FFF2-40B4-BE49-F238E27FC236}">
+                <a16:creationId xmlns:a16="http://schemas.microsoft.com/office/drawing/2014/main" id="{3CE49159-F986-75EB-1F9B-756E612E4D04}"/>
+              </a:ext>
+            </a:extLst>
+          </p:cNvPr>
+          <p:cNvSpPr/>
+          <p:nvPr/>
+        </p:nvSpPr>
+        <p:spPr>
+          <a:xfrm>
+            <a:off x="0" y="0"/>
+            <a:ext cx="12192000" cy="6858000"/>
+          </a:xfrm>
+          <a:prstGeom prst="rect">
+            <a:avLst/>
+          </a:prstGeom>
+          <a:solidFill>
+            <a:schemeClr val="tx1">
+              <a:lumMod val="95000"/>
+              <a:lumOff val="5000"/>
+            </a:schemeClr>
+          </a:solidFill>
+          <a:ln>
+            <a:noFill/>
+          </a:ln>
+        </p:spPr>
+        <p:style>
+          <a:lnRef idx="2">
+            <a:schemeClr val="accent1">
+              <a:shade val="15000"/>
+            </a:schemeClr>
+          </a:lnRef>
+          <a:fillRef idx="1">
+            <a:schemeClr val="accent1"/>
+          </a:fillRef>
+          <a:effectRef idx="0">
+            <a:schemeClr val="accent1"/>
+          </a:effectRef>
+          <a:fontRef idx="minor">
+            <a:schemeClr val="lt1"/>
+          </a:fontRef>
+        </p:style>
+        <p:txBody>
+          <a:bodyPr rtlCol="0" anchor="ctr"/>
+          <a:lstStyle/>
+          <a:p>
+            <a:pPr algn="ctr"/>
+            <a:endParaRPr lang="pt-BR"/>
+          </a:p>
+        </p:txBody>
+      </p:sp>
+      <p:pic>
+        <p:nvPicPr>
+          <p:cNvPr id="3" name="Imagem 2" descr="Forma, Retângulo&#10;&#10;O conteúdo gerado por IA pode estar incorreto.">
+            <a:extLst>
+              <a:ext uri="{FF2B5EF4-FFF2-40B4-BE49-F238E27FC236}">
+                <a16:creationId xmlns:a16="http://schemas.microsoft.com/office/drawing/2014/main" id="{C42768B7-5E6C-3419-088B-D096CF967069}"/>
+              </a:ext>
+            </a:extLst>
+          </p:cNvPr>
+          <p:cNvPicPr>
+            <a:picLocks noChangeAspect="1"/>
+          </p:cNvPicPr>
+          <p:nvPr/>
+        </p:nvPicPr>
+        <p:blipFill>
+          <a:blip r:embed="rId2">
+            <a:extLst>
+              <a:ext uri="{28A0092B-C50C-407E-A947-70E740481C1C}">
+                <a14:useLocalDpi xmlns:a14="http://schemas.microsoft.com/office/drawing/2010/main" val="0"/>
+              </a:ext>
+            </a:extLst>
+          </a:blip>
+          <a:stretch>
+            <a:fillRect/>
+          </a:stretch>
+        </p:blipFill>
+        <p:spPr>
+          <a:xfrm>
+            <a:off x="2496000" y="623531"/>
+            <a:ext cx="7200000" cy="5610938"/>
+          </a:xfrm>
+          <a:prstGeom prst="rect">
+            <a:avLst/>
+          </a:prstGeom>
+        </p:spPr>
+      </p:pic>
+      <p:cxnSp>
+        <p:nvCxnSpPr>
+          <p:cNvPr id="5" name="Conector de Seta Reta 4">
+            <a:extLst>
+              <a:ext uri="{FF2B5EF4-FFF2-40B4-BE49-F238E27FC236}">
+                <a16:creationId xmlns:a16="http://schemas.microsoft.com/office/drawing/2014/main" id="{8089B60D-FDE4-FB5D-146F-BE6FEF8BCB8A}"/>
+              </a:ext>
+            </a:extLst>
+          </p:cNvPr>
+          <p:cNvCxnSpPr>
+            <a:cxnSpLocks/>
+          </p:cNvCxnSpPr>
+          <p:nvPr/>
+        </p:nvCxnSpPr>
+        <p:spPr>
+          <a:xfrm flipV="1">
+            <a:off x="2168165" y="623531"/>
+            <a:ext cx="0" cy="5959311"/>
+          </a:xfrm>
+          <a:prstGeom prst="straightConnector1">
+            <a:avLst/>
+          </a:prstGeom>
+          <a:ln w="76200">
+            <a:solidFill>
+              <a:srgbClr val="00B050"/>
+            </a:solidFill>
+            <a:tailEnd type="triangle"/>
+          </a:ln>
+        </p:spPr>
+        <p:style>
+          <a:lnRef idx="2">
+            <a:schemeClr val="accent1"/>
+          </a:lnRef>
+          <a:fillRef idx="0">
+            <a:schemeClr val="accent1"/>
+          </a:fillRef>
+          <a:effectRef idx="1">
+            <a:schemeClr val="accent1"/>
+          </a:effectRef>
+          <a:fontRef idx="minor">
+            <a:schemeClr val="tx1"/>
+          </a:fontRef>
+        </p:style>
+      </p:cxnSp>
+      <p:cxnSp>
+        <p:nvCxnSpPr>
+          <p:cNvPr id="7" name="Conector de Seta Reta 6">
+            <a:extLst>
+              <a:ext uri="{FF2B5EF4-FFF2-40B4-BE49-F238E27FC236}">
+                <a16:creationId xmlns:a16="http://schemas.microsoft.com/office/drawing/2014/main" id="{AA19B5AA-AF58-1A01-AE97-293024D96EBC}"/>
+              </a:ext>
+            </a:extLst>
+          </p:cNvPr>
+          <p:cNvCxnSpPr>
+            <a:cxnSpLocks/>
+          </p:cNvCxnSpPr>
+          <p:nvPr/>
+        </p:nvCxnSpPr>
+        <p:spPr>
+          <a:xfrm>
+            <a:off x="2168165" y="6582842"/>
+            <a:ext cx="7527835" cy="0"/>
+          </a:xfrm>
+          <a:prstGeom prst="straightConnector1">
+            <a:avLst/>
+          </a:prstGeom>
+          <a:ln w="76200">
+            <a:solidFill>
+              <a:srgbClr val="FF0000"/>
+            </a:solidFill>
+            <a:tailEnd type="triangle"/>
+          </a:ln>
+        </p:spPr>
+        <p:style>
+          <a:lnRef idx="2">
+            <a:schemeClr val="accent1"/>
+          </a:lnRef>
+          <a:fillRef idx="0">
+            <a:schemeClr val="accent1"/>
+          </a:fillRef>
+          <a:effectRef idx="1">
+            <a:schemeClr val="accent1"/>
+          </a:effectRef>
+          <a:fontRef idx="minor">
+            <a:schemeClr val="tx1"/>
+          </a:fontRef>
+        </p:style>
+      </p:cxnSp>
+      <p:sp>
+        <p:nvSpPr>
+          <p:cNvPr id="8" name="CaixaDeTexto 7">
+            <a:extLst>
+              <a:ext uri="{FF2B5EF4-FFF2-40B4-BE49-F238E27FC236}">
+                <a16:creationId xmlns:a16="http://schemas.microsoft.com/office/drawing/2014/main" id="{E9D76EDF-55AB-80E4-36AA-4DF743AD4BB9}"/>
+              </a:ext>
+            </a:extLst>
+          </p:cNvPr>
+          <p:cNvSpPr txBox="1"/>
+          <p:nvPr/>
+        </p:nvSpPr>
+        <p:spPr>
+          <a:xfrm>
+            <a:off x="2013315" y="131975"/>
+            <a:ext cx="309700" cy="369332"/>
+          </a:xfrm>
+          <a:prstGeom prst="rect">
+            <a:avLst/>
+          </a:prstGeom>
+          <a:noFill/>
+        </p:spPr>
+        <p:txBody>
+          <a:bodyPr wrap="none" rtlCol="0">
+            <a:spAutoFit/>
+          </a:bodyPr>
+          <a:lstStyle/>
+          <a:p>
+            <a:r>
+              <a:rPr lang="pt-BR" dirty="0">
+                <a:solidFill>
+                  <a:schemeClr val="bg1"/>
+                </a:solidFill>
+              </a:rPr>
+              <a:t>Y</a:t>
+            </a:r>
+          </a:p>
+        </p:txBody>
+      </p:sp>
+      <p:sp>
+        <p:nvSpPr>
+          <p:cNvPr id="9" name="CaixaDeTexto 8">
+            <a:extLst>
+              <a:ext uri="{FF2B5EF4-FFF2-40B4-BE49-F238E27FC236}">
+                <a16:creationId xmlns:a16="http://schemas.microsoft.com/office/drawing/2014/main" id="{AD57A701-80A3-C8BA-943E-FD97F6F2D71D}"/>
+              </a:ext>
+            </a:extLst>
+          </p:cNvPr>
+          <p:cNvSpPr txBox="1"/>
+          <p:nvPr/>
+        </p:nvSpPr>
+        <p:spPr>
+          <a:xfrm>
+            <a:off x="9886268" y="6398176"/>
+            <a:ext cx="312906" cy="369332"/>
+          </a:xfrm>
+          <a:prstGeom prst="rect">
+            <a:avLst/>
+          </a:prstGeom>
+          <a:noFill/>
+        </p:spPr>
+        <p:txBody>
+          <a:bodyPr wrap="none" rtlCol="0">
+            <a:spAutoFit/>
+          </a:bodyPr>
+          <a:lstStyle/>
+          <a:p>
+            <a:r>
+              <a:rPr lang="pt-BR" dirty="0">
+                <a:solidFill>
+                  <a:schemeClr val="bg1"/>
+                </a:solidFill>
+              </a:rPr>
+              <a:t>X</a:t>
+            </a:r>
+          </a:p>
+        </p:txBody>
+      </p:sp>
+      <p:cxnSp>
+        <p:nvCxnSpPr>
+          <p:cNvPr id="6" name="Conector reto 5">
+            <a:extLst>
+              <a:ext uri="{FF2B5EF4-FFF2-40B4-BE49-F238E27FC236}">
+                <a16:creationId xmlns:a16="http://schemas.microsoft.com/office/drawing/2014/main" id="{6F12E62F-F028-0F94-B13F-A8A6CF1CE012}"/>
+              </a:ext>
+            </a:extLst>
+          </p:cNvPr>
+          <p:cNvCxnSpPr/>
+          <p:nvPr/>
+        </p:nvCxnSpPr>
+        <p:spPr>
+          <a:xfrm>
+            <a:off x="6014301" y="386499"/>
+            <a:ext cx="81699" cy="6196343"/>
+          </a:xfrm>
+          <a:prstGeom prst="line">
+            <a:avLst/>
+          </a:prstGeom>
+        </p:spPr>
+        <p:style>
+          <a:lnRef idx="2">
+            <a:schemeClr val="accent1"/>
+          </a:lnRef>
+          <a:fillRef idx="0">
+            <a:schemeClr val="accent1"/>
+          </a:fillRef>
+          <a:effectRef idx="1">
+            <a:schemeClr val="accent1"/>
+          </a:effectRef>
+          <a:fontRef idx="minor">
+            <a:schemeClr val="tx1"/>
+          </a:fontRef>
+        </p:style>
+      </p:cxnSp>
+      <p:cxnSp>
+        <p:nvCxnSpPr>
+          <p:cNvPr id="11" name="Conector reto 10">
+            <a:extLst>
+              <a:ext uri="{FF2B5EF4-FFF2-40B4-BE49-F238E27FC236}">
+                <a16:creationId xmlns:a16="http://schemas.microsoft.com/office/drawing/2014/main" id="{D723C072-7811-A3D2-202C-DB689B2E7409}"/>
+              </a:ext>
+            </a:extLst>
+          </p:cNvPr>
+          <p:cNvCxnSpPr>
+            <a:cxnSpLocks/>
+          </p:cNvCxnSpPr>
+          <p:nvPr/>
+        </p:nvCxnSpPr>
+        <p:spPr>
+          <a:xfrm>
+            <a:off x="1800520" y="3429000"/>
+            <a:ext cx="8776354" cy="96625"/>
+          </a:xfrm>
+          <a:prstGeom prst="line">
+            <a:avLst/>
+          </a:prstGeom>
+        </p:spPr>
+        <p:style>
+          <a:lnRef idx="2">
+            <a:schemeClr val="accent1"/>
+          </a:lnRef>
+          <a:fillRef idx="0">
+            <a:schemeClr val="accent1"/>
+          </a:fillRef>
+          <a:effectRef idx="1">
+            <a:schemeClr val="accent1"/>
+          </a:effectRef>
+          <a:fontRef idx="minor">
+            <a:schemeClr val="tx1"/>
+          </a:fontRef>
+        </p:style>
+      </p:cxnSp>
+      <p:sp>
+        <p:nvSpPr>
+          <p:cNvPr id="13" name="CaixaDeTexto 12">
+            <a:extLst>
+              <a:ext uri="{FF2B5EF4-FFF2-40B4-BE49-F238E27FC236}">
+                <a16:creationId xmlns:a16="http://schemas.microsoft.com/office/drawing/2014/main" id="{0AF54499-7EC5-DA2D-EF13-D4BA094F6C54}"/>
+              </a:ext>
+            </a:extLst>
+          </p:cNvPr>
+          <p:cNvSpPr txBox="1"/>
+          <p:nvPr/>
+        </p:nvSpPr>
+        <p:spPr>
+          <a:xfrm>
+            <a:off x="6055150" y="3449467"/>
+            <a:ext cx="691215" cy="369332"/>
+          </a:xfrm>
+          <a:prstGeom prst="rect">
+            <a:avLst/>
+          </a:prstGeom>
+          <a:noFill/>
+        </p:spPr>
+        <p:txBody>
+          <a:bodyPr wrap="none" rtlCol="0">
+            <a:spAutoFit/>
+          </a:bodyPr>
+          <a:lstStyle/>
+          <a:p>
+            <a:r>
+              <a:rPr lang="pt-BR" dirty="0">
+                <a:latin typeface="Consolas" panose="020B0609020204030204" pitchFamily="49" charset="0"/>
+              </a:rPr>
+              <a:t>0, 0</a:t>
+            </a:r>
+          </a:p>
+        </p:txBody>
+      </p:sp>
+      <p:sp>
+        <p:nvSpPr>
+          <p:cNvPr id="14" name="CaixaDeTexto 13">
+            <a:extLst>
+              <a:ext uri="{FF2B5EF4-FFF2-40B4-BE49-F238E27FC236}">
+                <a16:creationId xmlns:a16="http://schemas.microsoft.com/office/drawing/2014/main" id="{01A2485C-5611-64F9-4926-D4D90419066F}"/>
+              </a:ext>
+            </a:extLst>
+          </p:cNvPr>
+          <p:cNvSpPr txBox="1"/>
+          <p:nvPr/>
+        </p:nvSpPr>
+        <p:spPr>
+          <a:xfrm>
+            <a:off x="2471676" y="5865137"/>
+            <a:ext cx="1451038" cy="369332"/>
+          </a:xfrm>
+          <a:prstGeom prst="rect">
+            <a:avLst/>
+          </a:prstGeom>
+          <a:noFill/>
+        </p:spPr>
+        <p:txBody>
+          <a:bodyPr wrap="none" rtlCol="0">
+            <a:spAutoFit/>
+          </a:bodyPr>
+          <a:lstStyle/>
+          <a:p>
+            <a:r>
+              <a:rPr lang="pt-BR" dirty="0">
+                <a:latin typeface="Consolas" panose="020B0609020204030204" pitchFamily="49" charset="0"/>
+              </a:rPr>
+              <a:t>-512, -384</a:t>
+            </a:r>
+          </a:p>
+        </p:txBody>
+      </p:sp>
+      <p:sp>
+        <p:nvSpPr>
+          <p:cNvPr id="15" name="CaixaDeTexto 14">
+            <a:extLst>
+              <a:ext uri="{FF2B5EF4-FFF2-40B4-BE49-F238E27FC236}">
+                <a16:creationId xmlns:a16="http://schemas.microsoft.com/office/drawing/2014/main" id="{6E3E0B99-298A-0902-068F-888C8C07DFEA}"/>
+              </a:ext>
+            </a:extLst>
+          </p:cNvPr>
+          <p:cNvSpPr txBox="1"/>
+          <p:nvPr/>
+        </p:nvSpPr>
+        <p:spPr>
+          <a:xfrm>
+            <a:off x="8514109" y="833634"/>
+            <a:ext cx="1197764" cy="369332"/>
+          </a:xfrm>
+          <a:prstGeom prst="rect">
+            <a:avLst/>
+          </a:prstGeom>
+          <a:noFill/>
+        </p:spPr>
+        <p:txBody>
+          <a:bodyPr wrap="none" rtlCol="0">
+            <a:spAutoFit/>
+          </a:bodyPr>
+          <a:lstStyle/>
+          <a:p>
+            <a:r>
+              <a:rPr lang="pt-BR" dirty="0">
+                <a:latin typeface="Consolas" panose="020B0609020204030204" pitchFamily="49" charset="0"/>
+              </a:rPr>
+              <a:t>512, 384</a:t>
+            </a:r>
+          </a:p>
+        </p:txBody>
+      </p:sp>
+      <p:sp>
+        <p:nvSpPr>
+          <p:cNvPr id="16" name="CaixaDeTexto 15">
+            <a:extLst>
+              <a:ext uri="{FF2B5EF4-FFF2-40B4-BE49-F238E27FC236}">
+                <a16:creationId xmlns:a16="http://schemas.microsoft.com/office/drawing/2014/main" id="{406F7D13-643C-4F95-D489-B9C9C42C137F}"/>
+              </a:ext>
+            </a:extLst>
+          </p:cNvPr>
+          <p:cNvSpPr txBox="1"/>
+          <p:nvPr/>
+        </p:nvSpPr>
+        <p:spPr>
+          <a:xfrm>
+            <a:off x="8363027" y="5836502"/>
+            <a:ext cx="1324402" cy="369332"/>
+          </a:xfrm>
+          <a:prstGeom prst="rect">
+            <a:avLst/>
+          </a:prstGeom>
+          <a:noFill/>
+        </p:spPr>
+        <p:txBody>
+          <a:bodyPr wrap="none" rtlCol="0">
+            <a:spAutoFit/>
+          </a:bodyPr>
+          <a:lstStyle/>
+          <a:p>
+            <a:r>
+              <a:rPr lang="pt-BR" dirty="0">
+                <a:latin typeface="Consolas" panose="020B0609020204030204" pitchFamily="49" charset="0"/>
+              </a:rPr>
+              <a:t>512, -384</a:t>
+            </a:r>
+          </a:p>
+        </p:txBody>
+      </p:sp>
+      <p:sp>
+        <p:nvSpPr>
+          <p:cNvPr id="18" name="CaixaDeTexto 17">
+            <a:extLst>
+              <a:ext uri="{FF2B5EF4-FFF2-40B4-BE49-F238E27FC236}">
+                <a16:creationId xmlns:a16="http://schemas.microsoft.com/office/drawing/2014/main" id="{2FFC9036-9CE1-134A-34B5-FE4D6BD2692A}"/>
+              </a:ext>
+            </a:extLst>
+          </p:cNvPr>
+          <p:cNvSpPr txBox="1"/>
+          <p:nvPr/>
+        </p:nvSpPr>
+        <p:spPr>
+          <a:xfrm>
+            <a:off x="2486785" y="843060"/>
+            <a:ext cx="1324402" cy="369332"/>
+          </a:xfrm>
+          <a:prstGeom prst="rect">
+            <a:avLst/>
+          </a:prstGeom>
+          <a:noFill/>
+        </p:spPr>
+        <p:txBody>
+          <a:bodyPr wrap="none" rtlCol="0">
+            <a:spAutoFit/>
+          </a:bodyPr>
+          <a:lstStyle/>
+          <a:p>
+            <a:r>
+              <a:rPr lang="pt-BR" dirty="0">
+                <a:latin typeface="Consolas" panose="020B0609020204030204" pitchFamily="49" charset="0"/>
+              </a:rPr>
+              <a:t>-512, 384</a:t>
+            </a:r>
+          </a:p>
+        </p:txBody>
+      </p:sp>
+      <p:sp>
+        <p:nvSpPr>
+          <p:cNvPr id="26" name="CaixaDeTexto 25">
+            <a:extLst>
+              <a:ext uri="{FF2B5EF4-FFF2-40B4-BE49-F238E27FC236}">
+                <a16:creationId xmlns:a16="http://schemas.microsoft.com/office/drawing/2014/main" id="{391B4156-506C-757D-A95B-52D49F997A7E}"/>
+              </a:ext>
+            </a:extLst>
+          </p:cNvPr>
+          <p:cNvSpPr txBox="1"/>
+          <p:nvPr/>
+        </p:nvSpPr>
+        <p:spPr>
+          <a:xfrm>
+            <a:off x="0" y="0"/>
+            <a:ext cx="1324402" cy="369332"/>
+          </a:xfrm>
+          <a:prstGeom prst="rect">
+            <a:avLst/>
+          </a:prstGeom>
+          <a:noFill/>
+        </p:spPr>
+        <p:txBody>
+          <a:bodyPr wrap="none" rtlCol="0">
+            <a:spAutoFit/>
+          </a:bodyPr>
+          <a:lstStyle/>
+          <a:p>
+            <a:r>
+              <a:rPr lang="pt-BR" dirty="0" err="1">
+                <a:solidFill>
+                  <a:schemeClr val="bg1"/>
+                </a:solidFill>
+                <a:latin typeface="Consolas" panose="020B0609020204030204" pitchFamily="49" charset="0"/>
+              </a:rPr>
+              <a:t>Crosshair</a:t>
+            </a:r>
+            <a:endParaRPr lang="pt-BR" dirty="0">
+              <a:solidFill>
+                <a:schemeClr val="bg1"/>
+              </a:solidFill>
+              <a:latin typeface="Consolas" panose="020B0609020204030204" pitchFamily="49" charset="0"/>
+            </a:endParaRPr>
+          </a:p>
+        </p:txBody>
+      </p:sp>
+      <p:sp>
+        <p:nvSpPr>
+          <p:cNvPr id="4" name="CaixaDeTexto 3">
+            <a:extLst>
+              <a:ext uri="{FF2B5EF4-FFF2-40B4-BE49-F238E27FC236}">
+                <a16:creationId xmlns:a16="http://schemas.microsoft.com/office/drawing/2014/main" id="{5AA6143D-8E68-72D5-9B2E-1E8F49FFB917}"/>
+              </a:ext>
+            </a:extLst>
+          </p:cNvPr>
+          <p:cNvSpPr txBox="1"/>
+          <p:nvPr/>
+        </p:nvSpPr>
+        <p:spPr>
+          <a:xfrm>
+            <a:off x="9707290" y="1018300"/>
+            <a:ext cx="1197764" cy="369332"/>
+          </a:xfrm>
+          <a:prstGeom prst="rect">
+            <a:avLst/>
+          </a:prstGeom>
+          <a:noFill/>
+        </p:spPr>
+        <p:txBody>
+          <a:bodyPr wrap="none" rtlCol="0">
+            <a:spAutoFit/>
+          </a:bodyPr>
+          <a:lstStyle/>
+          <a:p>
+            <a:r>
+              <a:rPr lang="pt-BR" dirty="0">
+                <a:solidFill>
+                  <a:schemeClr val="bg1"/>
+                </a:solidFill>
+                <a:latin typeface="Consolas" panose="020B0609020204030204" pitchFamily="49" charset="0"/>
+              </a:rPr>
+              <a:t>513, 376</a:t>
+            </a:r>
+          </a:p>
+        </p:txBody>
+      </p:sp>
+      <p:sp>
+        <p:nvSpPr>
+          <p:cNvPr id="10" name="CaixaDeTexto 9">
+            <a:extLst>
+              <a:ext uri="{FF2B5EF4-FFF2-40B4-BE49-F238E27FC236}">
+                <a16:creationId xmlns:a16="http://schemas.microsoft.com/office/drawing/2014/main" id="{B26EE698-1F40-FCCC-EF19-9281D0768969}"/>
+              </a:ext>
+            </a:extLst>
+          </p:cNvPr>
+          <p:cNvSpPr txBox="1"/>
+          <p:nvPr/>
+        </p:nvSpPr>
+        <p:spPr>
+          <a:xfrm>
+            <a:off x="9707290" y="1211215"/>
+            <a:ext cx="1197764" cy="369332"/>
+          </a:xfrm>
+          <a:prstGeom prst="rect">
+            <a:avLst/>
+          </a:prstGeom>
+          <a:noFill/>
+        </p:spPr>
+        <p:txBody>
+          <a:bodyPr wrap="none" rtlCol="0">
+            <a:spAutoFit/>
+          </a:bodyPr>
+          <a:lstStyle/>
+          <a:p>
+            <a:r>
+              <a:rPr lang="pt-BR" dirty="0">
+                <a:solidFill>
+                  <a:schemeClr val="bg1"/>
+                </a:solidFill>
+                <a:latin typeface="Consolas" panose="020B0609020204030204" pitchFamily="49" charset="0"/>
+              </a:rPr>
+              <a:t>512, 376</a:t>
+            </a:r>
+          </a:p>
+        </p:txBody>
+      </p:sp>
+    </p:spTree>
+    <p:extLst>
+      <p:ext uri="{BB962C8B-B14F-4D97-AF65-F5344CB8AC3E}">
+        <p14:creationId xmlns:p14="http://schemas.microsoft.com/office/powerpoint/2010/main" val="440769599"/>
+      </p:ext>
+    </p:extLst>
+  </p:cSld>
+  <p:clrMapOvr>
+    <a:masterClrMapping/>
+  </p:clrMapOvr>
+</p:sld>
+</file>
+
+<file path=ppt/slides/slide13.xml><?xml version="1.0" encoding="utf-8"?>
+<p:sld xmlns:a="http://schemas.openxmlformats.org/drawingml/2006/main" xmlns:r="http://schemas.openxmlformats.org/officeDocument/2006/relationships" xmlns:p="http://schemas.openxmlformats.org/presentationml/2006/main">
+  <p:cSld>
+    <p:spTree>
+      <p:nvGrpSpPr>
+        <p:cNvPr id="1" name="">
+          <a:extLst>
+            <a:ext uri="{FF2B5EF4-FFF2-40B4-BE49-F238E27FC236}">
+              <a16:creationId xmlns:a16="http://schemas.microsoft.com/office/drawing/2014/main" id="{9F6192FF-9AA1-9D97-EBEB-F189D8124A53}"/>
+            </a:ext>
+          </a:extLst>
+        </p:cNvPr>
+        <p:cNvGrpSpPr/>
+        <p:nvPr/>
+      </p:nvGrpSpPr>
+      <p:grpSpPr>
+        <a:xfrm>
+          <a:off x="0" y="0"/>
+          <a:ext cx="0" cy="0"/>
+          <a:chOff x="0" y="0"/>
+          <a:chExt cx="0" cy="0"/>
+        </a:xfrm>
+      </p:grpSpPr>
+      <p:sp>
+        <p:nvSpPr>
+          <p:cNvPr id="2" name="Retângulo 1">
+            <a:extLst>
+              <a:ext uri="{FF2B5EF4-FFF2-40B4-BE49-F238E27FC236}">
+                <a16:creationId xmlns:a16="http://schemas.microsoft.com/office/drawing/2014/main" id="{F27EF2B3-D13F-ED23-857E-C12B964AEBF3}"/>
+              </a:ext>
+            </a:extLst>
+          </p:cNvPr>
+          <p:cNvSpPr/>
+          <p:nvPr/>
+        </p:nvSpPr>
+        <p:spPr>
+          <a:xfrm>
+            <a:off x="0" y="0"/>
+            <a:ext cx="12192000" cy="6858000"/>
+          </a:xfrm>
+          <a:prstGeom prst="rect">
+            <a:avLst/>
+          </a:prstGeom>
+          <a:solidFill>
+            <a:schemeClr val="tx1">
+              <a:lumMod val="95000"/>
+              <a:lumOff val="5000"/>
+            </a:schemeClr>
+          </a:solidFill>
+          <a:ln>
+            <a:noFill/>
+          </a:ln>
+        </p:spPr>
+        <p:style>
+          <a:lnRef idx="2">
+            <a:schemeClr val="accent1">
+              <a:shade val="15000"/>
+            </a:schemeClr>
+          </a:lnRef>
+          <a:fillRef idx="1">
+            <a:schemeClr val="accent1"/>
+          </a:fillRef>
+          <a:effectRef idx="0">
+            <a:schemeClr val="accent1"/>
+          </a:effectRef>
+          <a:fontRef idx="minor">
+            <a:schemeClr val="lt1"/>
+          </a:fontRef>
+        </p:style>
+        <p:txBody>
+          <a:bodyPr rtlCol="0" anchor="ctr"/>
+          <a:lstStyle/>
+          <a:p>
+            <a:pPr algn="ctr"/>
+            <a:endParaRPr lang="pt-BR"/>
+          </a:p>
+        </p:txBody>
+      </p:sp>
+      <p:pic>
+        <p:nvPicPr>
+          <p:cNvPr id="3" name="Imagem 2" descr="Forma, Retângulo&#10;&#10;O conteúdo gerado por IA pode estar incorreto.">
+            <a:extLst>
+              <a:ext uri="{FF2B5EF4-FFF2-40B4-BE49-F238E27FC236}">
+                <a16:creationId xmlns:a16="http://schemas.microsoft.com/office/drawing/2014/main" id="{DFEFCB57-96EA-8DB3-9933-6C10A55CF198}"/>
+              </a:ext>
+            </a:extLst>
+          </p:cNvPr>
+          <p:cNvPicPr>
+            <a:picLocks noChangeAspect="1"/>
+          </p:cNvPicPr>
+          <p:nvPr/>
+        </p:nvPicPr>
+        <p:blipFill>
+          <a:blip r:embed="rId2">
+            <a:extLst>
+              <a:ext uri="{28A0092B-C50C-407E-A947-70E740481C1C}">
+                <a14:useLocalDpi xmlns:a14="http://schemas.microsoft.com/office/drawing/2010/main" val="0"/>
+              </a:ext>
+            </a:extLst>
+          </a:blip>
+          <a:stretch>
+            <a:fillRect/>
+          </a:stretch>
+        </p:blipFill>
+        <p:spPr>
+          <a:xfrm>
+            <a:off x="2496000" y="623531"/>
+            <a:ext cx="7200000" cy="5610938"/>
+          </a:xfrm>
+          <a:prstGeom prst="rect">
+            <a:avLst/>
+          </a:prstGeom>
+        </p:spPr>
+      </p:pic>
+      <p:cxnSp>
+        <p:nvCxnSpPr>
+          <p:cNvPr id="5" name="Conector de Seta Reta 4">
+            <a:extLst>
+              <a:ext uri="{FF2B5EF4-FFF2-40B4-BE49-F238E27FC236}">
+                <a16:creationId xmlns:a16="http://schemas.microsoft.com/office/drawing/2014/main" id="{E52A0636-E37C-0A7E-FF6D-D9B660FD3147}"/>
+              </a:ext>
+            </a:extLst>
+          </p:cNvPr>
+          <p:cNvCxnSpPr>
+            <a:cxnSpLocks/>
+          </p:cNvCxnSpPr>
+          <p:nvPr/>
+        </p:nvCxnSpPr>
+        <p:spPr>
+          <a:xfrm flipV="1">
+            <a:off x="2168165" y="623531"/>
+            <a:ext cx="0" cy="5959311"/>
+          </a:xfrm>
+          <a:prstGeom prst="straightConnector1">
+            <a:avLst/>
+          </a:prstGeom>
+          <a:ln w="76200">
+            <a:solidFill>
+              <a:srgbClr val="00B050"/>
+            </a:solidFill>
+            <a:tailEnd type="triangle"/>
+          </a:ln>
+        </p:spPr>
+        <p:style>
+          <a:lnRef idx="2">
+            <a:schemeClr val="accent1"/>
+          </a:lnRef>
+          <a:fillRef idx="0">
+            <a:schemeClr val="accent1"/>
+          </a:fillRef>
+          <a:effectRef idx="1">
+            <a:schemeClr val="accent1"/>
+          </a:effectRef>
+          <a:fontRef idx="minor">
+            <a:schemeClr val="tx1"/>
+          </a:fontRef>
+        </p:style>
+      </p:cxnSp>
+      <p:cxnSp>
+        <p:nvCxnSpPr>
+          <p:cNvPr id="7" name="Conector de Seta Reta 6">
+            <a:extLst>
+              <a:ext uri="{FF2B5EF4-FFF2-40B4-BE49-F238E27FC236}">
+                <a16:creationId xmlns:a16="http://schemas.microsoft.com/office/drawing/2014/main" id="{374F1DCA-79EE-C2D8-CF9C-992F0A5C4D5C}"/>
+              </a:ext>
+            </a:extLst>
+          </p:cNvPr>
+          <p:cNvCxnSpPr>
+            <a:cxnSpLocks/>
+          </p:cNvCxnSpPr>
+          <p:nvPr/>
+        </p:nvCxnSpPr>
+        <p:spPr>
+          <a:xfrm>
+            <a:off x="2168165" y="6582842"/>
+            <a:ext cx="7527835" cy="0"/>
+          </a:xfrm>
+          <a:prstGeom prst="straightConnector1">
+            <a:avLst/>
+          </a:prstGeom>
+          <a:ln w="76200">
+            <a:solidFill>
+              <a:srgbClr val="FF0000"/>
+            </a:solidFill>
+            <a:tailEnd type="triangle"/>
+          </a:ln>
+        </p:spPr>
+        <p:style>
+          <a:lnRef idx="2">
+            <a:schemeClr val="accent1"/>
+          </a:lnRef>
+          <a:fillRef idx="0">
+            <a:schemeClr val="accent1"/>
+          </a:fillRef>
+          <a:effectRef idx="1">
+            <a:schemeClr val="accent1"/>
+          </a:effectRef>
+          <a:fontRef idx="minor">
+            <a:schemeClr val="tx1"/>
+          </a:fontRef>
+        </p:style>
+      </p:cxnSp>
+      <p:sp>
+        <p:nvSpPr>
+          <p:cNvPr id="8" name="CaixaDeTexto 7">
+            <a:extLst>
+              <a:ext uri="{FF2B5EF4-FFF2-40B4-BE49-F238E27FC236}">
+                <a16:creationId xmlns:a16="http://schemas.microsoft.com/office/drawing/2014/main" id="{684A7424-FC04-CAC5-F07F-96ED5DAB7B8B}"/>
+              </a:ext>
+            </a:extLst>
+          </p:cNvPr>
+          <p:cNvSpPr txBox="1"/>
+          <p:nvPr/>
+        </p:nvSpPr>
+        <p:spPr>
+          <a:xfrm>
+            <a:off x="2013315" y="131975"/>
+            <a:ext cx="309700" cy="369332"/>
+          </a:xfrm>
+          <a:prstGeom prst="rect">
+            <a:avLst/>
+          </a:prstGeom>
+          <a:noFill/>
+        </p:spPr>
+        <p:txBody>
+          <a:bodyPr wrap="none" rtlCol="0">
+            <a:spAutoFit/>
+          </a:bodyPr>
+          <a:lstStyle/>
+          <a:p>
+            <a:r>
+              <a:rPr lang="pt-BR" dirty="0">
+                <a:solidFill>
+                  <a:schemeClr val="bg1"/>
+                </a:solidFill>
+              </a:rPr>
+              <a:t>Y</a:t>
+            </a:r>
+          </a:p>
+        </p:txBody>
+      </p:sp>
+      <p:sp>
+        <p:nvSpPr>
+          <p:cNvPr id="9" name="CaixaDeTexto 8">
+            <a:extLst>
+              <a:ext uri="{FF2B5EF4-FFF2-40B4-BE49-F238E27FC236}">
+                <a16:creationId xmlns:a16="http://schemas.microsoft.com/office/drawing/2014/main" id="{C5592345-513E-DDC2-6626-7C98359FA79F}"/>
+              </a:ext>
+            </a:extLst>
+          </p:cNvPr>
+          <p:cNvSpPr txBox="1"/>
+          <p:nvPr/>
+        </p:nvSpPr>
+        <p:spPr>
+          <a:xfrm>
+            <a:off x="9886268" y="6398176"/>
+            <a:ext cx="312906" cy="369332"/>
+          </a:xfrm>
+          <a:prstGeom prst="rect">
+            <a:avLst/>
+          </a:prstGeom>
+          <a:noFill/>
+        </p:spPr>
+        <p:txBody>
+          <a:bodyPr wrap="none" rtlCol="0">
+            <a:spAutoFit/>
+          </a:bodyPr>
+          <a:lstStyle/>
+          <a:p>
+            <a:r>
+              <a:rPr lang="pt-BR" dirty="0">
+                <a:solidFill>
+                  <a:schemeClr val="bg1"/>
+                </a:solidFill>
+              </a:rPr>
+              <a:t>X</a:t>
+            </a:r>
+          </a:p>
+        </p:txBody>
+      </p:sp>
+      <p:cxnSp>
+        <p:nvCxnSpPr>
+          <p:cNvPr id="6" name="Conector reto 5">
+            <a:extLst>
+              <a:ext uri="{FF2B5EF4-FFF2-40B4-BE49-F238E27FC236}">
+                <a16:creationId xmlns:a16="http://schemas.microsoft.com/office/drawing/2014/main" id="{15164739-B04F-85E0-8CDB-7380FBC4FA9C}"/>
+              </a:ext>
+            </a:extLst>
+          </p:cNvPr>
+          <p:cNvCxnSpPr/>
+          <p:nvPr/>
+        </p:nvCxnSpPr>
+        <p:spPr>
+          <a:xfrm>
+            <a:off x="6014301" y="386499"/>
+            <a:ext cx="81699" cy="6196343"/>
+          </a:xfrm>
+          <a:prstGeom prst="line">
+            <a:avLst/>
+          </a:prstGeom>
+        </p:spPr>
+        <p:style>
+          <a:lnRef idx="2">
+            <a:schemeClr val="accent1"/>
+          </a:lnRef>
+          <a:fillRef idx="0">
+            <a:schemeClr val="accent1"/>
+          </a:fillRef>
+          <a:effectRef idx="1">
+            <a:schemeClr val="accent1"/>
+          </a:effectRef>
+          <a:fontRef idx="minor">
+            <a:schemeClr val="tx1"/>
+          </a:fontRef>
+        </p:style>
+      </p:cxnSp>
+      <p:cxnSp>
+        <p:nvCxnSpPr>
+          <p:cNvPr id="11" name="Conector reto 10">
+            <a:extLst>
+              <a:ext uri="{FF2B5EF4-FFF2-40B4-BE49-F238E27FC236}">
+                <a16:creationId xmlns:a16="http://schemas.microsoft.com/office/drawing/2014/main" id="{16A7F1BD-C239-4C4B-1E55-EC7FD24BF48F}"/>
+              </a:ext>
+            </a:extLst>
+          </p:cNvPr>
+          <p:cNvCxnSpPr>
+            <a:cxnSpLocks/>
+          </p:cNvCxnSpPr>
+          <p:nvPr/>
+        </p:nvCxnSpPr>
+        <p:spPr>
+          <a:xfrm>
+            <a:off x="1800520" y="3429000"/>
+            <a:ext cx="8776354" cy="96625"/>
+          </a:xfrm>
+          <a:prstGeom prst="line">
+            <a:avLst/>
+          </a:prstGeom>
+        </p:spPr>
+        <p:style>
+          <a:lnRef idx="2">
+            <a:schemeClr val="accent1"/>
+          </a:lnRef>
+          <a:fillRef idx="0">
+            <a:schemeClr val="accent1"/>
+          </a:fillRef>
+          <a:effectRef idx="1">
+            <a:schemeClr val="accent1"/>
+          </a:effectRef>
+          <a:fontRef idx="minor">
+            <a:schemeClr val="tx1"/>
+          </a:fontRef>
+        </p:style>
+      </p:cxnSp>
+      <p:sp>
+        <p:nvSpPr>
+          <p:cNvPr id="13" name="CaixaDeTexto 12">
+            <a:extLst>
+              <a:ext uri="{FF2B5EF4-FFF2-40B4-BE49-F238E27FC236}">
+                <a16:creationId xmlns:a16="http://schemas.microsoft.com/office/drawing/2014/main" id="{A5724C2E-7204-A426-DF0F-E1FC7F654034}"/>
+              </a:ext>
+            </a:extLst>
+          </p:cNvPr>
+          <p:cNvSpPr txBox="1"/>
+          <p:nvPr/>
+        </p:nvSpPr>
+        <p:spPr>
+          <a:xfrm>
+            <a:off x="6055150" y="3449467"/>
+            <a:ext cx="691215" cy="369332"/>
+          </a:xfrm>
+          <a:prstGeom prst="rect">
+            <a:avLst/>
+          </a:prstGeom>
+          <a:noFill/>
+        </p:spPr>
+        <p:txBody>
+          <a:bodyPr wrap="none" rtlCol="0">
+            <a:spAutoFit/>
+          </a:bodyPr>
+          <a:lstStyle/>
+          <a:p>
+            <a:r>
+              <a:rPr lang="pt-BR" dirty="0">
+                <a:latin typeface="Consolas" panose="020B0609020204030204" pitchFamily="49" charset="0"/>
+              </a:rPr>
+              <a:t>0, 0</a:t>
+            </a:r>
+          </a:p>
+        </p:txBody>
+      </p:sp>
+      <p:sp>
+        <p:nvSpPr>
+          <p:cNvPr id="14" name="CaixaDeTexto 13">
+            <a:extLst>
+              <a:ext uri="{FF2B5EF4-FFF2-40B4-BE49-F238E27FC236}">
+                <a16:creationId xmlns:a16="http://schemas.microsoft.com/office/drawing/2014/main" id="{2630FA85-4F35-23C5-6573-840F0206B5BB}"/>
+              </a:ext>
+            </a:extLst>
+          </p:cNvPr>
+          <p:cNvSpPr txBox="1"/>
+          <p:nvPr/>
+        </p:nvSpPr>
+        <p:spPr>
+          <a:xfrm>
+            <a:off x="2471676" y="5865137"/>
+            <a:ext cx="1451038" cy="369332"/>
+          </a:xfrm>
+          <a:prstGeom prst="rect">
+            <a:avLst/>
+          </a:prstGeom>
+          <a:noFill/>
+        </p:spPr>
+        <p:txBody>
+          <a:bodyPr wrap="none" rtlCol="0">
+            <a:spAutoFit/>
+          </a:bodyPr>
+          <a:lstStyle/>
+          <a:p>
+            <a:r>
+              <a:rPr lang="pt-BR" dirty="0">
+                <a:latin typeface="Consolas" panose="020B0609020204030204" pitchFamily="49" charset="0"/>
+              </a:rPr>
+              <a:t>-512, -384</a:t>
+            </a:r>
+          </a:p>
+        </p:txBody>
+      </p:sp>
+      <p:sp>
+        <p:nvSpPr>
+          <p:cNvPr id="15" name="CaixaDeTexto 14">
+            <a:extLst>
+              <a:ext uri="{FF2B5EF4-FFF2-40B4-BE49-F238E27FC236}">
+                <a16:creationId xmlns:a16="http://schemas.microsoft.com/office/drawing/2014/main" id="{9A8349FC-C0AF-43D9-FD7E-3A6BA785B20B}"/>
+              </a:ext>
+            </a:extLst>
+          </p:cNvPr>
+          <p:cNvSpPr txBox="1"/>
+          <p:nvPr/>
+        </p:nvSpPr>
+        <p:spPr>
+          <a:xfrm>
+            <a:off x="8514109" y="833634"/>
+            <a:ext cx="1197764" cy="369332"/>
+          </a:xfrm>
+          <a:prstGeom prst="rect">
+            <a:avLst/>
+          </a:prstGeom>
+          <a:noFill/>
+        </p:spPr>
+        <p:txBody>
+          <a:bodyPr wrap="none" rtlCol="0">
+            <a:spAutoFit/>
+          </a:bodyPr>
+          <a:lstStyle/>
+          <a:p>
+            <a:r>
+              <a:rPr lang="pt-BR" dirty="0">
+                <a:latin typeface="Consolas" panose="020B0609020204030204" pitchFamily="49" charset="0"/>
+              </a:rPr>
+              <a:t>512, 384</a:t>
+            </a:r>
+          </a:p>
+        </p:txBody>
+      </p:sp>
+      <p:sp>
+        <p:nvSpPr>
+          <p:cNvPr id="16" name="CaixaDeTexto 15">
+            <a:extLst>
+              <a:ext uri="{FF2B5EF4-FFF2-40B4-BE49-F238E27FC236}">
+                <a16:creationId xmlns:a16="http://schemas.microsoft.com/office/drawing/2014/main" id="{C600EF13-6961-AE1F-AF3B-BE51F5285EA0}"/>
+              </a:ext>
+            </a:extLst>
+          </p:cNvPr>
+          <p:cNvSpPr txBox="1"/>
+          <p:nvPr/>
+        </p:nvSpPr>
+        <p:spPr>
+          <a:xfrm>
+            <a:off x="8363027" y="5836502"/>
+            <a:ext cx="1324402" cy="369332"/>
+          </a:xfrm>
+          <a:prstGeom prst="rect">
+            <a:avLst/>
+          </a:prstGeom>
+          <a:noFill/>
+        </p:spPr>
+        <p:txBody>
+          <a:bodyPr wrap="none" rtlCol="0">
+            <a:spAutoFit/>
+          </a:bodyPr>
+          <a:lstStyle/>
+          <a:p>
+            <a:r>
+              <a:rPr lang="pt-BR" dirty="0">
+                <a:latin typeface="Consolas" panose="020B0609020204030204" pitchFamily="49" charset="0"/>
+              </a:rPr>
+              <a:t>512, -384</a:t>
+            </a:r>
+          </a:p>
+        </p:txBody>
+      </p:sp>
+      <p:sp>
+        <p:nvSpPr>
+          <p:cNvPr id="18" name="CaixaDeTexto 17">
+            <a:extLst>
+              <a:ext uri="{FF2B5EF4-FFF2-40B4-BE49-F238E27FC236}">
+                <a16:creationId xmlns:a16="http://schemas.microsoft.com/office/drawing/2014/main" id="{86308027-FAE6-7585-01DD-32D4DFBF625A}"/>
+              </a:ext>
+            </a:extLst>
+          </p:cNvPr>
+          <p:cNvSpPr txBox="1"/>
+          <p:nvPr/>
+        </p:nvSpPr>
+        <p:spPr>
+          <a:xfrm>
+            <a:off x="2486785" y="843060"/>
+            <a:ext cx="1324402" cy="369332"/>
+          </a:xfrm>
+          <a:prstGeom prst="rect">
+            <a:avLst/>
+          </a:prstGeom>
+          <a:noFill/>
+        </p:spPr>
+        <p:txBody>
+          <a:bodyPr wrap="none" rtlCol="0">
+            <a:spAutoFit/>
+          </a:bodyPr>
+          <a:lstStyle/>
+          <a:p>
+            <a:r>
+              <a:rPr lang="pt-BR" dirty="0">
+                <a:latin typeface="Consolas" panose="020B0609020204030204" pitchFamily="49" charset="0"/>
+              </a:rPr>
+              <a:t>-512, 384</a:t>
+            </a:r>
+          </a:p>
+        </p:txBody>
+      </p:sp>
+      <p:sp>
+        <p:nvSpPr>
+          <p:cNvPr id="26" name="CaixaDeTexto 25">
+            <a:extLst>
+              <a:ext uri="{FF2B5EF4-FFF2-40B4-BE49-F238E27FC236}">
+                <a16:creationId xmlns:a16="http://schemas.microsoft.com/office/drawing/2014/main" id="{A50C5BCA-01AB-8825-20C9-BAA02B0AA0B3}"/>
+              </a:ext>
+            </a:extLst>
+          </p:cNvPr>
+          <p:cNvSpPr txBox="1"/>
+          <p:nvPr/>
+        </p:nvSpPr>
+        <p:spPr>
+          <a:xfrm>
+            <a:off x="0" y="0"/>
+            <a:ext cx="1324402" cy="369332"/>
+          </a:xfrm>
+          <a:prstGeom prst="rect">
+            <a:avLst/>
+          </a:prstGeom>
+          <a:noFill/>
+        </p:spPr>
+        <p:txBody>
+          <a:bodyPr wrap="none" rtlCol="0">
+            <a:spAutoFit/>
+          </a:bodyPr>
+          <a:lstStyle/>
+          <a:p>
+            <a:r>
+              <a:rPr lang="pt-BR" dirty="0" err="1">
+                <a:solidFill>
+                  <a:schemeClr val="bg1"/>
+                </a:solidFill>
+                <a:latin typeface="Consolas" panose="020B0609020204030204" pitchFamily="49" charset="0"/>
+              </a:rPr>
+              <a:t>Crosshair</a:t>
+            </a:r>
+            <a:endParaRPr lang="pt-BR" dirty="0">
+              <a:solidFill>
+                <a:schemeClr val="bg1"/>
+              </a:solidFill>
+              <a:latin typeface="Consolas" panose="020B0609020204030204" pitchFamily="49" charset="0"/>
+            </a:endParaRPr>
+          </a:p>
+        </p:txBody>
+      </p:sp>
+    </p:spTree>
+    <p:extLst>
+      <p:ext uri="{BB962C8B-B14F-4D97-AF65-F5344CB8AC3E}">
+        <p14:creationId xmlns:p14="http://schemas.microsoft.com/office/powerpoint/2010/main" val="1867835810"/>
+      </p:ext>
+    </p:extLst>
+  </p:cSld>
+  <p:clrMapOvr>
+    <a:masterClrMapping/>
+  </p:clrMapOvr>
+</p:sld>
+</file>
+
+<file path=ppt/slides/slide14.xml><?xml version="1.0" encoding="utf-8"?>
+<p:sld xmlns:a="http://schemas.openxmlformats.org/drawingml/2006/main" xmlns:r="http://schemas.openxmlformats.org/officeDocument/2006/relationships" xmlns:p="http://schemas.openxmlformats.org/presentationml/2006/main">
+  <p:cSld>
+    <p:spTree>
+      <p:nvGrpSpPr>
+        <p:cNvPr id="1" name="">
+          <a:extLst>
+            <a:ext uri="{FF2B5EF4-FFF2-40B4-BE49-F238E27FC236}">
+              <a16:creationId xmlns:a16="http://schemas.microsoft.com/office/drawing/2014/main" id="{57F48D92-60CA-9F46-2197-B925FC6B0CCF}"/>
+            </a:ext>
+          </a:extLst>
+        </p:cNvPr>
+        <p:cNvGrpSpPr/>
+        <p:nvPr/>
+      </p:nvGrpSpPr>
+      <p:grpSpPr>
+        <a:xfrm>
+          <a:off x="0" y="0"/>
+          <a:ext cx="0" cy="0"/>
+          <a:chOff x="0" y="0"/>
+          <a:chExt cx="0" cy="0"/>
+        </a:xfrm>
+      </p:grpSpPr>
+      <p:sp>
+        <p:nvSpPr>
+          <p:cNvPr id="2" name="Retângulo 1">
+            <a:extLst>
+              <a:ext uri="{FF2B5EF4-FFF2-40B4-BE49-F238E27FC236}">
+                <a16:creationId xmlns:a16="http://schemas.microsoft.com/office/drawing/2014/main" id="{C8976082-3631-FB95-435B-98E322960D79}"/>
+              </a:ext>
+            </a:extLst>
+          </p:cNvPr>
+          <p:cNvSpPr/>
+          <p:nvPr/>
+        </p:nvSpPr>
+        <p:spPr>
+          <a:xfrm>
+            <a:off x="0" y="0"/>
+            <a:ext cx="12192000" cy="6858000"/>
+          </a:xfrm>
+          <a:prstGeom prst="rect">
+            <a:avLst/>
+          </a:prstGeom>
+          <a:solidFill>
+            <a:schemeClr val="tx1">
+              <a:lumMod val="95000"/>
+              <a:lumOff val="5000"/>
+            </a:schemeClr>
+          </a:solidFill>
+          <a:ln>
+            <a:noFill/>
+          </a:ln>
+        </p:spPr>
+        <p:style>
+          <a:lnRef idx="2">
+            <a:schemeClr val="accent1">
+              <a:shade val="15000"/>
+            </a:schemeClr>
+          </a:lnRef>
+          <a:fillRef idx="1">
+            <a:schemeClr val="accent1"/>
+          </a:fillRef>
+          <a:effectRef idx="0">
+            <a:schemeClr val="accent1"/>
+          </a:effectRef>
+          <a:fontRef idx="minor">
+            <a:schemeClr val="lt1"/>
+          </a:fontRef>
+        </p:style>
+        <p:txBody>
+          <a:bodyPr rtlCol="0" anchor="ctr"/>
+          <a:lstStyle/>
+          <a:p>
+            <a:pPr algn="ctr"/>
+            <a:endParaRPr lang="pt-BR"/>
+          </a:p>
+        </p:txBody>
+      </p:sp>
+    </p:spTree>
+    <p:extLst>
+      <p:ext uri="{BB962C8B-B14F-4D97-AF65-F5344CB8AC3E}">
+        <p14:creationId xmlns:p14="http://schemas.microsoft.com/office/powerpoint/2010/main" val="754164811"/>
+      </p:ext>
+    </p:extLst>
+  </p:cSld>
+  <p:clrMapOvr>
+    <a:masterClrMapping/>
+  </p:clrMapOvr>
+</p:sld>
+</file>
+
+<file path=ppt/slides/slide15.xml><?xml version="1.0" encoding="utf-8"?>
 <p:sld xmlns:a="http://schemas.openxmlformats.org/drawingml/2006/main" xmlns:r="http://schemas.openxmlformats.org/officeDocument/2006/relationships" xmlns:p="http://schemas.openxmlformats.org/presentationml/2006/main">
   <p:cSld>
     <p:spTree>
@@ -3533,326 +5653,6 @@
           </a:p>
         </p:txBody>
       </p:sp>
-      <p:grpSp>
-        <p:nvGrpSpPr>
-          <p:cNvPr id="8" name="Agrupar 7">
-            <a:extLst>
-              <a:ext uri="{FF2B5EF4-FFF2-40B4-BE49-F238E27FC236}">
-                <a16:creationId xmlns:a16="http://schemas.microsoft.com/office/drawing/2014/main" id="{0AD1764F-8C9E-DED2-65DB-A58D8A6E2AE4}"/>
-              </a:ext>
-            </a:extLst>
-          </p:cNvPr>
-          <p:cNvGrpSpPr>
-            <a:grpSpLocks noChangeAspect="1"/>
-          </p:cNvGrpSpPr>
-          <p:nvPr/>
-        </p:nvGrpSpPr>
-        <p:grpSpPr>
-          <a:xfrm>
-            <a:off x="3875448" y="1629000"/>
-            <a:ext cx="4441104" cy="3600000"/>
-            <a:chOff x="2013315" y="131975"/>
-            <a:chExt cx="8185859" cy="6635533"/>
-          </a:xfrm>
-          <a:scene3d>
-            <a:camera prst="isometricOffAxis2Left"/>
-            <a:lightRig rig="threePt" dir="t"/>
-          </a:scene3d>
-        </p:grpSpPr>
-        <p:pic>
-          <p:nvPicPr>
-            <p:cNvPr id="3" name="Imagem 2" descr="Forma, Retângulo&#10;&#10;O conteúdo gerado por IA pode estar incorreto.">
-              <a:extLst>
-                <a:ext uri="{FF2B5EF4-FFF2-40B4-BE49-F238E27FC236}">
-                  <a16:creationId xmlns:a16="http://schemas.microsoft.com/office/drawing/2014/main" id="{633EF853-8BA9-B624-718F-CFFAE491F62E}"/>
-                </a:ext>
-              </a:extLst>
-            </p:cNvPr>
-            <p:cNvPicPr>
-              <a:picLocks noChangeAspect="1"/>
-            </p:cNvPicPr>
-            <p:nvPr/>
-          </p:nvPicPr>
-          <p:blipFill>
-            <a:blip r:embed="rId2">
-              <a:extLst>
-                <a:ext uri="{28A0092B-C50C-407E-A947-70E740481C1C}">
-                  <a14:useLocalDpi xmlns:a14="http://schemas.microsoft.com/office/drawing/2010/main" val="0"/>
-                </a:ext>
-              </a:extLst>
-            </a:blip>
-            <a:stretch>
-              <a:fillRect/>
-            </a:stretch>
-          </p:blipFill>
-          <p:spPr>
-            <a:xfrm>
-              <a:off x="2496000" y="623531"/>
-              <a:ext cx="7200000" cy="5610938"/>
-            </a:xfrm>
-            <a:prstGeom prst="rect">
-              <a:avLst/>
-            </a:prstGeom>
-          </p:spPr>
-        </p:pic>
-        <p:cxnSp>
-          <p:nvCxnSpPr>
-            <p:cNvPr id="4" name="Conector de Seta Reta 3">
-              <a:extLst>
-                <a:ext uri="{FF2B5EF4-FFF2-40B4-BE49-F238E27FC236}">
-                  <a16:creationId xmlns:a16="http://schemas.microsoft.com/office/drawing/2014/main" id="{31B0BCB6-A019-4B24-3C7B-F951E6DEEA96}"/>
-                </a:ext>
-              </a:extLst>
-            </p:cNvPr>
-            <p:cNvCxnSpPr>
-              <a:cxnSpLocks/>
-            </p:cNvCxnSpPr>
-            <p:nvPr/>
-          </p:nvCxnSpPr>
-          <p:spPr>
-            <a:xfrm flipV="1">
-              <a:off x="2168165" y="623531"/>
-              <a:ext cx="0" cy="5959311"/>
-            </a:xfrm>
-            <a:prstGeom prst="straightConnector1">
-              <a:avLst/>
-            </a:prstGeom>
-            <a:ln w="76200">
-              <a:solidFill>
-                <a:srgbClr val="00B050"/>
-              </a:solidFill>
-              <a:tailEnd type="triangle"/>
-            </a:ln>
-          </p:spPr>
-          <p:style>
-            <a:lnRef idx="2">
-              <a:schemeClr val="accent1"/>
-            </a:lnRef>
-            <a:fillRef idx="0">
-              <a:schemeClr val="accent1"/>
-            </a:fillRef>
-            <a:effectRef idx="1">
-              <a:schemeClr val="accent1"/>
-            </a:effectRef>
-            <a:fontRef idx="minor">
-              <a:schemeClr val="tx1"/>
-            </a:fontRef>
-          </p:style>
-        </p:cxnSp>
-        <p:cxnSp>
-          <p:nvCxnSpPr>
-            <p:cNvPr id="5" name="Conector de Seta Reta 4">
-              <a:extLst>
-                <a:ext uri="{FF2B5EF4-FFF2-40B4-BE49-F238E27FC236}">
-                  <a16:creationId xmlns:a16="http://schemas.microsoft.com/office/drawing/2014/main" id="{EA196DC6-AC24-7E24-1A43-6E566A95B4AD}"/>
-                </a:ext>
-              </a:extLst>
-            </p:cNvPr>
-            <p:cNvCxnSpPr>
-              <a:cxnSpLocks/>
-            </p:cNvCxnSpPr>
-            <p:nvPr/>
-          </p:nvCxnSpPr>
-          <p:spPr>
-            <a:xfrm>
-              <a:off x="2168165" y="6582842"/>
-              <a:ext cx="7527835" cy="0"/>
-            </a:xfrm>
-            <a:prstGeom prst="straightConnector1">
-              <a:avLst/>
-            </a:prstGeom>
-            <a:ln w="76200">
-              <a:solidFill>
-                <a:srgbClr val="FF0000"/>
-              </a:solidFill>
-              <a:tailEnd type="triangle"/>
-            </a:ln>
-          </p:spPr>
-          <p:style>
-            <a:lnRef idx="2">
-              <a:schemeClr val="accent1"/>
-            </a:lnRef>
-            <a:fillRef idx="0">
-              <a:schemeClr val="accent1"/>
-            </a:fillRef>
-            <a:effectRef idx="1">
-              <a:schemeClr val="accent1"/>
-            </a:effectRef>
-            <a:fontRef idx="minor">
-              <a:schemeClr val="tx1"/>
-            </a:fontRef>
-          </p:style>
-        </p:cxnSp>
-        <p:sp>
-          <p:nvSpPr>
-            <p:cNvPr id="6" name="CaixaDeTexto 5">
-              <a:extLst>
-                <a:ext uri="{FF2B5EF4-FFF2-40B4-BE49-F238E27FC236}">
-                  <a16:creationId xmlns:a16="http://schemas.microsoft.com/office/drawing/2014/main" id="{8B993017-DA39-E140-D3F1-5612E7843C0B}"/>
-                </a:ext>
-              </a:extLst>
-            </p:cNvPr>
-            <p:cNvSpPr txBox="1"/>
-            <p:nvPr/>
-          </p:nvSpPr>
-          <p:spPr>
-            <a:xfrm>
-              <a:off x="2013315" y="131975"/>
-              <a:ext cx="309700" cy="369332"/>
-            </a:xfrm>
-            <a:prstGeom prst="rect">
-              <a:avLst/>
-            </a:prstGeom>
-            <a:noFill/>
-          </p:spPr>
-          <p:txBody>
-            <a:bodyPr wrap="none" rtlCol="0">
-              <a:spAutoFit/>
-            </a:bodyPr>
-            <a:lstStyle/>
-            <a:p>
-              <a:r>
-                <a:rPr lang="pt-BR" dirty="0">
-                  <a:solidFill>
-                    <a:schemeClr val="bg1"/>
-                  </a:solidFill>
-                </a:rPr>
-                <a:t>Y</a:t>
-              </a:r>
-            </a:p>
-          </p:txBody>
-        </p:sp>
-        <p:sp>
-          <p:nvSpPr>
-            <p:cNvPr id="7" name="CaixaDeTexto 6">
-              <a:extLst>
-                <a:ext uri="{FF2B5EF4-FFF2-40B4-BE49-F238E27FC236}">
-                  <a16:creationId xmlns:a16="http://schemas.microsoft.com/office/drawing/2014/main" id="{650FEC6D-3BA6-63BC-141C-C7A3823EA8EF}"/>
-                </a:ext>
-              </a:extLst>
-            </p:cNvPr>
-            <p:cNvSpPr txBox="1"/>
-            <p:nvPr/>
-          </p:nvSpPr>
-          <p:spPr>
-            <a:xfrm>
-              <a:off x="9886268" y="6398176"/>
-              <a:ext cx="312906" cy="369332"/>
-            </a:xfrm>
-            <a:prstGeom prst="rect">
-              <a:avLst/>
-            </a:prstGeom>
-            <a:noFill/>
-          </p:spPr>
-          <p:txBody>
-            <a:bodyPr wrap="none" rtlCol="0">
-              <a:spAutoFit/>
-            </a:bodyPr>
-            <a:lstStyle/>
-            <a:p>
-              <a:r>
-                <a:rPr lang="pt-BR" dirty="0">
-                  <a:solidFill>
-                    <a:schemeClr val="bg1"/>
-                  </a:solidFill>
-                </a:rPr>
-                <a:t>X</a:t>
-              </a:r>
-            </a:p>
-          </p:txBody>
-        </p:sp>
-      </p:grpSp>
-      <p:cxnSp>
-        <p:nvCxnSpPr>
-          <p:cNvPr id="9" name="Conector de Seta Reta 8">
-            <a:extLst>
-              <a:ext uri="{FF2B5EF4-FFF2-40B4-BE49-F238E27FC236}">
-                <a16:creationId xmlns:a16="http://schemas.microsoft.com/office/drawing/2014/main" id="{40888C2F-B43F-CAE3-F5FC-76DE6F9A9D49}"/>
-              </a:ext>
-            </a:extLst>
-          </p:cNvPr>
-          <p:cNvCxnSpPr>
-            <a:cxnSpLocks/>
-          </p:cNvCxnSpPr>
-          <p:nvPr/>
-        </p:nvCxnSpPr>
-        <p:spPr>
-          <a:xfrm flipH="1">
-            <a:off x="2975448" y="5028625"/>
-            <a:ext cx="1800000" cy="0"/>
-          </a:xfrm>
-          <a:prstGeom prst="straightConnector1">
-            <a:avLst/>
-          </a:prstGeom>
-          <a:ln w="76200">
-            <a:solidFill>
-              <a:srgbClr val="0070C0"/>
-            </a:solidFill>
-            <a:tailEnd type="triangle"/>
-          </a:ln>
-          <a:scene3d>
-            <a:camera prst="isometricOffAxis2Right"/>
-            <a:lightRig rig="threePt" dir="t"/>
-          </a:scene3d>
-        </p:spPr>
-        <p:style>
-          <a:lnRef idx="2">
-            <a:schemeClr val="accent1"/>
-          </a:lnRef>
-          <a:fillRef idx="0">
-            <a:schemeClr val="accent1"/>
-          </a:fillRef>
-          <a:effectRef idx="1">
-            <a:schemeClr val="accent1"/>
-          </a:effectRef>
-          <a:fontRef idx="minor">
-            <a:schemeClr val="tx1"/>
-          </a:fontRef>
-        </p:style>
-      </p:cxnSp>
-      <p:sp>
-        <p:nvSpPr>
-          <p:cNvPr id="11" name="CaixaDeTexto 10">
-            <a:extLst>
-              <a:ext uri="{FF2B5EF4-FFF2-40B4-BE49-F238E27FC236}">
-                <a16:creationId xmlns:a16="http://schemas.microsoft.com/office/drawing/2014/main" id="{5DF35178-B583-D66B-0871-93A869B46089}"/>
-              </a:ext>
-            </a:extLst>
-          </p:cNvPr>
-          <p:cNvSpPr txBox="1"/>
-          <p:nvPr/>
-        </p:nvSpPr>
-        <p:spPr>
-          <a:xfrm>
-            <a:off x="3115190" y="5147666"/>
-            <a:ext cx="303288" cy="369332"/>
-          </a:xfrm>
-          <a:prstGeom prst="rect">
-            <a:avLst/>
-          </a:prstGeom>
-          <a:noFill/>
-          <a:scene3d>
-            <a:camera prst="isometricLeftDown"/>
-            <a:lightRig rig="threePt" dir="t"/>
-          </a:scene3d>
-        </p:spPr>
-        <p:txBody>
-          <a:bodyPr wrap="none" rtlCol="0">
-            <a:spAutoFit/>
-          </a:bodyPr>
-          <a:lstStyle/>
-          <a:p>
-            <a:r>
-              <a:rPr lang="pt-BR" dirty="0">
-                <a:solidFill>
-                  <a:schemeClr val="bg1"/>
-                </a:solidFill>
-              </a:rPr>
-              <a:t>Z</a:t>
-            </a:r>
-          </a:p>
-        </p:txBody>
-      </p:sp>
     </p:spTree>
     <p:extLst>
       <p:ext uri="{BB962C8B-B14F-4D97-AF65-F5344CB8AC3E}">
@@ -3866,7 +5666,7 @@
 </p:sld>
 </file>
 
-<file path=ppt/slides/slide12.xml><?xml version="1.0" encoding="utf-8"?>
+<file path=ppt/slides/slide16.xml><?xml version="1.0" encoding="utf-8"?>
 <p:sld xmlns:a="http://schemas.openxmlformats.org/drawingml/2006/main" xmlns:r="http://schemas.openxmlformats.org/officeDocument/2006/relationships" xmlns:p="http://schemas.openxmlformats.org/presentationml/2006/main">
   <p:cSld>
     <p:spTree>
@@ -3957,7 +5757,7 @@
 </p:sld>
 </file>
 
-<file path=ppt/slides/slide13.xml><?xml version="1.0" encoding="utf-8"?>
+<file path=ppt/slides/slide17.xml><?xml version="1.0" encoding="utf-8"?>
 <p:sld xmlns:a="http://schemas.openxmlformats.org/drawingml/2006/main" xmlns:r="http://schemas.openxmlformats.org/officeDocument/2006/relationships" xmlns:p="http://schemas.openxmlformats.org/presentationml/2006/main">
   <p:cSld>
     <p:spTree>
@@ -4461,7 +6261,732 @@
 </p:sld>
 </file>
 
-<file path=ppt/slides/slide14.xml><?xml version="1.0" encoding="utf-8"?>
+<file path=ppt/slides/slide18.xml><?xml version="1.0" encoding="utf-8"?>
+<p:sld xmlns:a="http://schemas.openxmlformats.org/drawingml/2006/main" xmlns:r="http://schemas.openxmlformats.org/officeDocument/2006/relationships" xmlns:p="http://schemas.openxmlformats.org/presentationml/2006/main">
+  <p:cSld>
+    <p:spTree>
+      <p:nvGrpSpPr>
+        <p:cNvPr id="1" name="">
+          <a:extLst>
+            <a:ext uri="{FF2B5EF4-FFF2-40B4-BE49-F238E27FC236}">
+              <a16:creationId xmlns:a16="http://schemas.microsoft.com/office/drawing/2014/main" id="{C6196488-B968-D418-0955-7BAE6B878F95}"/>
+            </a:ext>
+          </a:extLst>
+        </p:cNvPr>
+        <p:cNvGrpSpPr/>
+        <p:nvPr/>
+      </p:nvGrpSpPr>
+      <p:grpSpPr>
+        <a:xfrm>
+          <a:off x="0" y="0"/>
+          <a:ext cx="0" cy="0"/>
+          <a:chOff x="0" y="0"/>
+          <a:chExt cx="0" cy="0"/>
+        </a:xfrm>
+      </p:grpSpPr>
+      <p:sp>
+        <p:nvSpPr>
+          <p:cNvPr id="2" name="Retângulo 1">
+            <a:extLst>
+              <a:ext uri="{FF2B5EF4-FFF2-40B4-BE49-F238E27FC236}">
+                <a16:creationId xmlns:a16="http://schemas.microsoft.com/office/drawing/2014/main" id="{2E56811A-31DE-600E-FBBA-AC334F65E4ED}"/>
+              </a:ext>
+            </a:extLst>
+          </p:cNvPr>
+          <p:cNvSpPr/>
+          <p:nvPr/>
+        </p:nvSpPr>
+        <p:spPr>
+          <a:xfrm>
+            <a:off x="0" y="0"/>
+            <a:ext cx="12192000" cy="6858000"/>
+          </a:xfrm>
+          <a:prstGeom prst="rect">
+            <a:avLst/>
+          </a:prstGeom>
+          <a:solidFill>
+            <a:schemeClr val="tx1">
+              <a:lumMod val="95000"/>
+              <a:lumOff val="5000"/>
+            </a:schemeClr>
+          </a:solidFill>
+          <a:ln>
+            <a:noFill/>
+          </a:ln>
+        </p:spPr>
+        <p:style>
+          <a:lnRef idx="2">
+            <a:schemeClr val="accent1">
+              <a:shade val="15000"/>
+            </a:schemeClr>
+          </a:lnRef>
+          <a:fillRef idx="1">
+            <a:schemeClr val="accent1"/>
+          </a:fillRef>
+          <a:effectRef idx="0">
+            <a:schemeClr val="accent1"/>
+          </a:effectRef>
+          <a:fontRef idx="minor">
+            <a:schemeClr val="lt1"/>
+          </a:fontRef>
+        </p:style>
+        <p:txBody>
+          <a:bodyPr rtlCol="0" anchor="ctr"/>
+          <a:lstStyle/>
+          <a:p>
+            <a:pPr algn="ctr"/>
+            <a:endParaRPr lang="pt-BR"/>
+          </a:p>
+        </p:txBody>
+      </p:sp>
+      <p:pic>
+        <p:nvPicPr>
+          <p:cNvPr id="3" name="Imagem 2">
+            <a:extLst>
+              <a:ext uri="{FF2B5EF4-FFF2-40B4-BE49-F238E27FC236}">
+                <a16:creationId xmlns:a16="http://schemas.microsoft.com/office/drawing/2014/main" id="{C0428B01-3132-BF89-52EF-951313833E97}"/>
+              </a:ext>
+            </a:extLst>
+          </p:cNvPr>
+          <p:cNvPicPr>
+            <a:picLocks noChangeAspect="1"/>
+          </p:cNvPicPr>
+          <p:nvPr/>
+        </p:nvPicPr>
+        <p:blipFill>
+          <a:blip r:embed="rId2">
+            <a:extLst>
+              <a:ext uri="{28A0092B-C50C-407E-A947-70E740481C1C}">
+                <a14:useLocalDpi xmlns:a14="http://schemas.microsoft.com/office/drawing/2010/main" val="0"/>
+              </a:ext>
+            </a:extLst>
+          </a:blip>
+          <a:srcRect/>
+          <a:stretch/>
+        </p:blipFill>
+        <p:spPr>
+          <a:xfrm>
+            <a:off x="4876630" y="2209630"/>
+            <a:ext cx="2438740" cy="2438740"/>
+          </a:xfrm>
+          <a:prstGeom prst="rect">
+            <a:avLst/>
+          </a:prstGeom>
+        </p:spPr>
+      </p:pic>
+      <p:sp>
+        <p:nvSpPr>
+          <p:cNvPr id="4" name="Elipse 3">
+            <a:extLst>
+              <a:ext uri="{FF2B5EF4-FFF2-40B4-BE49-F238E27FC236}">
+                <a16:creationId xmlns:a16="http://schemas.microsoft.com/office/drawing/2014/main" id="{43C96DCD-63E9-96E9-5635-1022739D8186}"/>
+              </a:ext>
+            </a:extLst>
+          </p:cNvPr>
+          <p:cNvSpPr>
+            <a:spLocks noChangeAspect="1"/>
+          </p:cNvSpPr>
+          <p:nvPr/>
+        </p:nvSpPr>
+        <p:spPr>
+          <a:xfrm>
+            <a:off x="4786630" y="4558370"/>
+            <a:ext cx="180000" cy="180000"/>
+          </a:xfrm>
+          <a:prstGeom prst="ellipse">
+            <a:avLst/>
+          </a:prstGeom>
+          <a:solidFill>
+            <a:srgbClr val="C00000"/>
+          </a:solidFill>
+          <a:ln>
+            <a:noFill/>
+          </a:ln>
+        </p:spPr>
+        <p:style>
+          <a:lnRef idx="2">
+            <a:schemeClr val="accent1">
+              <a:shade val="15000"/>
+            </a:schemeClr>
+          </a:lnRef>
+          <a:fillRef idx="1">
+            <a:schemeClr val="accent1"/>
+          </a:fillRef>
+          <a:effectRef idx="0">
+            <a:schemeClr val="accent1"/>
+          </a:effectRef>
+          <a:fontRef idx="minor">
+            <a:schemeClr val="lt1"/>
+          </a:fontRef>
+        </p:style>
+        <p:txBody>
+          <a:bodyPr rtlCol="0" anchor="ctr"/>
+          <a:lstStyle/>
+          <a:p>
+            <a:pPr algn="ctr"/>
+            <a:endParaRPr lang="pt-BR"/>
+          </a:p>
+        </p:txBody>
+      </p:sp>
+      <p:sp>
+        <p:nvSpPr>
+          <p:cNvPr id="5" name="Elipse 4">
+            <a:extLst>
+              <a:ext uri="{FF2B5EF4-FFF2-40B4-BE49-F238E27FC236}">
+                <a16:creationId xmlns:a16="http://schemas.microsoft.com/office/drawing/2014/main" id="{BF067AF0-D62A-31AC-FD91-33F0165571CD}"/>
+              </a:ext>
+            </a:extLst>
+          </p:cNvPr>
+          <p:cNvSpPr>
+            <a:spLocks noChangeAspect="1"/>
+          </p:cNvSpPr>
+          <p:nvPr/>
+        </p:nvSpPr>
+        <p:spPr>
+          <a:xfrm>
+            <a:off x="7225372" y="4558370"/>
+            <a:ext cx="180000" cy="180000"/>
+          </a:xfrm>
+          <a:prstGeom prst="ellipse">
+            <a:avLst/>
+          </a:prstGeom>
+          <a:solidFill>
+            <a:srgbClr val="C00000"/>
+          </a:solidFill>
+          <a:ln>
+            <a:noFill/>
+          </a:ln>
+        </p:spPr>
+        <p:style>
+          <a:lnRef idx="2">
+            <a:schemeClr val="accent1">
+              <a:shade val="15000"/>
+            </a:schemeClr>
+          </a:lnRef>
+          <a:fillRef idx="1">
+            <a:schemeClr val="accent1"/>
+          </a:fillRef>
+          <a:effectRef idx="0">
+            <a:schemeClr val="accent1"/>
+          </a:effectRef>
+          <a:fontRef idx="minor">
+            <a:schemeClr val="lt1"/>
+          </a:fontRef>
+        </p:style>
+        <p:txBody>
+          <a:bodyPr rtlCol="0" anchor="ctr"/>
+          <a:lstStyle/>
+          <a:p>
+            <a:pPr algn="ctr"/>
+            <a:endParaRPr lang="pt-BR"/>
+          </a:p>
+        </p:txBody>
+      </p:sp>
+      <p:sp>
+        <p:nvSpPr>
+          <p:cNvPr id="7" name="Elipse 6">
+            <a:extLst>
+              <a:ext uri="{FF2B5EF4-FFF2-40B4-BE49-F238E27FC236}">
+                <a16:creationId xmlns:a16="http://schemas.microsoft.com/office/drawing/2014/main" id="{56D1B552-7004-CF88-7DBE-E24D0294FA90}"/>
+              </a:ext>
+            </a:extLst>
+          </p:cNvPr>
+          <p:cNvSpPr>
+            <a:spLocks noChangeAspect="1"/>
+          </p:cNvSpPr>
+          <p:nvPr/>
+        </p:nvSpPr>
+        <p:spPr>
+          <a:xfrm>
+            <a:off x="4786630" y="2119630"/>
+            <a:ext cx="180000" cy="180000"/>
+          </a:xfrm>
+          <a:prstGeom prst="ellipse">
+            <a:avLst/>
+          </a:prstGeom>
+          <a:solidFill>
+            <a:srgbClr val="C00000"/>
+          </a:solidFill>
+          <a:ln>
+            <a:noFill/>
+          </a:ln>
+        </p:spPr>
+        <p:style>
+          <a:lnRef idx="2">
+            <a:schemeClr val="accent1">
+              <a:shade val="15000"/>
+            </a:schemeClr>
+          </a:lnRef>
+          <a:fillRef idx="1">
+            <a:schemeClr val="accent1"/>
+          </a:fillRef>
+          <a:effectRef idx="0">
+            <a:schemeClr val="accent1"/>
+          </a:effectRef>
+          <a:fontRef idx="minor">
+            <a:schemeClr val="lt1"/>
+          </a:fontRef>
+        </p:style>
+        <p:txBody>
+          <a:bodyPr rtlCol="0" anchor="ctr"/>
+          <a:lstStyle/>
+          <a:p>
+            <a:pPr algn="ctr"/>
+            <a:endParaRPr lang="pt-BR"/>
+          </a:p>
+        </p:txBody>
+      </p:sp>
+      <p:sp>
+        <p:nvSpPr>
+          <p:cNvPr id="8" name="Elipse 7">
+            <a:extLst>
+              <a:ext uri="{FF2B5EF4-FFF2-40B4-BE49-F238E27FC236}">
+                <a16:creationId xmlns:a16="http://schemas.microsoft.com/office/drawing/2014/main" id="{294BF04D-2BEF-F770-FAA2-72DC47D79B96}"/>
+              </a:ext>
+            </a:extLst>
+          </p:cNvPr>
+          <p:cNvSpPr>
+            <a:spLocks noChangeAspect="1"/>
+          </p:cNvSpPr>
+          <p:nvPr/>
+        </p:nvSpPr>
+        <p:spPr>
+          <a:xfrm>
+            <a:off x="7225372" y="2119630"/>
+            <a:ext cx="180000" cy="180000"/>
+          </a:xfrm>
+          <a:prstGeom prst="ellipse">
+            <a:avLst/>
+          </a:prstGeom>
+          <a:solidFill>
+            <a:srgbClr val="C00000"/>
+          </a:solidFill>
+          <a:ln>
+            <a:noFill/>
+          </a:ln>
+        </p:spPr>
+        <p:style>
+          <a:lnRef idx="2">
+            <a:schemeClr val="accent1">
+              <a:shade val="15000"/>
+            </a:schemeClr>
+          </a:lnRef>
+          <a:fillRef idx="1">
+            <a:schemeClr val="accent1"/>
+          </a:fillRef>
+          <a:effectRef idx="0">
+            <a:schemeClr val="accent1"/>
+          </a:effectRef>
+          <a:fontRef idx="minor">
+            <a:schemeClr val="lt1"/>
+          </a:fontRef>
+        </p:style>
+        <p:txBody>
+          <a:bodyPr rtlCol="0" anchor="ctr"/>
+          <a:lstStyle/>
+          <a:p>
+            <a:pPr algn="ctr"/>
+            <a:endParaRPr lang="pt-BR"/>
+          </a:p>
+        </p:txBody>
+      </p:sp>
+      <p:sp>
+        <p:nvSpPr>
+          <p:cNvPr id="9" name="CaixaDeTexto 8">
+            <a:extLst>
+              <a:ext uri="{FF2B5EF4-FFF2-40B4-BE49-F238E27FC236}">
+                <a16:creationId xmlns:a16="http://schemas.microsoft.com/office/drawing/2014/main" id="{A5A0EF99-49F0-E8B5-1EA9-D909196FAEDA}"/>
+              </a:ext>
+            </a:extLst>
+          </p:cNvPr>
+          <p:cNvSpPr txBox="1"/>
+          <p:nvPr/>
+        </p:nvSpPr>
+        <p:spPr>
+          <a:xfrm>
+            <a:off x="3932140" y="4648370"/>
+            <a:ext cx="944490" cy="369332"/>
+          </a:xfrm>
+          <a:prstGeom prst="rect">
+            <a:avLst/>
+          </a:prstGeom>
+          <a:noFill/>
+        </p:spPr>
+        <p:txBody>
+          <a:bodyPr wrap="none" rtlCol="0">
+            <a:spAutoFit/>
+          </a:bodyPr>
+          <a:lstStyle/>
+          <a:p>
+            <a:pPr algn="r"/>
+            <a:r>
+              <a:rPr lang="pt-BR" dirty="0">
+                <a:solidFill>
+                  <a:schemeClr val="bg1"/>
+                </a:solidFill>
+                <a:latin typeface="Consolas" panose="020B0609020204030204" pitchFamily="49" charset="0"/>
+              </a:rPr>
+              <a:t>x0, y0</a:t>
+            </a:r>
+          </a:p>
+        </p:txBody>
+      </p:sp>
+      <p:sp>
+        <p:nvSpPr>
+          <p:cNvPr id="11" name="CaixaDeTexto 10">
+            <a:extLst>
+              <a:ext uri="{FF2B5EF4-FFF2-40B4-BE49-F238E27FC236}">
+                <a16:creationId xmlns:a16="http://schemas.microsoft.com/office/drawing/2014/main" id="{07ABF2AB-43E9-428A-2BCC-0DD7BDA24E8A}"/>
+              </a:ext>
+            </a:extLst>
+          </p:cNvPr>
+          <p:cNvSpPr txBox="1"/>
+          <p:nvPr/>
+        </p:nvSpPr>
+        <p:spPr>
+          <a:xfrm>
+            <a:off x="3932140" y="1840298"/>
+            <a:ext cx="944490" cy="369332"/>
+          </a:xfrm>
+          <a:prstGeom prst="rect">
+            <a:avLst/>
+          </a:prstGeom>
+          <a:noFill/>
+        </p:spPr>
+        <p:txBody>
+          <a:bodyPr wrap="none" rtlCol="0" anchor="b">
+            <a:spAutoFit/>
+          </a:bodyPr>
+          <a:lstStyle/>
+          <a:p>
+            <a:pPr algn="r"/>
+            <a:r>
+              <a:rPr lang="pt-BR" dirty="0">
+                <a:solidFill>
+                  <a:schemeClr val="bg1"/>
+                </a:solidFill>
+                <a:latin typeface="Consolas" panose="020B0609020204030204" pitchFamily="49" charset="0"/>
+              </a:rPr>
+              <a:t>x0, y1</a:t>
+            </a:r>
+          </a:p>
+        </p:txBody>
+      </p:sp>
+      <p:sp>
+        <p:nvSpPr>
+          <p:cNvPr id="14" name="CaixaDeTexto 13">
+            <a:extLst>
+              <a:ext uri="{FF2B5EF4-FFF2-40B4-BE49-F238E27FC236}">
+                <a16:creationId xmlns:a16="http://schemas.microsoft.com/office/drawing/2014/main" id="{BADD818B-049B-D6F1-2995-BB29082D5871}"/>
+              </a:ext>
+            </a:extLst>
+          </p:cNvPr>
+          <p:cNvSpPr txBox="1"/>
+          <p:nvPr/>
+        </p:nvSpPr>
+        <p:spPr>
+          <a:xfrm>
+            <a:off x="7315370" y="4648370"/>
+            <a:ext cx="944489" cy="369332"/>
+          </a:xfrm>
+          <a:prstGeom prst="rect">
+            <a:avLst/>
+          </a:prstGeom>
+          <a:noFill/>
+        </p:spPr>
+        <p:txBody>
+          <a:bodyPr wrap="none" rtlCol="0">
+            <a:spAutoFit/>
+          </a:bodyPr>
+          <a:lstStyle/>
+          <a:p>
+            <a:r>
+              <a:rPr lang="pt-BR" dirty="0">
+                <a:solidFill>
+                  <a:schemeClr val="bg1"/>
+                </a:solidFill>
+                <a:latin typeface="Consolas" panose="020B0609020204030204" pitchFamily="49" charset="0"/>
+              </a:rPr>
+              <a:t>x1, y0</a:t>
+            </a:r>
+          </a:p>
+        </p:txBody>
+      </p:sp>
+      <p:sp>
+        <p:nvSpPr>
+          <p:cNvPr id="15" name="CaixaDeTexto 14">
+            <a:extLst>
+              <a:ext uri="{FF2B5EF4-FFF2-40B4-BE49-F238E27FC236}">
+                <a16:creationId xmlns:a16="http://schemas.microsoft.com/office/drawing/2014/main" id="{886AD6C7-4C38-57DC-7D67-B8EF54022E9D}"/>
+              </a:ext>
+            </a:extLst>
+          </p:cNvPr>
+          <p:cNvSpPr txBox="1"/>
+          <p:nvPr/>
+        </p:nvSpPr>
+        <p:spPr>
+          <a:xfrm>
+            <a:off x="7315370" y="1836538"/>
+            <a:ext cx="944489" cy="369332"/>
+          </a:xfrm>
+          <a:prstGeom prst="rect">
+            <a:avLst/>
+          </a:prstGeom>
+          <a:noFill/>
+        </p:spPr>
+        <p:txBody>
+          <a:bodyPr wrap="none" rtlCol="0" anchor="b">
+            <a:spAutoFit/>
+          </a:bodyPr>
+          <a:lstStyle/>
+          <a:p>
+            <a:r>
+              <a:rPr lang="pt-BR" dirty="0">
+                <a:solidFill>
+                  <a:schemeClr val="bg1"/>
+                </a:solidFill>
+                <a:latin typeface="Consolas" panose="020B0609020204030204" pitchFamily="49" charset="0"/>
+              </a:rPr>
+              <a:t>x1, y1</a:t>
+            </a:r>
+          </a:p>
+        </p:txBody>
+      </p:sp>
+      <p:sp>
+        <p:nvSpPr>
+          <p:cNvPr id="10" name="CaixaDeTexto 9">
+            <a:extLst>
+              <a:ext uri="{FF2B5EF4-FFF2-40B4-BE49-F238E27FC236}">
+                <a16:creationId xmlns:a16="http://schemas.microsoft.com/office/drawing/2014/main" id="{C406349D-EF12-42CC-114F-958C63546D7E}"/>
+              </a:ext>
+            </a:extLst>
+          </p:cNvPr>
+          <p:cNvSpPr txBox="1"/>
+          <p:nvPr/>
+        </p:nvSpPr>
+        <p:spPr>
+          <a:xfrm>
+            <a:off x="0" y="0"/>
+            <a:ext cx="9049272" cy="2308324"/>
+          </a:xfrm>
+          <a:prstGeom prst="rect">
+            <a:avLst/>
+          </a:prstGeom>
+          <a:noFill/>
+        </p:spPr>
+        <p:txBody>
+          <a:bodyPr wrap="none" rtlCol="0">
+            <a:spAutoFit/>
+          </a:bodyPr>
+          <a:lstStyle/>
+          <a:p>
+            <a:r>
+              <a:rPr lang="pt-BR" dirty="0">
+                <a:solidFill>
+                  <a:schemeClr val="accent3">
+                    <a:lumMod val="50000"/>
+                  </a:schemeClr>
+                </a:solidFill>
+                <a:latin typeface="Consolas" panose="020B0609020204030204" pitchFamily="49" charset="0"/>
+              </a:rPr>
+              <a:t>// </a:t>
+            </a:r>
+            <a:r>
+              <a:rPr lang="pt-BR" dirty="0" err="1">
+                <a:solidFill>
+                  <a:schemeClr val="accent3">
+                    <a:lumMod val="50000"/>
+                  </a:schemeClr>
+                </a:solidFill>
+                <a:latin typeface="Consolas" panose="020B0609020204030204" pitchFamily="49" charset="0"/>
+              </a:rPr>
+              <a:t>vertices</a:t>
+            </a:r>
+            <a:r>
+              <a:rPr lang="pt-BR" dirty="0">
+                <a:solidFill>
+                  <a:schemeClr val="accent3">
+                    <a:lumMod val="50000"/>
+                  </a:schemeClr>
+                </a:solidFill>
+                <a:latin typeface="Consolas" panose="020B0609020204030204" pitchFamily="49" charset="0"/>
+              </a:rPr>
+              <a:t> para sprites por causa do ‘</a:t>
+            </a:r>
+            <a:r>
+              <a:rPr lang="pt-BR" dirty="0" err="1">
+                <a:solidFill>
+                  <a:schemeClr val="accent3">
+                    <a:lumMod val="50000"/>
+                  </a:schemeClr>
+                </a:solidFill>
+                <a:latin typeface="Consolas" panose="020B0609020204030204" pitchFamily="49" charset="0"/>
+              </a:rPr>
+              <a:t>GL.Enable</a:t>
+            </a:r>
+            <a:r>
+              <a:rPr lang="pt-BR" dirty="0">
+                <a:solidFill>
+                  <a:schemeClr val="accent3">
+                    <a:lumMod val="50000"/>
+                  </a:schemeClr>
+                </a:solidFill>
+                <a:latin typeface="Consolas" panose="020B0609020204030204" pitchFamily="49" charset="0"/>
+              </a:rPr>
+              <a:t>(</a:t>
+            </a:r>
+            <a:r>
+              <a:rPr lang="pt-BR" dirty="0" err="1">
+                <a:solidFill>
+                  <a:schemeClr val="accent3">
+                    <a:lumMod val="50000"/>
+                  </a:schemeClr>
+                </a:solidFill>
+                <a:latin typeface="Consolas" panose="020B0609020204030204" pitchFamily="49" charset="0"/>
+              </a:rPr>
+              <a:t>EnableCap.CullFace</a:t>
+            </a:r>
+            <a:r>
+              <a:rPr lang="pt-BR" dirty="0">
+                <a:solidFill>
+                  <a:schemeClr val="accent3">
+                    <a:lumMod val="50000"/>
+                  </a:schemeClr>
+                </a:solidFill>
+                <a:latin typeface="Consolas" panose="020B0609020204030204" pitchFamily="49" charset="0"/>
+              </a:rPr>
+              <a:t>);’</a:t>
+            </a:r>
+          </a:p>
+          <a:p>
+            <a:endParaRPr lang="pt-BR" dirty="0">
+              <a:solidFill>
+                <a:schemeClr val="bg1"/>
+              </a:solidFill>
+              <a:latin typeface="Consolas" panose="020B0609020204030204" pitchFamily="49" charset="0"/>
+            </a:endParaRPr>
+          </a:p>
+          <a:p>
+            <a:r>
+              <a:rPr lang="pt-BR" dirty="0" err="1">
+                <a:solidFill>
+                  <a:schemeClr val="bg1"/>
+                </a:solidFill>
+                <a:latin typeface="Consolas" panose="020B0609020204030204" pitchFamily="49" charset="0"/>
+              </a:rPr>
+              <a:t>float</a:t>
+            </a:r>
+            <a:r>
+              <a:rPr lang="pt-BR" dirty="0">
+                <a:solidFill>
+                  <a:schemeClr val="bg1"/>
+                </a:solidFill>
+                <a:latin typeface="Consolas" panose="020B0609020204030204" pitchFamily="49" charset="0"/>
+              </a:rPr>
+              <a:t>[] </a:t>
+            </a:r>
+            <a:r>
+              <a:rPr lang="pt-BR" dirty="0" err="1">
+                <a:solidFill>
+                  <a:schemeClr val="bg1"/>
+                </a:solidFill>
+                <a:latin typeface="Consolas" panose="020B0609020204030204" pitchFamily="49" charset="0"/>
+              </a:rPr>
+              <a:t>vertices</a:t>
+            </a:r>
+            <a:r>
+              <a:rPr lang="pt-BR" dirty="0">
+                <a:solidFill>
+                  <a:schemeClr val="bg1"/>
+                </a:solidFill>
+                <a:latin typeface="Consolas" panose="020B0609020204030204" pitchFamily="49" charset="0"/>
+              </a:rPr>
+              <a:t> = {</a:t>
+            </a:r>
+          </a:p>
+          <a:p>
+            <a:r>
+              <a:rPr lang="pt-BR" dirty="0">
+                <a:solidFill>
+                  <a:schemeClr val="bg1"/>
+                </a:solidFill>
+                <a:latin typeface="Consolas" panose="020B0609020204030204" pitchFamily="49" charset="0"/>
+              </a:rPr>
+              <a:t>    x1, y0,</a:t>
+            </a:r>
+            <a:endParaRPr lang="pt-BR" dirty="0">
+              <a:solidFill>
+                <a:schemeClr val="accent3"/>
+              </a:solidFill>
+              <a:latin typeface="Consolas" panose="020B0609020204030204" pitchFamily="49" charset="0"/>
+            </a:endParaRPr>
+          </a:p>
+          <a:p>
+            <a:r>
+              <a:rPr lang="pt-BR" dirty="0">
+                <a:solidFill>
+                  <a:schemeClr val="bg1"/>
+                </a:solidFill>
+                <a:latin typeface="Consolas" panose="020B0609020204030204" pitchFamily="49" charset="0"/>
+              </a:rPr>
+              <a:t>    x0, y0,</a:t>
+            </a:r>
+          </a:p>
+          <a:p>
+            <a:r>
+              <a:rPr lang="pt-BR" dirty="0">
+                <a:solidFill>
+                  <a:schemeClr val="bg1"/>
+                </a:solidFill>
+                <a:latin typeface="Consolas" panose="020B0609020204030204" pitchFamily="49" charset="0"/>
+              </a:rPr>
+              <a:t>    x0, y1,</a:t>
+            </a:r>
+            <a:endParaRPr lang="pt-BR" dirty="0">
+              <a:solidFill>
+                <a:schemeClr val="accent3"/>
+              </a:solidFill>
+              <a:latin typeface="Consolas" panose="020B0609020204030204" pitchFamily="49" charset="0"/>
+            </a:endParaRPr>
+          </a:p>
+          <a:p>
+            <a:r>
+              <a:rPr lang="pt-BR" dirty="0">
+                <a:solidFill>
+                  <a:schemeClr val="bg1"/>
+                </a:solidFill>
+                <a:latin typeface="Consolas" panose="020B0609020204030204" pitchFamily="49" charset="0"/>
+              </a:rPr>
+              <a:t>    x1, y1</a:t>
+            </a:r>
+          </a:p>
+          <a:p>
+            <a:r>
+              <a:rPr lang="pt-BR" dirty="0">
+                <a:solidFill>
+                  <a:schemeClr val="bg1"/>
+                </a:solidFill>
+                <a:latin typeface="Consolas" panose="020B0609020204030204" pitchFamily="49" charset="0"/>
+              </a:rPr>
+              <a:t>};</a:t>
+            </a:r>
+          </a:p>
+        </p:txBody>
+      </p:sp>
+    </p:spTree>
+    <p:extLst>
+      <p:ext uri="{BB962C8B-B14F-4D97-AF65-F5344CB8AC3E}">
+        <p14:creationId xmlns:p14="http://schemas.microsoft.com/office/powerpoint/2010/main" val="621436422"/>
+      </p:ext>
+    </p:extLst>
+  </p:cSld>
+  <p:clrMapOvr>
+    <a:masterClrMapping/>
+  </p:clrMapOvr>
+</p:sld>
+</file>
+
+<file path=ppt/slides/slide19.xml><?xml version="1.0" encoding="utf-8"?>
 <p:sld xmlns:a="http://schemas.openxmlformats.org/drawingml/2006/main" xmlns:r="http://schemas.openxmlformats.org/officeDocument/2006/relationships" xmlns:p="http://schemas.openxmlformats.org/presentationml/2006/main">
   <p:cSld>
     <p:spTree>
@@ -5527,7 +8052,98 @@
 </p:sld>
 </file>
 
-<file path=ppt/slides/slide15.xml><?xml version="1.0" encoding="utf-8"?>
+<file path=ppt/slides/slide2.xml><?xml version="1.0" encoding="utf-8"?>
+<p:sld xmlns:a="http://schemas.openxmlformats.org/drawingml/2006/main" xmlns:r="http://schemas.openxmlformats.org/officeDocument/2006/relationships" xmlns:p="http://schemas.openxmlformats.org/presentationml/2006/main">
+  <p:cSld>
+    <p:spTree>
+      <p:nvGrpSpPr>
+        <p:cNvPr id="1" name="">
+          <a:extLst>
+            <a:ext uri="{FF2B5EF4-FFF2-40B4-BE49-F238E27FC236}">
+              <a16:creationId xmlns:a16="http://schemas.microsoft.com/office/drawing/2014/main" id="{1BB3F174-9C98-9804-BF71-BE8A6E3143D7}"/>
+            </a:ext>
+          </a:extLst>
+        </p:cNvPr>
+        <p:cNvGrpSpPr/>
+        <p:nvPr/>
+      </p:nvGrpSpPr>
+      <p:grpSpPr>
+        <a:xfrm>
+          <a:off x="0" y="0"/>
+          <a:ext cx="0" cy="0"/>
+          <a:chOff x="0" y="0"/>
+          <a:chExt cx="0" cy="0"/>
+        </a:xfrm>
+      </p:grpSpPr>
+      <p:sp>
+        <p:nvSpPr>
+          <p:cNvPr id="2" name="Retângulo 1">
+            <a:extLst>
+              <a:ext uri="{FF2B5EF4-FFF2-40B4-BE49-F238E27FC236}">
+                <a16:creationId xmlns:a16="http://schemas.microsoft.com/office/drawing/2014/main" id="{8D49D1F0-1714-6942-4C86-04BF46AF1572}"/>
+              </a:ext>
+            </a:extLst>
+          </p:cNvPr>
+          <p:cNvSpPr/>
+          <p:nvPr/>
+        </p:nvSpPr>
+        <p:spPr>
+          <a:xfrm>
+            <a:off x="0" y="0"/>
+            <a:ext cx="12192000" cy="6858000"/>
+          </a:xfrm>
+          <a:prstGeom prst="rect">
+            <a:avLst/>
+          </a:prstGeom>
+          <a:solidFill>
+            <a:schemeClr val="tx1">
+              <a:lumMod val="95000"/>
+              <a:lumOff val="5000"/>
+            </a:schemeClr>
+          </a:solidFill>
+          <a:ln>
+            <a:noFill/>
+          </a:ln>
+        </p:spPr>
+        <p:style>
+          <a:lnRef idx="2">
+            <a:schemeClr val="accent1">
+              <a:shade val="15000"/>
+            </a:schemeClr>
+          </a:lnRef>
+          <a:fillRef idx="1">
+            <a:schemeClr val="accent1"/>
+          </a:fillRef>
+          <a:effectRef idx="0">
+            <a:schemeClr val="accent1"/>
+          </a:effectRef>
+          <a:fontRef idx="minor">
+            <a:schemeClr val="lt1"/>
+          </a:fontRef>
+        </p:style>
+        <p:txBody>
+          <a:bodyPr rtlCol="0" anchor="ctr"/>
+          <a:lstStyle/>
+          <a:p>
+            <a:pPr algn="ctr"/>
+            <a:endParaRPr lang="pt-BR"/>
+          </a:p>
+        </p:txBody>
+      </p:sp>
+    </p:spTree>
+    <p:extLst>
+      <p:ext uri="{BB962C8B-B14F-4D97-AF65-F5344CB8AC3E}">
+        <p14:creationId xmlns:p14="http://schemas.microsoft.com/office/powerpoint/2010/main" val="981600637"/>
+      </p:ext>
+    </p:extLst>
+  </p:cSld>
+  <p:clrMapOvr>
+    <a:masterClrMapping/>
+  </p:clrMapOvr>
+</p:sld>
+</file>
+
+<file path=ppt/slides/slide20.xml><?xml version="1.0" encoding="utf-8"?>
 <p:sld xmlns:a="http://schemas.openxmlformats.org/drawingml/2006/main" xmlns:r="http://schemas.openxmlformats.org/officeDocument/2006/relationships" xmlns:p="http://schemas.openxmlformats.org/presentationml/2006/main">
   <p:cSld>
     <p:spTree>
@@ -6425,7 +9041,7 @@
 </p:sld>
 </file>
 
-<file path=ppt/slides/slide16.xml><?xml version="1.0" encoding="utf-8"?>
+<file path=ppt/slides/slide21.xml><?xml version="1.0" encoding="utf-8"?>
 <p:sld xmlns:a="http://schemas.openxmlformats.org/drawingml/2006/main" xmlns:r="http://schemas.openxmlformats.org/officeDocument/2006/relationships" xmlns:p="http://schemas.openxmlformats.org/presentationml/2006/main">
   <p:cSld>
     <p:spTree>
@@ -6516,7 +9132,7 @@
 </p:sld>
 </file>
 
-<file path=ppt/slides/slide17.xml><?xml version="1.0" encoding="utf-8"?>
+<file path=ppt/slides/slide22.xml><?xml version="1.0" encoding="utf-8"?>
 <p:sld xmlns:a="http://schemas.openxmlformats.org/drawingml/2006/main" xmlns:r="http://schemas.openxmlformats.org/officeDocument/2006/relationships" xmlns:p="http://schemas.openxmlformats.org/presentationml/2006/main">
   <p:cSld>
     <p:spTree>
@@ -7409,7 +10025,7 @@
 </p:sld>
 </file>
 
-<file path=ppt/slides/slide18.xml><?xml version="1.0" encoding="utf-8"?>
+<file path=ppt/slides/slide23.xml><?xml version="1.0" encoding="utf-8"?>
 <p:sld xmlns:a="http://schemas.openxmlformats.org/drawingml/2006/main" xmlns:r="http://schemas.openxmlformats.org/officeDocument/2006/relationships" xmlns:p="http://schemas.openxmlformats.org/presentationml/2006/main">
   <p:cSld>
     <p:spTree>
@@ -8207,7 +10823,7 @@
 </p:sld>
 </file>
 
-<file path=ppt/slides/slide19.xml><?xml version="1.0" encoding="utf-8"?>
+<file path=ppt/slides/slide24.xml><?xml version="1.0" encoding="utf-8"?>
 <p:sld xmlns:a="http://schemas.openxmlformats.org/drawingml/2006/main" xmlns:r="http://schemas.openxmlformats.org/officeDocument/2006/relationships" xmlns:p="http://schemas.openxmlformats.org/presentationml/2006/main">
   <p:cSld>
     <p:spTree>
@@ -8972,98 +11588,7 @@
 </p:sld>
 </file>
 
-<file path=ppt/slides/slide2.xml><?xml version="1.0" encoding="utf-8"?>
-<p:sld xmlns:a="http://schemas.openxmlformats.org/drawingml/2006/main" xmlns:r="http://schemas.openxmlformats.org/officeDocument/2006/relationships" xmlns:p="http://schemas.openxmlformats.org/presentationml/2006/main">
-  <p:cSld>
-    <p:spTree>
-      <p:nvGrpSpPr>
-        <p:cNvPr id="1" name="">
-          <a:extLst>
-            <a:ext uri="{FF2B5EF4-FFF2-40B4-BE49-F238E27FC236}">
-              <a16:creationId xmlns:a16="http://schemas.microsoft.com/office/drawing/2014/main" id="{1BB3F174-9C98-9804-BF71-BE8A6E3143D7}"/>
-            </a:ext>
-          </a:extLst>
-        </p:cNvPr>
-        <p:cNvGrpSpPr/>
-        <p:nvPr/>
-      </p:nvGrpSpPr>
-      <p:grpSpPr>
-        <a:xfrm>
-          <a:off x="0" y="0"/>
-          <a:ext cx="0" cy="0"/>
-          <a:chOff x="0" y="0"/>
-          <a:chExt cx="0" cy="0"/>
-        </a:xfrm>
-      </p:grpSpPr>
-      <p:sp>
-        <p:nvSpPr>
-          <p:cNvPr id="2" name="Retângulo 1">
-            <a:extLst>
-              <a:ext uri="{FF2B5EF4-FFF2-40B4-BE49-F238E27FC236}">
-                <a16:creationId xmlns:a16="http://schemas.microsoft.com/office/drawing/2014/main" id="{8D49D1F0-1714-6942-4C86-04BF46AF1572}"/>
-              </a:ext>
-            </a:extLst>
-          </p:cNvPr>
-          <p:cNvSpPr/>
-          <p:nvPr/>
-        </p:nvSpPr>
-        <p:spPr>
-          <a:xfrm>
-            <a:off x="0" y="0"/>
-            <a:ext cx="12192000" cy="6858000"/>
-          </a:xfrm>
-          <a:prstGeom prst="rect">
-            <a:avLst/>
-          </a:prstGeom>
-          <a:solidFill>
-            <a:schemeClr val="tx1">
-              <a:lumMod val="95000"/>
-              <a:lumOff val="5000"/>
-            </a:schemeClr>
-          </a:solidFill>
-          <a:ln>
-            <a:noFill/>
-          </a:ln>
-        </p:spPr>
-        <p:style>
-          <a:lnRef idx="2">
-            <a:schemeClr val="accent1">
-              <a:shade val="15000"/>
-            </a:schemeClr>
-          </a:lnRef>
-          <a:fillRef idx="1">
-            <a:schemeClr val="accent1"/>
-          </a:fillRef>
-          <a:effectRef idx="0">
-            <a:schemeClr val="accent1"/>
-          </a:effectRef>
-          <a:fontRef idx="minor">
-            <a:schemeClr val="lt1"/>
-          </a:fontRef>
-        </p:style>
-        <p:txBody>
-          <a:bodyPr rtlCol="0" anchor="ctr"/>
-          <a:lstStyle/>
-          <a:p>
-            <a:pPr algn="ctr"/>
-            <a:endParaRPr lang="pt-BR"/>
-          </a:p>
-        </p:txBody>
-      </p:sp>
-    </p:spTree>
-    <p:extLst>
-      <p:ext uri="{BB962C8B-B14F-4D97-AF65-F5344CB8AC3E}">
-        <p14:creationId xmlns:p14="http://schemas.microsoft.com/office/powerpoint/2010/main" val="981600637"/>
-      </p:ext>
-    </p:extLst>
-  </p:cSld>
-  <p:clrMapOvr>
-    <a:masterClrMapping/>
-  </p:clrMapOvr>
-</p:sld>
-</file>
-
-<file path=ppt/slides/slide20.xml><?xml version="1.0" encoding="utf-8"?>
+<file path=ppt/slides/slide25.xml><?xml version="1.0" encoding="utf-8"?>
 <p:sld xmlns:a="http://schemas.openxmlformats.org/drawingml/2006/main" xmlns:r="http://schemas.openxmlformats.org/officeDocument/2006/relationships" xmlns:p="http://schemas.openxmlformats.org/presentationml/2006/main">
   <p:cSld>
     <p:spTree>
@@ -9868,7 +12393,7 @@
 </p:sld>
 </file>
 
-<file path=ppt/slides/slide21.xml><?xml version="1.0" encoding="utf-8"?>
+<file path=ppt/slides/slide26.xml><?xml version="1.0" encoding="utf-8"?>
 <p:sld xmlns:a="http://schemas.openxmlformats.org/drawingml/2006/main" xmlns:r="http://schemas.openxmlformats.org/officeDocument/2006/relationships" xmlns:p="http://schemas.openxmlformats.org/presentationml/2006/main">
   <p:cSld>
     <p:spTree>
@@ -10633,7 +13158,7 @@
 </p:sld>
 </file>
 
-<file path=ppt/slides/slide22.xml><?xml version="1.0" encoding="utf-8"?>
+<file path=ppt/slides/slide27.xml><?xml version="1.0" encoding="utf-8"?>
 <p:sld xmlns:a="http://schemas.openxmlformats.org/drawingml/2006/main" xmlns:r="http://schemas.openxmlformats.org/officeDocument/2006/relationships" xmlns:p="http://schemas.openxmlformats.org/presentationml/2006/main">
   <p:cSld>
     <p:spTree>
@@ -11439,7 +13964,7 @@
 </p:sld>
 </file>
 
-<file path=ppt/slides/slide23.xml><?xml version="1.0" encoding="utf-8"?>
+<file path=ppt/slides/slide28.xml><?xml version="1.0" encoding="utf-8"?>
 <p:sld xmlns:a="http://schemas.openxmlformats.org/drawingml/2006/main" xmlns:r="http://schemas.openxmlformats.org/officeDocument/2006/relationships" xmlns:p="http://schemas.openxmlformats.org/presentationml/2006/main">
   <p:cSld>
     <p:spTree>
@@ -12204,7 +14729,7 @@
 </p:sld>
 </file>
 
-<file path=ppt/slides/slide24.xml><?xml version="1.0" encoding="utf-8"?>
+<file path=ppt/slides/slide29.xml><?xml version="1.0" encoding="utf-8"?>
 <p:sld xmlns:a="http://schemas.openxmlformats.org/drawingml/2006/main" xmlns:r="http://schemas.openxmlformats.org/officeDocument/2006/relationships" xmlns:p="http://schemas.openxmlformats.org/presentationml/2006/main">
   <p:cSld>
     <p:spTree>
@@ -12286,735 +14811,6 @@
     <p:extLst>
       <p:ext uri="{BB962C8B-B14F-4D97-AF65-F5344CB8AC3E}">
         <p14:creationId xmlns:p14="http://schemas.microsoft.com/office/powerpoint/2010/main" val="796524399"/>
-      </p:ext>
-    </p:extLst>
-  </p:cSld>
-  <p:clrMapOvr>
-    <a:masterClrMapping/>
-  </p:clrMapOvr>
-</p:sld>
-</file>
-
-<file path=ppt/slides/slide25.xml><?xml version="1.0" encoding="utf-8"?>
-<p:sld xmlns:a="http://schemas.openxmlformats.org/drawingml/2006/main" xmlns:r="http://schemas.openxmlformats.org/officeDocument/2006/relationships" xmlns:p="http://schemas.openxmlformats.org/presentationml/2006/main">
-  <p:cSld>
-    <p:spTree>
-      <p:nvGrpSpPr>
-        <p:cNvPr id="1" name="">
-          <a:extLst>
-            <a:ext uri="{FF2B5EF4-FFF2-40B4-BE49-F238E27FC236}">
-              <a16:creationId xmlns:a16="http://schemas.microsoft.com/office/drawing/2014/main" id="{8611C9B7-9544-3BA9-EE55-D6CDF59760E2}"/>
-            </a:ext>
-          </a:extLst>
-        </p:cNvPr>
-        <p:cNvGrpSpPr/>
-        <p:nvPr/>
-      </p:nvGrpSpPr>
-      <p:grpSpPr>
-        <a:xfrm>
-          <a:off x="0" y="0"/>
-          <a:ext cx="0" cy="0"/>
-          <a:chOff x="0" y="0"/>
-          <a:chExt cx="0" cy="0"/>
-        </a:xfrm>
-      </p:grpSpPr>
-      <p:sp>
-        <p:nvSpPr>
-          <p:cNvPr id="2" name="Retângulo 1">
-            <a:extLst>
-              <a:ext uri="{FF2B5EF4-FFF2-40B4-BE49-F238E27FC236}">
-                <a16:creationId xmlns:a16="http://schemas.microsoft.com/office/drawing/2014/main" id="{FC49C744-9EF5-9F2D-2C1A-5C0FC465BC02}"/>
-              </a:ext>
-            </a:extLst>
-          </p:cNvPr>
-          <p:cNvSpPr/>
-          <p:nvPr/>
-        </p:nvSpPr>
-        <p:spPr>
-          <a:xfrm>
-            <a:off x="0" y="0"/>
-            <a:ext cx="12192000" cy="6858000"/>
-          </a:xfrm>
-          <a:prstGeom prst="rect">
-            <a:avLst/>
-          </a:prstGeom>
-          <a:solidFill>
-            <a:schemeClr val="tx1">
-              <a:lumMod val="95000"/>
-              <a:lumOff val="5000"/>
-            </a:schemeClr>
-          </a:solidFill>
-          <a:ln>
-            <a:noFill/>
-          </a:ln>
-        </p:spPr>
-        <p:style>
-          <a:lnRef idx="2">
-            <a:schemeClr val="accent1">
-              <a:shade val="15000"/>
-            </a:schemeClr>
-          </a:lnRef>
-          <a:fillRef idx="1">
-            <a:schemeClr val="accent1"/>
-          </a:fillRef>
-          <a:effectRef idx="0">
-            <a:schemeClr val="accent1"/>
-          </a:effectRef>
-          <a:fontRef idx="minor">
-            <a:schemeClr val="lt1"/>
-          </a:fontRef>
-        </p:style>
-        <p:txBody>
-          <a:bodyPr rtlCol="0" anchor="ctr"/>
-          <a:lstStyle/>
-          <a:p>
-            <a:pPr algn="ctr"/>
-            <a:endParaRPr lang="pt-BR"/>
-          </a:p>
-        </p:txBody>
-      </p:sp>
-      <p:pic>
-        <p:nvPicPr>
-          <p:cNvPr id="3" name="Imagem 2">
-            <a:extLst>
-              <a:ext uri="{FF2B5EF4-FFF2-40B4-BE49-F238E27FC236}">
-                <a16:creationId xmlns:a16="http://schemas.microsoft.com/office/drawing/2014/main" id="{35972ED4-E209-8B9A-0A77-93F0EA75961E}"/>
-              </a:ext>
-            </a:extLst>
-          </p:cNvPr>
-          <p:cNvPicPr>
-            <a:picLocks noChangeAspect="1"/>
-          </p:cNvPicPr>
-          <p:nvPr/>
-        </p:nvPicPr>
-        <p:blipFill>
-          <a:blip r:embed="rId2">
-            <a:extLst>
-              <a:ext uri="{28A0092B-C50C-407E-A947-70E740481C1C}">
-                <a14:useLocalDpi xmlns:a14="http://schemas.microsoft.com/office/drawing/2010/main" val="0"/>
-              </a:ext>
-            </a:extLst>
-          </a:blip>
-          <a:srcRect/>
-          <a:stretch/>
-        </p:blipFill>
-        <p:spPr>
-          <a:xfrm>
-            <a:off x="4876630" y="2209630"/>
-            <a:ext cx="2438740" cy="2438740"/>
-          </a:xfrm>
-          <a:prstGeom prst="rect">
-            <a:avLst/>
-          </a:prstGeom>
-        </p:spPr>
-      </p:pic>
-      <p:sp>
-        <p:nvSpPr>
-          <p:cNvPr id="4" name="Elipse 3">
-            <a:extLst>
-              <a:ext uri="{FF2B5EF4-FFF2-40B4-BE49-F238E27FC236}">
-                <a16:creationId xmlns:a16="http://schemas.microsoft.com/office/drawing/2014/main" id="{71AB4EED-C29D-1CA1-341F-98166C2A4C14}"/>
-              </a:ext>
-            </a:extLst>
-          </p:cNvPr>
-          <p:cNvSpPr>
-            <a:spLocks noChangeAspect="1"/>
-          </p:cNvSpPr>
-          <p:nvPr/>
-        </p:nvSpPr>
-        <p:spPr>
-          <a:xfrm>
-            <a:off x="4786630" y="4558370"/>
-            <a:ext cx="180000" cy="180000"/>
-          </a:xfrm>
-          <a:prstGeom prst="ellipse">
-            <a:avLst/>
-          </a:prstGeom>
-          <a:solidFill>
-            <a:srgbClr val="C00000"/>
-          </a:solidFill>
-          <a:ln>
-            <a:noFill/>
-          </a:ln>
-        </p:spPr>
-        <p:style>
-          <a:lnRef idx="2">
-            <a:schemeClr val="accent1">
-              <a:shade val="15000"/>
-            </a:schemeClr>
-          </a:lnRef>
-          <a:fillRef idx="1">
-            <a:schemeClr val="accent1"/>
-          </a:fillRef>
-          <a:effectRef idx="0">
-            <a:schemeClr val="accent1"/>
-          </a:effectRef>
-          <a:fontRef idx="minor">
-            <a:schemeClr val="lt1"/>
-          </a:fontRef>
-        </p:style>
-        <p:txBody>
-          <a:bodyPr rtlCol="0" anchor="ctr"/>
-          <a:lstStyle/>
-          <a:p>
-            <a:pPr algn="ctr"/>
-            <a:endParaRPr lang="pt-BR"/>
-          </a:p>
-        </p:txBody>
-      </p:sp>
-      <p:sp>
-        <p:nvSpPr>
-          <p:cNvPr id="5" name="Elipse 4">
-            <a:extLst>
-              <a:ext uri="{FF2B5EF4-FFF2-40B4-BE49-F238E27FC236}">
-                <a16:creationId xmlns:a16="http://schemas.microsoft.com/office/drawing/2014/main" id="{472D0210-B96B-15B5-A751-75BAB7A661B9}"/>
-              </a:ext>
-            </a:extLst>
-          </p:cNvPr>
-          <p:cNvSpPr>
-            <a:spLocks noChangeAspect="1"/>
-          </p:cNvSpPr>
-          <p:nvPr/>
-        </p:nvSpPr>
-        <p:spPr>
-          <a:xfrm>
-            <a:off x="7225372" y="4558370"/>
-            <a:ext cx="180000" cy="180000"/>
-          </a:xfrm>
-          <a:prstGeom prst="ellipse">
-            <a:avLst/>
-          </a:prstGeom>
-          <a:solidFill>
-            <a:srgbClr val="C00000"/>
-          </a:solidFill>
-          <a:ln>
-            <a:noFill/>
-          </a:ln>
-        </p:spPr>
-        <p:style>
-          <a:lnRef idx="2">
-            <a:schemeClr val="accent1">
-              <a:shade val="15000"/>
-            </a:schemeClr>
-          </a:lnRef>
-          <a:fillRef idx="1">
-            <a:schemeClr val="accent1"/>
-          </a:fillRef>
-          <a:effectRef idx="0">
-            <a:schemeClr val="accent1"/>
-          </a:effectRef>
-          <a:fontRef idx="minor">
-            <a:schemeClr val="lt1"/>
-          </a:fontRef>
-        </p:style>
-        <p:txBody>
-          <a:bodyPr rtlCol="0" anchor="ctr"/>
-          <a:lstStyle/>
-          <a:p>
-            <a:pPr algn="ctr"/>
-            <a:endParaRPr lang="pt-BR"/>
-          </a:p>
-        </p:txBody>
-      </p:sp>
-      <p:sp>
-        <p:nvSpPr>
-          <p:cNvPr id="7" name="Elipse 6">
-            <a:extLst>
-              <a:ext uri="{FF2B5EF4-FFF2-40B4-BE49-F238E27FC236}">
-                <a16:creationId xmlns:a16="http://schemas.microsoft.com/office/drawing/2014/main" id="{6F897EF0-4E93-7849-44F5-FCD96F28A3B6}"/>
-              </a:ext>
-            </a:extLst>
-          </p:cNvPr>
-          <p:cNvSpPr>
-            <a:spLocks noChangeAspect="1"/>
-          </p:cNvSpPr>
-          <p:nvPr/>
-        </p:nvSpPr>
-        <p:spPr>
-          <a:xfrm>
-            <a:off x="4786630" y="2119630"/>
-            <a:ext cx="180000" cy="180000"/>
-          </a:xfrm>
-          <a:prstGeom prst="ellipse">
-            <a:avLst/>
-          </a:prstGeom>
-          <a:solidFill>
-            <a:srgbClr val="C00000"/>
-          </a:solidFill>
-          <a:ln>
-            <a:noFill/>
-          </a:ln>
-        </p:spPr>
-        <p:style>
-          <a:lnRef idx="2">
-            <a:schemeClr val="accent1">
-              <a:shade val="15000"/>
-            </a:schemeClr>
-          </a:lnRef>
-          <a:fillRef idx="1">
-            <a:schemeClr val="accent1"/>
-          </a:fillRef>
-          <a:effectRef idx="0">
-            <a:schemeClr val="accent1"/>
-          </a:effectRef>
-          <a:fontRef idx="minor">
-            <a:schemeClr val="lt1"/>
-          </a:fontRef>
-        </p:style>
-        <p:txBody>
-          <a:bodyPr rtlCol="0" anchor="ctr"/>
-          <a:lstStyle/>
-          <a:p>
-            <a:pPr algn="ctr"/>
-            <a:endParaRPr lang="pt-BR"/>
-          </a:p>
-        </p:txBody>
-      </p:sp>
-      <p:sp>
-        <p:nvSpPr>
-          <p:cNvPr id="8" name="Elipse 7">
-            <a:extLst>
-              <a:ext uri="{FF2B5EF4-FFF2-40B4-BE49-F238E27FC236}">
-                <a16:creationId xmlns:a16="http://schemas.microsoft.com/office/drawing/2014/main" id="{8F61C563-71D9-F685-4248-0E5AF5CE3173}"/>
-              </a:ext>
-            </a:extLst>
-          </p:cNvPr>
-          <p:cNvSpPr>
-            <a:spLocks noChangeAspect="1"/>
-          </p:cNvSpPr>
-          <p:nvPr/>
-        </p:nvSpPr>
-        <p:spPr>
-          <a:xfrm>
-            <a:off x="7225372" y="2119630"/>
-            <a:ext cx="180000" cy="180000"/>
-          </a:xfrm>
-          <a:prstGeom prst="ellipse">
-            <a:avLst/>
-          </a:prstGeom>
-          <a:solidFill>
-            <a:srgbClr val="C00000"/>
-          </a:solidFill>
-          <a:ln>
-            <a:noFill/>
-          </a:ln>
-        </p:spPr>
-        <p:style>
-          <a:lnRef idx="2">
-            <a:schemeClr val="accent1">
-              <a:shade val="15000"/>
-            </a:schemeClr>
-          </a:lnRef>
-          <a:fillRef idx="1">
-            <a:schemeClr val="accent1"/>
-          </a:fillRef>
-          <a:effectRef idx="0">
-            <a:schemeClr val="accent1"/>
-          </a:effectRef>
-          <a:fontRef idx="minor">
-            <a:schemeClr val="lt1"/>
-          </a:fontRef>
-        </p:style>
-        <p:txBody>
-          <a:bodyPr rtlCol="0" anchor="ctr"/>
-          <a:lstStyle/>
-          <a:p>
-            <a:pPr algn="ctr"/>
-            <a:endParaRPr lang="pt-BR"/>
-          </a:p>
-        </p:txBody>
-      </p:sp>
-      <p:sp>
-        <p:nvSpPr>
-          <p:cNvPr id="9" name="CaixaDeTexto 8">
-            <a:extLst>
-              <a:ext uri="{FF2B5EF4-FFF2-40B4-BE49-F238E27FC236}">
-                <a16:creationId xmlns:a16="http://schemas.microsoft.com/office/drawing/2014/main" id="{A264A07F-960E-3BC4-273B-577C8DA6093E}"/>
-              </a:ext>
-            </a:extLst>
-          </p:cNvPr>
-          <p:cNvSpPr txBox="1"/>
-          <p:nvPr/>
-        </p:nvSpPr>
-        <p:spPr>
-          <a:xfrm>
-            <a:off x="3932140" y="4648370"/>
-            <a:ext cx="944490" cy="369332"/>
-          </a:xfrm>
-          <a:prstGeom prst="rect">
-            <a:avLst/>
-          </a:prstGeom>
-          <a:noFill/>
-        </p:spPr>
-        <p:txBody>
-          <a:bodyPr wrap="none" rtlCol="0">
-            <a:spAutoFit/>
-          </a:bodyPr>
-          <a:lstStyle/>
-          <a:p>
-            <a:pPr algn="r"/>
-            <a:r>
-              <a:rPr lang="pt-BR" dirty="0">
-                <a:solidFill>
-                  <a:schemeClr val="bg1"/>
-                </a:solidFill>
-                <a:latin typeface="Consolas" panose="020B0609020204030204" pitchFamily="49" charset="0"/>
-              </a:rPr>
-              <a:t>u0, v0</a:t>
-            </a:r>
-          </a:p>
-        </p:txBody>
-      </p:sp>
-      <p:sp>
-        <p:nvSpPr>
-          <p:cNvPr id="11" name="CaixaDeTexto 10">
-            <a:extLst>
-              <a:ext uri="{FF2B5EF4-FFF2-40B4-BE49-F238E27FC236}">
-                <a16:creationId xmlns:a16="http://schemas.microsoft.com/office/drawing/2014/main" id="{D1A1264D-9142-703D-7BF5-6BF6EF71B39B}"/>
-              </a:ext>
-            </a:extLst>
-          </p:cNvPr>
-          <p:cNvSpPr txBox="1"/>
-          <p:nvPr/>
-        </p:nvSpPr>
-        <p:spPr>
-          <a:xfrm>
-            <a:off x="3932140" y="1840298"/>
-            <a:ext cx="944490" cy="369332"/>
-          </a:xfrm>
-          <a:prstGeom prst="rect">
-            <a:avLst/>
-          </a:prstGeom>
-          <a:noFill/>
-        </p:spPr>
-        <p:txBody>
-          <a:bodyPr wrap="none" rtlCol="0" anchor="b">
-            <a:spAutoFit/>
-          </a:bodyPr>
-          <a:lstStyle/>
-          <a:p>
-            <a:pPr algn="r"/>
-            <a:r>
-              <a:rPr lang="pt-BR" dirty="0">
-                <a:solidFill>
-                  <a:schemeClr val="bg1"/>
-                </a:solidFill>
-                <a:latin typeface="Consolas" panose="020B0609020204030204" pitchFamily="49" charset="0"/>
-              </a:rPr>
-              <a:t>u0, v1</a:t>
-            </a:r>
-          </a:p>
-        </p:txBody>
-      </p:sp>
-      <p:sp>
-        <p:nvSpPr>
-          <p:cNvPr id="14" name="CaixaDeTexto 13">
-            <a:extLst>
-              <a:ext uri="{FF2B5EF4-FFF2-40B4-BE49-F238E27FC236}">
-                <a16:creationId xmlns:a16="http://schemas.microsoft.com/office/drawing/2014/main" id="{0C77F6CB-2B49-54A5-D4AA-542856A90BA0}"/>
-              </a:ext>
-            </a:extLst>
-          </p:cNvPr>
-          <p:cNvSpPr txBox="1"/>
-          <p:nvPr/>
-        </p:nvSpPr>
-        <p:spPr>
-          <a:xfrm>
-            <a:off x="7315370" y="4648370"/>
-            <a:ext cx="944489" cy="369332"/>
-          </a:xfrm>
-          <a:prstGeom prst="rect">
-            <a:avLst/>
-          </a:prstGeom>
-          <a:noFill/>
-        </p:spPr>
-        <p:txBody>
-          <a:bodyPr wrap="none" rtlCol="0">
-            <a:spAutoFit/>
-          </a:bodyPr>
-          <a:lstStyle/>
-          <a:p>
-            <a:r>
-              <a:rPr lang="pt-BR" dirty="0">
-                <a:solidFill>
-                  <a:schemeClr val="bg1"/>
-                </a:solidFill>
-                <a:latin typeface="Consolas" panose="020B0609020204030204" pitchFamily="49" charset="0"/>
-              </a:rPr>
-              <a:t>u1, v0</a:t>
-            </a:r>
-          </a:p>
-        </p:txBody>
-      </p:sp>
-      <p:sp>
-        <p:nvSpPr>
-          <p:cNvPr id="15" name="CaixaDeTexto 14">
-            <a:extLst>
-              <a:ext uri="{FF2B5EF4-FFF2-40B4-BE49-F238E27FC236}">
-                <a16:creationId xmlns:a16="http://schemas.microsoft.com/office/drawing/2014/main" id="{DA9EB336-B857-6921-4514-444AC71A86F2}"/>
-              </a:ext>
-            </a:extLst>
-          </p:cNvPr>
-          <p:cNvSpPr txBox="1"/>
-          <p:nvPr/>
-        </p:nvSpPr>
-        <p:spPr>
-          <a:xfrm>
-            <a:off x="7315370" y="1836538"/>
-            <a:ext cx="944489" cy="369332"/>
-          </a:xfrm>
-          <a:prstGeom prst="rect">
-            <a:avLst/>
-          </a:prstGeom>
-          <a:noFill/>
-        </p:spPr>
-        <p:txBody>
-          <a:bodyPr wrap="none" rtlCol="0" anchor="b">
-            <a:spAutoFit/>
-          </a:bodyPr>
-          <a:lstStyle/>
-          <a:p>
-            <a:r>
-              <a:rPr lang="pt-BR" dirty="0">
-                <a:solidFill>
-                  <a:schemeClr val="bg1"/>
-                </a:solidFill>
-                <a:latin typeface="Consolas" panose="020B0609020204030204" pitchFamily="49" charset="0"/>
-              </a:rPr>
-              <a:t>u1, v1</a:t>
-            </a:r>
-          </a:p>
-        </p:txBody>
-      </p:sp>
-      <p:sp>
-        <p:nvSpPr>
-          <p:cNvPr id="6" name="CaixaDeTexto 5">
-            <a:extLst>
-              <a:ext uri="{FF2B5EF4-FFF2-40B4-BE49-F238E27FC236}">
-                <a16:creationId xmlns:a16="http://schemas.microsoft.com/office/drawing/2014/main" id="{A3FF732F-A42F-896A-3808-42B9ADF08D61}"/>
-              </a:ext>
-            </a:extLst>
-          </p:cNvPr>
-          <p:cNvSpPr txBox="1"/>
-          <p:nvPr/>
-        </p:nvSpPr>
-        <p:spPr>
-          <a:xfrm>
-            <a:off x="0" y="0"/>
-            <a:ext cx="2717411" cy="1754326"/>
-          </a:xfrm>
-          <a:prstGeom prst="rect">
-            <a:avLst/>
-          </a:prstGeom>
-          <a:noFill/>
-        </p:spPr>
-        <p:txBody>
-          <a:bodyPr wrap="none" rtlCol="0">
-            <a:spAutoFit/>
-          </a:bodyPr>
-          <a:lstStyle/>
-          <a:p>
-            <a:r>
-              <a:rPr lang="pt-BR" dirty="0" err="1">
-                <a:solidFill>
-                  <a:schemeClr val="bg1"/>
-                </a:solidFill>
-                <a:latin typeface="Consolas" panose="020B0609020204030204" pitchFamily="49" charset="0"/>
-              </a:rPr>
-              <a:t>float</a:t>
-            </a:r>
-            <a:r>
-              <a:rPr lang="pt-BR" dirty="0">
-                <a:solidFill>
-                  <a:schemeClr val="bg1"/>
-                </a:solidFill>
-                <a:latin typeface="Consolas" panose="020B0609020204030204" pitchFamily="49" charset="0"/>
-              </a:rPr>
-              <a:t>[] </a:t>
-            </a:r>
-            <a:r>
-              <a:rPr lang="pt-BR" dirty="0" err="1">
-                <a:solidFill>
-                  <a:schemeClr val="bg1"/>
-                </a:solidFill>
-                <a:latin typeface="Consolas" panose="020B0609020204030204" pitchFamily="49" charset="0"/>
-              </a:rPr>
-              <a:t>texCoord</a:t>
-            </a:r>
-            <a:r>
-              <a:rPr lang="pt-BR" dirty="0">
-                <a:solidFill>
-                  <a:schemeClr val="bg1"/>
-                </a:solidFill>
-                <a:latin typeface="Consolas" panose="020B0609020204030204" pitchFamily="49" charset="0"/>
-              </a:rPr>
-              <a:t> = {</a:t>
-            </a:r>
-          </a:p>
-          <a:p>
-            <a:r>
-              <a:rPr lang="pt-BR" dirty="0">
-                <a:solidFill>
-                  <a:schemeClr val="bg1"/>
-                </a:solidFill>
-                <a:latin typeface="Consolas" panose="020B0609020204030204" pitchFamily="49" charset="0"/>
-              </a:rPr>
-              <a:t>    u0, v0,</a:t>
-            </a:r>
-            <a:endParaRPr lang="pt-BR" dirty="0">
-              <a:solidFill>
-                <a:schemeClr val="accent3"/>
-              </a:solidFill>
-              <a:latin typeface="Consolas" panose="020B0609020204030204" pitchFamily="49" charset="0"/>
-            </a:endParaRPr>
-          </a:p>
-          <a:p>
-            <a:r>
-              <a:rPr lang="pt-BR" dirty="0">
-                <a:solidFill>
-                  <a:schemeClr val="bg1"/>
-                </a:solidFill>
-                <a:latin typeface="Consolas" panose="020B0609020204030204" pitchFamily="49" charset="0"/>
-              </a:rPr>
-              <a:t>    u1, v0,</a:t>
-            </a:r>
-          </a:p>
-          <a:p>
-            <a:r>
-              <a:rPr lang="pt-BR" dirty="0">
-                <a:solidFill>
-                  <a:schemeClr val="bg1"/>
-                </a:solidFill>
-                <a:latin typeface="Consolas" panose="020B0609020204030204" pitchFamily="49" charset="0"/>
-              </a:rPr>
-              <a:t>    u1, v1,</a:t>
-            </a:r>
-            <a:endParaRPr lang="pt-BR" dirty="0">
-              <a:solidFill>
-                <a:schemeClr val="accent3"/>
-              </a:solidFill>
-              <a:latin typeface="Consolas" panose="020B0609020204030204" pitchFamily="49" charset="0"/>
-            </a:endParaRPr>
-          </a:p>
-          <a:p>
-            <a:r>
-              <a:rPr lang="pt-BR" dirty="0">
-                <a:solidFill>
-                  <a:schemeClr val="bg1"/>
-                </a:solidFill>
-                <a:latin typeface="Consolas" panose="020B0609020204030204" pitchFamily="49" charset="0"/>
-              </a:rPr>
-              <a:t>    u0, v1</a:t>
-            </a:r>
-          </a:p>
-          <a:p>
-            <a:r>
-              <a:rPr lang="pt-BR" dirty="0">
-                <a:solidFill>
-                  <a:schemeClr val="bg1"/>
-                </a:solidFill>
-                <a:latin typeface="Consolas" panose="020B0609020204030204" pitchFamily="49" charset="0"/>
-              </a:rPr>
-              <a:t>};</a:t>
-            </a:r>
-          </a:p>
-        </p:txBody>
-      </p:sp>
-    </p:spTree>
-    <p:extLst>
-      <p:ext uri="{BB962C8B-B14F-4D97-AF65-F5344CB8AC3E}">
-        <p14:creationId xmlns:p14="http://schemas.microsoft.com/office/powerpoint/2010/main" val="2505165393"/>
-      </p:ext>
-    </p:extLst>
-  </p:cSld>
-  <p:clrMapOvr>
-    <a:masterClrMapping/>
-  </p:clrMapOvr>
-</p:sld>
-</file>
-
-<file path=ppt/slides/slide26.xml><?xml version="1.0" encoding="utf-8"?>
-<p:sld xmlns:a="http://schemas.openxmlformats.org/drawingml/2006/main" xmlns:r="http://schemas.openxmlformats.org/officeDocument/2006/relationships" xmlns:p="http://schemas.openxmlformats.org/presentationml/2006/main">
-  <p:cSld>
-    <p:spTree>
-      <p:nvGrpSpPr>
-        <p:cNvPr id="1" name="">
-          <a:extLst>
-            <a:ext uri="{FF2B5EF4-FFF2-40B4-BE49-F238E27FC236}">
-              <a16:creationId xmlns:a16="http://schemas.microsoft.com/office/drawing/2014/main" id="{99052162-7F62-341C-BB74-9B11F2C4F6D1}"/>
-            </a:ext>
-          </a:extLst>
-        </p:cNvPr>
-        <p:cNvGrpSpPr/>
-        <p:nvPr/>
-      </p:nvGrpSpPr>
-      <p:grpSpPr>
-        <a:xfrm>
-          <a:off x="0" y="0"/>
-          <a:ext cx="0" cy="0"/>
-          <a:chOff x="0" y="0"/>
-          <a:chExt cx="0" cy="0"/>
-        </a:xfrm>
-      </p:grpSpPr>
-      <p:sp>
-        <p:nvSpPr>
-          <p:cNvPr id="2" name="Retângulo 1">
-            <a:extLst>
-              <a:ext uri="{FF2B5EF4-FFF2-40B4-BE49-F238E27FC236}">
-                <a16:creationId xmlns:a16="http://schemas.microsoft.com/office/drawing/2014/main" id="{01211219-6E4C-2DE9-1AB0-CFEEF27F8D03}"/>
-              </a:ext>
-            </a:extLst>
-          </p:cNvPr>
-          <p:cNvSpPr/>
-          <p:nvPr/>
-        </p:nvSpPr>
-        <p:spPr>
-          <a:xfrm>
-            <a:off x="0" y="0"/>
-            <a:ext cx="12192000" cy="6858000"/>
-          </a:xfrm>
-          <a:prstGeom prst="rect">
-            <a:avLst/>
-          </a:prstGeom>
-          <a:solidFill>
-            <a:schemeClr val="tx1">
-              <a:lumMod val="95000"/>
-              <a:lumOff val="5000"/>
-            </a:schemeClr>
-          </a:solidFill>
-          <a:ln>
-            <a:noFill/>
-          </a:ln>
-        </p:spPr>
-        <p:style>
-          <a:lnRef idx="2">
-            <a:schemeClr val="accent1">
-              <a:shade val="15000"/>
-            </a:schemeClr>
-          </a:lnRef>
-          <a:fillRef idx="1">
-            <a:schemeClr val="accent1"/>
-          </a:fillRef>
-          <a:effectRef idx="0">
-            <a:schemeClr val="accent1"/>
-          </a:effectRef>
-          <a:fontRef idx="minor">
-            <a:schemeClr val="lt1"/>
-          </a:fontRef>
-        </p:style>
-        <p:txBody>
-          <a:bodyPr rtlCol="0" anchor="ctr"/>
-          <a:lstStyle/>
-          <a:p>
-            <a:pPr algn="ctr"/>
-            <a:endParaRPr lang="pt-BR"/>
-          </a:p>
-        </p:txBody>
-      </p:sp>
-    </p:spTree>
-    <p:extLst>
-      <p:ext uri="{BB962C8B-B14F-4D97-AF65-F5344CB8AC3E}">
-        <p14:creationId xmlns:p14="http://schemas.microsoft.com/office/powerpoint/2010/main" val="3206107953"/>
       </p:ext>
     </p:extLst>
   </p:cSld>
@@ -13154,8 +14950,8 @@
         </p:nvCxnSpPr>
         <p:spPr>
           <a:xfrm flipV="1">
-            <a:off x="2168165" y="623531"/>
-            <a:ext cx="0" cy="5959311"/>
+            <a:off x="6096000" y="501307"/>
+            <a:ext cx="0" cy="2927693"/>
           </a:xfrm>
           <a:prstGeom prst="straightConnector1">
             <a:avLst/>
@@ -13198,8 +14994,8 @@
         </p:nvCxnSpPr>
         <p:spPr>
           <a:xfrm>
-            <a:off x="2168165" y="6582842"/>
-            <a:ext cx="7527835" cy="0"/>
+            <a:off x="6096000" y="3429000"/>
+            <a:ext cx="3705225" cy="0"/>
           </a:xfrm>
           <a:prstGeom prst="straightConnector1">
             <a:avLst/>
@@ -13240,7 +15036,7 @@
         </p:nvSpPr>
         <p:spPr>
           <a:xfrm>
-            <a:off x="2013315" y="131975"/>
+            <a:off x="5941150" y="65988"/>
             <a:ext cx="309700" cy="369332"/>
           </a:xfrm>
           <a:prstGeom prst="rect">
@@ -13279,7 +15075,7 @@
         </p:nvSpPr>
         <p:spPr>
           <a:xfrm>
-            <a:off x="9886268" y="6398176"/>
+            <a:off x="10619693" y="3244334"/>
             <a:ext cx="312906" cy="369332"/>
           </a:xfrm>
           <a:prstGeom prst="rect">
@@ -13300,6 +15096,597 @@
                 </a:solidFill>
               </a:rPr>
               <a:t>X</a:t>
+            </a:r>
+          </a:p>
+        </p:txBody>
+      </p:sp>
+      <p:cxnSp>
+        <p:nvCxnSpPr>
+          <p:cNvPr id="16" name="Conector de Seta Reta 15">
+            <a:extLst>
+              <a:ext uri="{FF2B5EF4-FFF2-40B4-BE49-F238E27FC236}">
+                <a16:creationId xmlns:a16="http://schemas.microsoft.com/office/drawing/2014/main" id="{677BDBD8-0556-B137-D9F4-9D6800CD1EB8}"/>
+              </a:ext>
+            </a:extLst>
+          </p:cNvPr>
+          <p:cNvCxnSpPr>
+            <a:cxnSpLocks/>
+          </p:cNvCxnSpPr>
+          <p:nvPr/>
+        </p:nvCxnSpPr>
+        <p:spPr>
+          <a:xfrm flipH="1">
+            <a:off x="2390775" y="3429000"/>
+            <a:ext cx="3705225" cy="0"/>
+          </a:xfrm>
+          <a:prstGeom prst="straightConnector1">
+            <a:avLst/>
+          </a:prstGeom>
+          <a:ln w="76200">
+            <a:solidFill>
+              <a:schemeClr val="tx1">
+                <a:lumMod val="50000"/>
+                <a:lumOff val="50000"/>
+              </a:schemeClr>
+            </a:solidFill>
+            <a:tailEnd type="triangle"/>
+          </a:ln>
+        </p:spPr>
+        <p:style>
+          <a:lnRef idx="2">
+            <a:schemeClr val="accent1"/>
+          </a:lnRef>
+          <a:fillRef idx="0">
+            <a:schemeClr val="accent1"/>
+          </a:fillRef>
+          <a:effectRef idx="1">
+            <a:schemeClr val="accent1"/>
+          </a:effectRef>
+          <a:fontRef idx="minor">
+            <a:schemeClr val="tx1"/>
+          </a:fontRef>
+        </p:style>
+      </p:cxnSp>
+      <p:cxnSp>
+        <p:nvCxnSpPr>
+          <p:cNvPr id="11" name="Conector reto 10">
+            <a:extLst>
+              <a:ext uri="{FF2B5EF4-FFF2-40B4-BE49-F238E27FC236}">
+                <a16:creationId xmlns:a16="http://schemas.microsoft.com/office/drawing/2014/main" id="{12E1706D-6643-EF5D-125D-B77C081DBC5F}"/>
+              </a:ext>
+            </a:extLst>
+          </p:cNvPr>
+          <p:cNvCxnSpPr>
+            <a:cxnSpLocks/>
+            <a:stCxn id="3" idx="1"/>
+            <a:endCxn id="3" idx="3"/>
+          </p:cNvCxnSpPr>
+          <p:nvPr/>
+        </p:nvCxnSpPr>
+        <p:spPr>
+          <a:xfrm>
+            <a:off x="2496000" y="3429000"/>
+            <a:ext cx="7200000" cy="0"/>
+          </a:xfrm>
+          <a:prstGeom prst="line">
+            <a:avLst/>
+          </a:prstGeom>
+          <a:ln>
+            <a:solidFill>
+              <a:schemeClr val="tx1"/>
+            </a:solidFill>
+            <a:prstDash val="dash"/>
+          </a:ln>
+        </p:spPr>
+        <p:style>
+          <a:lnRef idx="2">
+            <a:schemeClr val="accent1"/>
+          </a:lnRef>
+          <a:fillRef idx="0">
+            <a:schemeClr val="accent1"/>
+          </a:fillRef>
+          <a:effectRef idx="1">
+            <a:schemeClr val="accent1"/>
+          </a:effectRef>
+          <a:fontRef idx="minor">
+            <a:schemeClr val="tx1"/>
+          </a:fontRef>
+        </p:style>
+      </p:cxnSp>
+      <p:cxnSp>
+        <p:nvCxnSpPr>
+          <p:cNvPr id="17" name="Conector de Seta Reta 16">
+            <a:extLst>
+              <a:ext uri="{FF2B5EF4-FFF2-40B4-BE49-F238E27FC236}">
+                <a16:creationId xmlns:a16="http://schemas.microsoft.com/office/drawing/2014/main" id="{41375511-2E70-29E6-A6DF-B665C589EDD4}"/>
+              </a:ext>
+            </a:extLst>
+          </p:cNvPr>
+          <p:cNvCxnSpPr>
+            <a:cxnSpLocks/>
+          </p:cNvCxnSpPr>
+          <p:nvPr/>
+        </p:nvCxnSpPr>
+        <p:spPr>
+          <a:xfrm>
+            <a:off x="6096000" y="3429000"/>
+            <a:ext cx="0" cy="2927693"/>
+          </a:xfrm>
+          <a:prstGeom prst="straightConnector1">
+            <a:avLst/>
+          </a:prstGeom>
+          <a:ln w="76200">
+            <a:solidFill>
+              <a:schemeClr val="tx1">
+                <a:lumMod val="50000"/>
+                <a:lumOff val="50000"/>
+              </a:schemeClr>
+            </a:solidFill>
+            <a:tailEnd type="triangle"/>
+          </a:ln>
+        </p:spPr>
+        <p:style>
+          <a:lnRef idx="2">
+            <a:schemeClr val="accent1"/>
+          </a:lnRef>
+          <a:fillRef idx="0">
+            <a:schemeClr val="accent1"/>
+          </a:fillRef>
+          <a:effectRef idx="1">
+            <a:schemeClr val="accent1"/>
+          </a:effectRef>
+          <a:fontRef idx="minor">
+            <a:schemeClr val="tx1"/>
+          </a:fontRef>
+        </p:style>
+      </p:cxnSp>
+      <p:cxnSp>
+        <p:nvCxnSpPr>
+          <p:cNvPr id="6" name="Conector reto 5">
+            <a:extLst>
+              <a:ext uri="{FF2B5EF4-FFF2-40B4-BE49-F238E27FC236}">
+                <a16:creationId xmlns:a16="http://schemas.microsoft.com/office/drawing/2014/main" id="{08DDB6F5-0145-74F4-77F0-345588BD32C4}"/>
+              </a:ext>
+            </a:extLst>
+          </p:cNvPr>
+          <p:cNvCxnSpPr>
+            <a:cxnSpLocks/>
+            <a:stCxn id="3" idx="0"/>
+            <a:endCxn id="3" idx="2"/>
+          </p:cNvCxnSpPr>
+          <p:nvPr/>
+        </p:nvCxnSpPr>
+        <p:spPr>
+          <a:xfrm>
+            <a:off x="6096000" y="623531"/>
+            <a:ext cx="0" cy="5610938"/>
+          </a:xfrm>
+          <a:prstGeom prst="line">
+            <a:avLst/>
+          </a:prstGeom>
+          <a:ln>
+            <a:solidFill>
+              <a:schemeClr val="tx1"/>
+            </a:solidFill>
+            <a:prstDash val="dash"/>
+          </a:ln>
+        </p:spPr>
+        <p:style>
+          <a:lnRef idx="2">
+            <a:schemeClr val="accent1"/>
+          </a:lnRef>
+          <a:fillRef idx="0">
+            <a:schemeClr val="accent1"/>
+          </a:fillRef>
+          <a:effectRef idx="1">
+            <a:schemeClr val="accent1"/>
+          </a:effectRef>
+          <a:fontRef idx="minor">
+            <a:schemeClr val="tx1"/>
+          </a:fontRef>
+        </p:style>
+      </p:cxnSp>
+      <p:sp>
+        <p:nvSpPr>
+          <p:cNvPr id="18" name="CaixaDeTexto 17">
+            <a:extLst>
+              <a:ext uri="{FF2B5EF4-FFF2-40B4-BE49-F238E27FC236}">
+                <a16:creationId xmlns:a16="http://schemas.microsoft.com/office/drawing/2014/main" id="{A61E5A6C-3FD7-238A-B443-02D928C3BCBF}"/>
+              </a:ext>
+            </a:extLst>
+          </p:cNvPr>
+          <p:cNvSpPr txBox="1"/>
+          <p:nvPr/>
+        </p:nvSpPr>
+        <p:spPr>
+          <a:xfrm>
+            <a:off x="5384885" y="3238354"/>
+            <a:ext cx="1451038" cy="369332"/>
+          </a:xfrm>
+          <a:prstGeom prst="rect">
+            <a:avLst/>
+          </a:prstGeom>
+          <a:noFill/>
+        </p:spPr>
+        <p:txBody>
+          <a:bodyPr wrap="none" rtlCol="0">
+            <a:spAutoFit/>
+          </a:bodyPr>
+          <a:lstStyle/>
+          <a:p>
+            <a:r>
+              <a:rPr lang="pt-BR" dirty="0">
+                <a:solidFill>
+                  <a:srgbClr val="FFFF00"/>
+                </a:solidFill>
+                <a:effectLst>
+                  <a:glow rad="63500">
+                    <a:schemeClr val="tx1"/>
+                  </a:glow>
+                </a:effectLst>
+                <a:latin typeface="Consolas" panose="020B0609020204030204" pitchFamily="49" charset="0"/>
+              </a:rPr>
+              <a:t>0.0f, 0.0f</a:t>
+            </a:r>
+          </a:p>
+        </p:txBody>
+      </p:sp>
+      <p:sp>
+        <p:nvSpPr>
+          <p:cNvPr id="19" name="CaixaDeTexto 18">
+            <a:extLst>
+              <a:ext uri="{FF2B5EF4-FFF2-40B4-BE49-F238E27FC236}">
+                <a16:creationId xmlns:a16="http://schemas.microsoft.com/office/drawing/2014/main" id="{2C4ABECB-CD61-EA12-65E1-74BB0416C389}"/>
+              </a:ext>
+            </a:extLst>
+          </p:cNvPr>
+          <p:cNvSpPr txBox="1"/>
+          <p:nvPr/>
+        </p:nvSpPr>
+        <p:spPr>
+          <a:xfrm>
+            <a:off x="1707162" y="3238499"/>
+            <a:ext cx="1577676" cy="369332"/>
+          </a:xfrm>
+          <a:prstGeom prst="rect">
+            <a:avLst/>
+          </a:prstGeom>
+          <a:noFill/>
+        </p:spPr>
+        <p:txBody>
+          <a:bodyPr wrap="none" rtlCol="0">
+            <a:spAutoFit/>
+          </a:bodyPr>
+          <a:lstStyle/>
+          <a:p>
+            <a:r>
+              <a:rPr lang="pt-BR" dirty="0">
+                <a:solidFill>
+                  <a:srgbClr val="FFFF00"/>
+                </a:solidFill>
+                <a:effectLst>
+                  <a:glow rad="63500">
+                    <a:schemeClr val="tx1"/>
+                  </a:glow>
+                </a:effectLst>
+                <a:latin typeface="Consolas" panose="020B0609020204030204" pitchFamily="49" charset="0"/>
+              </a:rPr>
+              <a:t>-1.0f, 0.0f</a:t>
+            </a:r>
+          </a:p>
+        </p:txBody>
+      </p:sp>
+      <p:sp>
+        <p:nvSpPr>
+          <p:cNvPr id="20" name="CaixaDeTexto 19">
+            <a:extLst>
+              <a:ext uri="{FF2B5EF4-FFF2-40B4-BE49-F238E27FC236}">
+                <a16:creationId xmlns:a16="http://schemas.microsoft.com/office/drawing/2014/main" id="{FFB292F6-264F-AE62-31FB-5DC88F1FFAA9}"/>
+              </a:ext>
+            </a:extLst>
+          </p:cNvPr>
+          <p:cNvSpPr txBox="1"/>
+          <p:nvPr/>
+        </p:nvSpPr>
+        <p:spPr>
+          <a:xfrm>
+            <a:off x="8976993" y="3234464"/>
+            <a:ext cx="1451038" cy="369332"/>
+          </a:xfrm>
+          <a:prstGeom prst="rect">
+            <a:avLst/>
+          </a:prstGeom>
+          <a:noFill/>
+        </p:spPr>
+        <p:txBody>
+          <a:bodyPr wrap="none" rtlCol="0">
+            <a:spAutoFit/>
+          </a:bodyPr>
+          <a:lstStyle/>
+          <a:p>
+            <a:r>
+              <a:rPr lang="pt-BR" dirty="0">
+                <a:solidFill>
+                  <a:srgbClr val="FFFF00"/>
+                </a:solidFill>
+                <a:effectLst>
+                  <a:glow rad="63500">
+                    <a:schemeClr val="tx1"/>
+                  </a:glow>
+                </a:effectLst>
+                <a:latin typeface="Consolas" panose="020B0609020204030204" pitchFamily="49" charset="0"/>
+              </a:rPr>
+              <a:t>1.0f, 0.0f</a:t>
+            </a:r>
+          </a:p>
+        </p:txBody>
+      </p:sp>
+      <p:sp>
+        <p:nvSpPr>
+          <p:cNvPr id="21" name="CaixaDeTexto 20">
+            <a:extLst>
+              <a:ext uri="{FF2B5EF4-FFF2-40B4-BE49-F238E27FC236}">
+                <a16:creationId xmlns:a16="http://schemas.microsoft.com/office/drawing/2014/main" id="{74250349-98B5-EE67-8483-62444B401F7F}"/>
+              </a:ext>
+            </a:extLst>
+          </p:cNvPr>
+          <p:cNvSpPr txBox="1"/>
+          <p:nvPr/>
+        </p:nvSpPr>
+        <p:spPr>
+          <a:xfrm>
+            <a:off x="5358506" y="665177"/>
+            <a:ext cx="1451038" cy="369332"/>
+          </a:xfrm>
+          <a:prstGeom prst="rect">
+            <a:avLst/>
+          </a:prstGeom>
+          <a:noFill/>
+        </p:spPr>
+        <p:txBody>
+          <a:bodyPr wrap="none" rtlCol="0">
+            <a:spAutoFit/>
+          </a:bodyPr>
+          <a:lstStyle/>
+          <a:p>
+            <a:r>
+              <a:rPr lang="pt-BR" dirty="0">
+                <a:solidFill>
+                  <a:srgbClr val="FFFF00"/>
+                </a:solidFill>
+                <a:effectLst>
+                  <a:glow rad="63500">
+                    <a:schemeClr val="tx1"/>
+                  </a:glow>
+                </a:effectLst>
+                <a:latin typeface="Consolas" panose="020B0609020204030204" pitchFamily="49" charset="0"/>
+              </a:rPr>
+              <a:t>0.0f, 1.0f</a:t>
+            </a:r>
+          </a:p>
+        </p:txBody>
+      </p:sp>
+      <p:sp>
+        <p:nvSpPr>
+          <p:cNvPr id="22" name="CaixaDeTexto 21">
+            <a:extLst>
+              <a:ext uri="{FF2B5EF4-FFF2-40B4-BE49-F238E27FC236}">
+                <a16:creationId xmlns:a16="http://schemas.microsoft.com/office/drawing/2014/main" id="{A08333BD-A2D0-9E00-FCB2-9EBC3B60A196}"/>
+              </a:ext>
+            </a:extLst>
+          </p:cNvPr>
+          <p:cNvSpPr txBox="1"/>
+          <p:nvPr/>
+        </p:nvSpPr>
+        <p:spPr>
+          <a:xfrm>
+            <a:off x="1680783" y="665322"/>
+            <a:ext cx="1577676" cy="369332"/>
+          </a:xfrm>
+          <a:prstGeom prst="rect">
+            <a:avLst/>
+          </a:prstGeom>
+          <a:noFill/>
+        </p:spPr>
+        <p:txBody>
+          <a:bodyPr wrap="none" rtlCol="0">
+            <a:spAutoFit/>
+          </a:bodyPr>
+          <a:lstStyle/>
+          <a:p>
+            <a:r>
+              <a:rPr lang="pt-BR" dirty="0">
+                <a:solidFill>
+                  <a:srgbClr val="FFFF00"/>
+                </a:solidFill>
+                <a:effectLst>
+                  <a:glow rad="63500">
+                    <a:schemeClr val="tx1"/>
+                  </a:glow>
+                </a:effectLst>
+                <a:latin typeface="Consolas" panose="020B0609020204030204" pitchFamily="49" charset="0"/>
+              </a:rPr>
+              <a:t>-1.0f, 1.0f</a:t>
+            </a:r>
+          </a:p>
+        </p:txBody>
+      </p:sp>
+      <p:sp>
+        <p:nvSpPr>
+          <p:cNvPr id="23" name="CaixaDeTexto 22">
+            <a:extLst>
+              <a:ext uri="{FF2B5EF4-FFF2-40B4-BE49-F238E27FC236}">
+                <a16:creationId xmlns:a16="http://schemas.microsoft.com/office/drawing/2014/main" id="{300EC671-5FC7-1D24-D651-487C86E79A33}"/>
+              </a:ext>
+            </a:extLst>
+          </p:cNvPr>
+          <p:cNvSpPr txBox="1"/>
+          <p:nvPr/>
+        </p:nvSpPr>
+        <p:spPr>
+          <a:xfrm>
+            <a:off x="8950614" y="661287"/>
+            <a:ext cx="1451038" cy="369332"/>
+          </a:xfrm>
+          <a:prstGeom prst="rect">
+            <a:avLst/>
+          </a:prstGeom>
+          <a:noFill/>
+        </p:spPr>
+        <p:txBody>
+          <a:bodyPr wrap="none" rtlCol="0">
+            <a:spAutoFit/>
+          </a:bodyPr>
+          <a:lstStyle/>
+          <a:p>
+            <a:r>
+              <a:rPr lang="pt-BR" dirty="0">
+                <a:solidFill>
+                  <a:srgbClr val="FFFF00"/>
+                </a:solidFill>
+                <a:effectLst>
+                  <a:glow rad="63500">
+                    <a:schemeClr val="tx1"/>
+                  </a:glow>
+                </a:effectLst>
+                <a:latin typeface="Consolas" panose="020B0609020204030204" pitchFamily="49" charset="0"/>
+              </a:rPr>
+              <a:t>1.0f, 1.0f</a:t>
+            </a:r>
+          </a:p>
+        </p:txBody>
+      </p:sp>
+      <p:sp>
+        <p:nvSpPr>
+          <p:cNvPr id="24" name="CaixaDeTexto 23">
+            <a:extLst>
+              <a:ext uri="{FF2B5EF4-FFF2-40B4-BE49-F238E27FC236}">
+                <a16:creationId xmlns:a16="http://schemas.microsoft.com/office/drawing/2014/main" id="{68FCAA40-3950-F098-BAD1-87D5EE9E22FD}"/>
+              </a:ext>
+            </a:extLst>
+          </p:cNvPr>
+          <p:cNvSpPr txBox="1"/>
+          <p:nvPr/>
+        </p:nvSpPr>
+        <p:spPr>
+          <a:xfrm>
+            <a:off x="5291831" y="6045622"/>
+            <a:ext cx="1577676" cy="369332"/>
+          </a:xfrm>
+          <a:prstGeom prst="rect">
+            <a:avLst/>
+          </a:prstGeom>
+          <a:noFill/>
+        </p:spPr>
+        <p:txBody>
+          <a:bodyPr wrap="none" rtlCol="0">
+            <a:spAutoFit/>
+          </a:bodyPr>
+          <a:lstStyle/>
+          <a:p>
+            <a:r>
+              <a:rPr lang="pt-BR" dirty="0">
+                <a:solidFill>
+                  <a:srgbClr val="FFFF00"/>
+                </a:solidFill>
+                <a:effectLst>
+                  <a:glow rad="63500">
+                    <a:schemeClr val="tx1"/>
+                  </a:glow>
+                </a:effectLst>
+                <a:latin typeface="Consolas" panose="020B0609020204030204" pitchFamily="49" charset="0"/>
+              </a:rPr>
+              <a:t>0.0f, -1.0f</a:t>
+            </a:r>
+          </a:p>
+        </p:txBody>
+      </p:sp>
+      <p:sp>
+        <p:nvSpPr>
+          <p:cNvPr id="25" name="CaixaDeTexto 24">
+            <a:extLst>
+              <a:ext uri="{FF2B5EF4-FFF2-40B4-BE49-F238E27FC236}">
+                <a16:creationId xmlns:a16="http://schemas.microsoft.com/office/drawing/2014/main" id="{2DE4B62F-E52D-2352-4C82-A5D14005B889}"/>
+              </a:ext>
+            </a:extLst>
+          </p:cNvPr>
+          <p:cNvSpPr txBox="1"/>
+          <p:nvPr/>
+        </p:nvSpPr>
+        <p:spPr>
+          <a:xfrm>
+            <a:off x="1642683" y="6045767"/>
+            <a:ext cx="1704313" cy="369332"/>
+          </a:xfrm>
+          <a:prstGeom prst="rect">
+            <a:avLst/>
+          </a:prstGeom>
+          <a:noFill/>
+        </p:spPr>
+        <p:txBody>
+          <a:bodyPr wrap="none" rtlCol="0">
+            <a:spAutoFit/>
+          </a:bodyPr>
+          <a:lstStyle/>
+          <a:p>
+            <a:r>
+              <a:rPr lang="pt-BR" dirty="0">
+                <a:solidFill>
+                  <a:srgbClr val="FFFF00"/>
+                </a:solidFill>
+                <a:effectLst>
+                  <a:glow rad="63500">
+                    <a:schemeClr val="tx1"/>
+                  </a:glow>
+                </a:effectLst>
+                <a:latin typeface="Consolas" panose="020B0609020204030204" pitchFamily="49" charset="0"/>
+              </a:rPr>
+              <a:t>-1.0f, -1.0f</a:t>
+            </a:r>
+          </a:p>
+        </p:txBody>
+      </p:sp>
+      <p:sp>
+        <p:nvSpPr>
+          <p:cNvPr id="26" name="CaixaDeTexto 25">
+            <a:extLst>
+              <a:ext uri="{FF2B5EF4-FFF2-40B4-BE49-F238E27FC236}">
+                <a16:creationId xmlns:a16="http://schemas.microsoft.com/office/drawing/2014/main" id="{6801DDB4-8B44-FC52-C978-FF2CBAC4EBDD}"/>
+              </a:ext>
+            </a:extLst>
+          </p:cNvPr>
+          <p:cNvSpPr txBox="1"/>
+          <p:nvPr/>
+        </p:nvSpPr>
+        <p:spPr>
+          <a:xfrm>
+            <a:off x="8922039" y="6041732"/>
+            <a:ext cx="1577676" cy="369332"/>
+          </a:xfrm>
+          <a:prstGeom prst="rect">
+            <a:avLst/>
+          </a:prstGeom>
+          <a:noFill/>
+        </p:spPr>
+        <p:txBody>
+          <a:bodyPr wrap="none" rtlCol="0">
+            <a:spAutoFit/>
+          </a:bodyPr>
+          <a:lstStyle/>
+          <a:p>
+            <a:r>
+              <a:rPr lang="pt-BR" dirty="0">
+                <a:solidFill>
+                  <a:srgbClr val="FFFF00"/>
+                </a:solidFill>
+                <a:effectLst>
+                  <a:glow rad="63500">
+                    <a:schemeClr val="tx1"/>
+                  </a:glow>
+                </a:effectLst>
+                <a:latin typeface="Consolas" panose="020B0609020204030204" pitchFamily="49" charset="0"/>
+              </a:rPr>
+              <a:t>1.0f, -1.0f</a:t>
             </a:r>
           </a:p>
         </p:txBody>
@@ -13317,7 +15704,3161 @@
 </p:sld>
 </file>
 
+<file path=ppt/slides/slide30.xml><?xml version="1.0" encoding="utf-8"?>
+<p:sld xmlns:a="http://schemas.openxmlformats.org/drawingml/2006/main" xmlns:r="http://schemas.openxmlformats.org/officeDocument/2006/relationships" xmlns:p="http://schemas.openxmlformats.org/presentationml/2006/main">
+  <p:cSld>
+    <p:spTree>
+      <p:nvGrpSpPr>
+        <p:cNvPr id="1" name="">
+          <a:extLst>
+            <a:ext uri="{FF2B5EF4-FFF2-40B4-BE49-F238E27FC236}">
+              <a16:creationId xmlns:a16="http://schemas.microsoft.com/office/drawing/2014/main" id="{8611C9B7-9544-3BA9-EE55-D6CDF59760E2}"/>
+            </a:ext>
+          </a:extLst>
+        </p:cNvPr>
+        <p:cNvGrpSpPr/>
+        <p:nvPr/>
+      </p:nvGrpSpPr>
+      <p:grpSpPr>
+        <a:xfrm>
+          <a:off x="0" y="0"/>
+          <a:ext cx="0" cy="0"/>
+          <a:chOff x="0" y="0"/>
+          <a:chExt cx="0" cy="0"/>
+        </a:xfrm>
+      </p:grpSpPr>
+      <p:sp>
+        <p:nvSpPr>
+          <p:cNvPr id="2" name="Retângulo 1">
+            <a:extLst>
+              <a:ext uri="{FF2B5EF4-FFF2-40B4-BE49-F238E27FC236}">
+                <a16:creationId xmlns:a16="http://schemas.microsoft.com/office/drawing/2014/main" id="{FC49C744-9EF5-9F2D-2C1A-5C0FC465BC02}"/>
+              </a:ext>
+            </a:extLst>
+          </p:cNvPr>
+          <p:cNvSpPr/>
+          <p:nvPr/>
+        </p:nvSpPr>
+        <p:spPr>
+          <a:xfrm>
+            <a:off x="0" y="0"/>
+            <a:ext cx="12192000" cy="6858000"/>
+          </a:xfrm>
+          <a:prstGeom prst="rect">
+            <a:avLst/>
+          </a:prstGeom>
+          <a:solidFill>
+            <a:schemeClr val="tx1">
+              <a:lumMod val="95000"/>
+              <a:lumOff val="5000"/>
+            </a:schemeClr>
+          </a:solidFill>
+          <a:ln>
+            <a:noFill/>
+          </a:ln>
+        </p:spPr>
+        <p:style>
+          <a:lnRef idx="2">
+            <a:schemeClr val="accent1">
+              <a:shade val="15000"/>
+            </a:schemeClr>
+          </a:lnRef>
+          <a:fillRef idx="1">
+            <a:schemeClr val="accent1"/>
+          </a:fillRef>
+          <a:effectRef idx="0">
+            <a:schemeClr val="accent1"/>
+          </a:effectRef>
+          <a:fontRef idx="minor">
+            <a:schemeClr val="lt1"/>
+          </a:fontRef>
+        </p:style>
+        <p:txBody>
+          <a:bodyPr rtlCol="0" anchor="ctr"/>
+          <a:lstStyle/>
+          <a:p>
+            <a:pPr algn="ctr"/>
+            <a:endParaRPr lang="pt-BR"/>
+          </a:p>
+        </p:txBody>
+      </p:sp>
+      <p:pic>
+        <p:nvPicPr>
+          <p:cNvPr id="3" name="Imagem 2">
+            <a:extLst>
+              <a:ext uri="{FF2B5EF4-FFF2-40B4-BE49-F238E27FC236}">
+                <a16:creationId xmlns:a16="http://schemas.microsoft.com/office/drawing/2014/main" id="{35972ED4-E209-8B9A-0A77-93F0EA75961E}"/>
+              </a:ext>
+            </a:extLst>
+          </p:cNvPr>
+          <p:cNvPicPr>
+            <a:picLocks noChangeAspect="1"/>
+          </p:cNvPicPr>
+          <p:nvPr/>
+        </p:nvPicPr>
+        <p:blipFill>
+          <a:blip r:embed="rId2">
+            <a:extLst>
+              <a:ext uri="{28A0092B-C50C-407E-A947-70E740481C1C}">
+                <a14:useLocalDpi xmlns:a14="http://schemas.microsoft.com/office/drawing/2010/main" val="0"/>
+              </a:ext>
+            </a:extLst>
+          </a:blip>
+          <a:srcRect/>
+          <a:stretch/>
+        </p:blipFill>
+        <p:spPr>
+          <a:xfrm>
+            <a:off x="4876630" y="2209630"/>
+            <a:ext cx="2438740" cy="2438740"/>
+          </a:xfrm>
+          <a:prstGeom prst="rect">
+            <a:avLst/>
+          </a:prstGeom>
+        </p:spPr>
+      </p:pic>
+      <p:sp>
+        <p:nvSpPr>
+          <p:cNvPr id="4" name="Elipse 3">
+            <a:extLst>
+              <a:ext uri="{FF2B5EF4-FFF2-40B4-BE49-F238E27FC236}">
+                <a16:creationId xmlns:a16="http://schemas.microsoft.com/office/drawing/2014/main" id="{71AB4EED-C29D-1CA1-341F-98166C2A4C14}"/>
+              </a:ext>
+            </a:extLst>
+          </p:cNvPr>
+          <p:cNvSpPr>
+            <a:spLocks noChangeAspect="1"/>
+          </p:cNvSpPr>
+          <p:nvPr/>
+        </p:nvSpPr>
+        <p:spPr>
+          <a:xfrm>
+            <a:off x="4786630" y="4558370"/>
+            <a:ext cx="180000" cy="180000"/>
+          </a:xfrm>
+          <a:prstGeom prst="ellipse">
+            <a:avLst/>
+          </a:prstGeom>
+          <a:solidFill>
+            <a:srgbClr val="C00000"/>
+          </a:solidFill>
+          <a:ln>
+            <a:noFill/>
+          </a:ln>
+        </p:spPr>
+        <p:style>
+          <a:lnRef idx="2">
+            <a:schemeClr val="accent1">
+              <a:shade val="15000"/>
+            </a:schemeClr>
+          </a:lnRef>
+          <a:fillRef idx="1">
+            <a:schemeClr val="accent1"/>
+          </a:fillRef>
+          <a:effectRef idx="0">
+            <a:schemeClr val="accent1"/>
+          </a:effectRef>
+          <a:fontRef idx="minor">
+            <a:schemeClr val="lt1"/>
+          </a:fontRef>
+        </p:style>
+        <p:txBody>
+          <a:bodyPr rtlCol="0" anchor="ctr"/>
+          <a:lstStyle/>
+          <a:p>
+            <a:pPr algn="ctr"/>
+            <a:endParaRPr lang="pt-BR"/>
+          </a:p>
+        </p:txBody>
+      </p:sp>
+      <p:sp>
+        <p:nvSpPr>
+          <p:cNvPr id="5" name="Elipse 4">
+            <a:extLst>
+              <a:ext uri="{FF2B5EF4-FFF2-40B4-BE49-F238E27FC236}">
+                <a16:creationId xmlns:a16="http://schemas.microsoft.com/office/drawing/2014/main" id="{472D0210-B96B-15B5-A751-75BAB7A661B9}"/>
+              </a:ext>
+            </a:extLst>
+          </p:cNvPr>
+          <p:cNvSpPr>
+            <a:spLocks noChangeAspect="1"/>
+          </p:cNvSpPr>
+          <p:nvPr/>
+        </p:nvSpPr>
+        <p:spPr>
+          <a:xfrm>
+            <a:off x="7225372" y="4558370"/>
+            <a:ext cx="180000" cy="180000"/>
+          </a:xfrm>
+          <a:prstGeom prst="ellipse">
+            <a:avLst/>
+          </a:prstGeom>
+          <a:solidFill>
+            <a:srgbClr val="C00000"/>
+          </a:solidFill>
+          <a:ln>
+            <a:noFill/>
+          </a:ln>
+        </p:spPr>
+        <p:style>
+          <a:lnRef idx="2">
+            <a:schemeClr val="accent1">
+              <a:shade val="15000"/>
+            </a:schemeClr>
+          </a:lnRef>
+          <a:fillRef idx="1">
+            <a:schemeClr val="accent1"/>
+          </a:fillRef>
+          <a:effectRef idx="0">
+            <a:schemeClr val="accent1"/>
+          </a:effectRef>
+          <a:fontRef idx="minor">
+            <a:schemeClr val="lt1"/>
+          </a:fontRef>
+        </p:style>
+        <p:txBody>
+          <a:bodyPr rtlCol="0" anchor="ctr"/>
+          <a:lstStyle/>
+          <a:p>
+            <a:pPr algn="ctr"/>
+            <a:endParaRPr lang="pt-BR"/>
+          </a:p>
+        </p:txBody>
+      </p:sp>
+      <p:sp>
+        <p:nvSpPr>
+          <p:cNvPr id="7" name="Elipse 6">
+            <a:extLst>
+              <a:ext uri="{FF2B5EF4-FFF2-40B4-BE49-F238E27FC236}">
+                <a16:creationId xmlns:a16="http://schemas.microsoft.com/office/drawing/2014/main" id="{6F897EF0-4E93-7849-44F5-FCD96F28A3B6}"/>
+              </a:ext>
+            </a:extLst>
+          </p:cNvPr>
+          <p:cNvSpPr>
+            <a:spLocks noChangeAspect="1"/>
+          </p:cNvSpPr>
+          <p:nvPr/>
+        </p:nvSpPr>
+        <p:spPr>
+          <a:xfrm>
+            <a:off x="4786630" y="2119630"/>
+            <a:ext cx="180000" cy="180000"/>
+          </a:xfrm>
+          <a:prstGeom prst="ellipse">
+            <a:avLst/>
+          </a:prstGeom>
+          <a:solidFill>
+            <a:srgbClr val="C00000"/>
+          </a:solidFill>
+          <a:ln>
+            <a:noFill/>
+          </a:ln>
+        </p:spPr>
+        <p:style>
+          <a:lnRef idx="2">
+            <a:schemeClr val="accent1">
+              <a:shade val="15000"/>
+            </a:schemeClr>
+          </a:lnRef>
+          <a:fillRef idx="1">
+            <a:schemeClr val="accent1"/>
+          </a:fillRef>
+          <a:effectRef idx="0">
+            <a:schemeClr val="accent1"/>
+          </a:effectRef>
+          <a:fontRef idx="minor">
+            <a:schemeClr val="lt1"/>
+          </a:fontRef>
+        </p:style>
+        <p:txBody>
+          <a:bodyPr rtlCol="0" anchor="ctr"/>
+          <a:lstStyle/>
+          <a:p>
+            <a:pPr algn="ctr"/>
+            <a:endParaRPr lang="pt-BR"/>
+          </a:p>
+        </p:txBody>
+      </p:sp>
+      <p:sp>
+        <p:nvSpPr>
+          <p:cNvPr id="8" name="Elipse 7">
+            <a:extLst>
+              <a:ext uri="{FF2B5EF4-FFF2-40B4-BE49-F238E27FC236}">
+                <a16:creationId xmlns:a16="http://schemas.microsoft.com/office/drawing/2014/main" id="{8F61C563-71D9-F685-4248-0E5AF5CE3173}"/>
+              </a:ext>
+            </a:extLst>
+          </p:cNvPr>
+          <p:cNvSpPr>
+            <a:spLocks noChangeAspect="1"/>
+          </p:cNvSpPr>
+          <p:nvPr/>
+        </p:nvSpPr>
+        <p:spPr>
+          <a:xfrm>
+            <a:off x="7225372" y="2119630"/>
+            <a:ext cx="180000" cy="180000"/>
+          </a:xfrm>
+          <a:prstGeom prst="ellipse">
+            <a:avLst/>
+          </a:prstGeom>
+          <a:solidFill>
+            <a:srgbClr val="C00000"/>
+          </a:solidFill>
+          <a:ln>
+            <a:noFill/>
+          </a:ln>
+        </p:spPr>
+        <p:style>
+          <a:lnRef idx="2">
+            <a:schemeClr val="accent1">
+              <a:shade val="15000"/>
+            </a:schemeClr>
+          </a:lnRef>
+          <a:fillRef idx="1">
+            <a:schemeClr val="accent1"/>
+          </a:fillRef>
+          <a:effectRef idx="0">
+            <a:schemeClr val="accent1"/>
+          </a:effectRef>
+          <a:fontRef idx="minor">
+            <a:schemeClr val="lt1"/>
+          </a:fontRef>
+        </p:style>
+        <p:txBody>
+          <a:bodyPr rtlCol="0" anchor="ctr"/>
+          <a:lstStyle/>
+          <a:p>
+            <a:pPr algn="ctr"/>
+            <a:endParaRPr lang="pt-BR"/>
+          </a:p>
+        </p:txBody>
+      </p:sp>
+      <p:sp>
+        <p:nvSpPr>
+          <p:cNvPr id="9" name="CaixaDeTexto 8">
+            <a:extLst>
+              <a:ext uri="{FF2B5EF4-FFF2-40B4-BE49-F238E27FC236}">
+                <a16:creationId xmlns:a16="http://schemas.microsoft.com/office/drawing/2014/main" id="{A264A07F-960E-3BC4-273B-577C8DA6093E}"/>
+              </a:ext>
+            </a:extLst>
+          </p:cNvPr>
+          <p:cNvSpPr txBox="1"/>
+          <p:nvPr/>
+        </p:nvSpPr>
+        <p:spPr>
+          <a:xfrm>
+            <a:off x="3932140" y="4648370"/>
+            <a:ext cx="944490" cy="369332"/>
+          </a:xfrm>
+          <a:prstGeom prst="rect">
+            <a:avLst/>
+          </a:prstGeom>
+          <a:noFill/>
+        </p:spPr>
+        <p:txBody>
+          <a:bodyPr wrap="none" rtlCol="0">
+            <a:spAutoFit/>
+          </a:bodyPr>
+          <a:lstStyle/>
+          <a:p>
+            <a:pPr algn="r"/>
+            <a:r>
+              <a:rPr lang="pt-BR" dirty="0">
+                <a:solidFill>
+                  <a:schemeClr val="bg1"/>
+                </a:solidFill>
+                <a:latin typeface="Consolas" panose="020B0609020204030204" pitchFamily="49" charset="0"/>
+              </a:rPr>
+              <a:t>u0, v0</a:t>
+            </a:r>
+          </a:p>
+        </p:txBody>
+      </p:sp>
+      <p:sp>
+        <p:nvSpPr>
+          <p:cNvPr id="11" name="CaixaDeTexto 10">
+            <a:extLst>
+              <a:ext uri="{FF2B5EF4-FFF2-40B4-BE49-F238E27FC236}">
+                <a16:creationId xmlns:a16="http://schemas.microsoft.com/office/drawing/2014/main" id="{D1A1264D-9142-703D-7BF5-6BF6EF71B39B}"/>
+              </a:ext>
+            </a:extLst>
+          </p:cNvPr>
+          <p:cNvSpPr txBox="1"/>
+          <p:nvPr/>
+        </p:nvSpPr>
+        <p:spPr>
+          <a:xfrm>
+            <a:off x="3932140" y="1840298"/>
+            <a:ext cx="944490" cy="369332"/>
+          </a:xfrm>
+          <a:prstGeom prst="rect">
+            <a:avLst/>
+          </a:prstGeom>
+          <a:noFill/>
+        </p:spPr>
+        <p:txBody>
+          <a:bodyPr wrap="none" rtlCol="0" anchor="b">
+            <a:spAutoFit/>
+          </a:bodyPr>
+          <a:lstStyle/>
+          <a:p>
+            <a:pPr algn="r"/>
+            <a:r>
+              <a:rPr lang="pt-BR" dirty="0">
+                <a:solidFill>
+                  <a:schemeClr val="bg1"/>
+                </a:solidFill>
+                <a:latin typeface="Consolas" panose="020B0609020204030204" pitchFamily="49" charset="0"/>
+              </a:rPr>
+              <a:t>u0, v1</a:t>
+            </a:r>
+          </a:p>
+        </p:txBody>
+      </p:sp>
+      <p:sp>
+        <p:nvSpPr>
+          <p:cNvPr id="14" name="CaixaDeTexto 13">
+            <a:extLst>
+              <a:ext uri="{FF2B5EF4-FFF2-40B4-BE49-F238E27FC236}">
+                <a16:creationId xmlns:a16="http://schemas.microsoft.com/office/drawing/2014/main" id="{0C77F6CB-2B49-54A5-D4AA-542856A90BA0}"/>
+              </a:ext>
+            </a:extLst>
+          </p:cNvPr>
+          <p:cNvSpPr txBox="1"/>
+          <p:nvPr/>
+        </p:nvSpPr>
+        <p:spPr>
+          <a:xfrm>
+            <a:off x="7315370" y="4648370"/>
+            <a:ext cx="944489" cy="369332"/>
+          </a:xfrm>
+          <a:prstGeom prst="rect">
+            <a:avLst/>
+          </a:prstGeom>
+          <a:noFill/>
+        </p:spPr>
+        <p:txBody>
+          <a:bodyPr wrap="none" rtlCol="0">
+            <a:spAutoFit/>
+          </a:bodyPr>
+          <a:lstStyle/>
+          <a:p>
+            <a:r>
+              <a:rPr lang="pt-BR" dirty="0">
+                <a:solidFill>
+                  <a:schemeClr val="bg1"/>
+                </a:solidFill>
+                <a:latin typeface="Consolas" panose="020B0609020204030204" pitchFamily="49" charset="0"/>
+              </a:rPr>
+              <a:t>u1, v0</a:t>
+            </a:r>
+          </a:p>
+        </p:txBody>
+      </p:sp>
+      <p:sp>
+        <p:nvSpPr>
+          <p:cNvPr id="15" name="CaixaDeTexto 14">
+            <a:extLst>
+              <a:ext uri="{FF2B5EF4-FFF2-40B4-BE49-F238E27FC236}">
+                <a16:creationId xmlns:a16="http://schemas.microsoft.com/office/drawing/2014/main" id="{DA9EB336-B857-6921-4514-444AC71A86F2}"/>
+              </a:ext>
+            </a:extLst>
+          </p:cNvPr>
+          <p:cNvSpPr txBox="1"/>
+          <p:nvPr/>
+        </p:nvSpPr>
+        <p:spPr>
+          <a:xfrm>
+            <a:off x="7315370" y="1836538"/>
+            <a:ext cx="944489" cy="369332"/>
+          </a:xfrm>
+          <a:prstGeom prst="rect">
+            <a:avLst/>
+          </a:prstGeom>
+          <a:noFill/>
+        </p:spPr>
+        <p:txBody>
+          <a:bodyPr wrap="none" rtlCol="0" anchor="b">
+            <a:spAutoFit/>
+          </a:bodyPr>
+          <a:lstStyle/>
+          <a:p>
+            <a:r>
+              <a:rPr lang="pt-BR" dirty="0">
+                <a:solidFill>
+                  <a:schemeClr val="bg1"/>
+                </a:solidFill>
+                <a:latin typeface="Consolas" panose="020B0609020204030204" pitchFamily="49" charset="0"/>
+              </a:rPr>
+              <a:t>u1, v1</a:t>
+            </a:r>
+          </a:p>
+        </p:txBody>
+      </p:sp>
+      <p:sp>
+        <p:nvSpPr>
+          <p:cNvPr id="6" name="CaixaDeTexto 5">
+            <a:extLst>
+              <a:ext uri="{FF2B5EF4-FFF2-40B4-BE49-F238E27FC236}">
+                <a16:creationId xmlns:a16="http://schemas.microsoft.com/office/drawing/2014/main" id="{A3FF732F-A42F-896A-3808-42B9ADF08D61}"/>
+              </a:ext>
+            </a:extLst>
+          </p:cNvPr>
+          <p:cNvSpPr txBox="1"/>
+          <p:nvPr/>
+        </p:nvSpPr>
+        <p:spPr>
+          <a:xfrm>
+            <a:off x="0" y="0"/>
+            <a:ext cx="2717411" cy="1754326"/>
+          </a:xfrm>
+          <a:prstGeom prst="rect">
+            <a:avLst/>
+          </a:prstGeom>
+          <a:noFill/>
+        </p:spPr>
+        <p:txBody>
+          <a:bodyPr wrap="none" rtlCol="0">
+            <a:spAutoFit/>
+          </a:bodyPr>
+          <a:lstStyle/>
+          <a:p>
+            <a:r>
+              <a:rPr lang="pt-BR" dirty="0" err="1">
+                <a:solidFill>
+                  <a:schemeClr val="bg1"/>
+                </a:solidFill>
+                <a:latin typeface="Consolas" panose="020B0609020204030204" pitchFamily="49" charset="0"/>
+              </a:rPr>
+              <a:t>float</a:t>
+            </a:r>
+            <a:r>
+              <a:rPr lang="pt-BR" dirty="0">
+                <a:solidFill>
+                  <a:schemeClr val="bg1"/>
+                </a:solidFill>
+                <a:latin typeface="Consolas" panose="020B0609020204030204" pitchFamily="49" charset="0"/>
+              </a:rPr>
+              <a:t>[] </a:t>
+            </a:r>
+            <a:r>
+              <a:rPr lang="pt-BR" dirty="0" err="1">
+                <a:solidFill>
+                  <a:schemeClr val="bg1"/>
+                </a:solidFill>
+                <a:latin typeface="Consolas" panose="020B0609020204030204" pitchFamily="49" charset="0"/>
+              </a:rPr>
+              <a:t>texCoord</a:t>
+            </a:r>
+            <a:r>
+              <a:rPr lang="pt-BR" dirty="0">
+                <a:solidFill>
+                  <a:schemeClr val="bg1"/>
+                </a:solidFill>
+                <a:latin typeface="Consolas" panose="020B0609020204030204" pitchFamily="49" charset="0"/>
+              </a:rPr>
+              <a:t> = {</a:t>
+            </a:r>
+          </a:p>
+          <a:p>
+            <a:r>
+              <a:rPr lang="pt-BR" dirty="0">
+                <a:solidFill>
+                  <a:schemeClr val="bg1"/>
+                </a:solidFill>
+                <a:latin typeface="Consolas" panose="020B0609020204030204" pitchFamily="49" charset="0"/>
+              </a:rPr>
+              <a:t>    u0, v0,</a:t>
+            </a:r>
+            <a:endParaRPr lang="pt-BR" dirty="0">
+              <a:solidFill>
+                <a:schemeClr val="accent3"/>
+              </a:solidFill>
+              <a:latin typeface="Consolas" panose="020B0609020204030204" pitchFamily="49" charset="0"/>
+            </a:endParaRPr>
+          </a:p>
+          <a:p>
+            <a:r>
+              <a:rPr lang="pt-BR" dirty="0">
+                <a:solidFill>
+                  <a:schemeClr val="bg1"/>
+                </a:solidFill>
+                <a:latin typeface="Consolas" panose="020B0609020204030204" pitchFamily="49" charset="0"/>
+              </a:rPr>
+              <a:t>    u1, v0,</a:t>
+            </a:r>
+          </a:p>
+          <a:p>
+            <a:r>
+              <a:rPr lang="pt-BR" dirty="0">
+                <a:solidFill>
+                  <a:schemeClr val="bg1"/>
+                </a:solidFill>
+                <a:latin typeface="Consolas" panose="020B0609020204030204" pitchFamily="49" charset="0"/>
+              </a:rPr>
+              <a:t>    u1, v1,</a:t>
+            </a:r>
+            <a:endParaRPr lang="pt-BR" dirty="0">
+              <a:solidFill>
+                <a:schemeClr val="accent3"/>
+              </a:solidFill>
+              <a:latin typeface="Consolas" panose="020B0609020204030204" pitchFamily="49" charset="0"/>
+            </a:endParaRPr>
+          </a:p>
+          <a:p>
+            <a:r>
+              <a:rPr lang="pt-BR" dirty="0">
+                <a:solidFill>
+                  <a:schemeClr val="bg1"/>
+                </a:solidFill>
+                <a:latin typeface="Consolas" panose="020B0609020204030204" pitchFamily="49" charset="0"/>
+              </a:rPr>
+              <a:t>    u0, v1</a:t>
+            </a:r>
+          </a:p>
+          <a:p>
+            <a:r>
+              <a:rPr lang="pt-BR" dirty="0">
+                <a:solidFill>
+                  <a:schemeClr val="bg1"/>
+                </a:solidFill>
+                <a:latin typeface="Consolas" panose="020B0609020204030204" pitchFamily="49" charset="0"/>
+              </a:rPr>
+              <a:t>};</a:t>
+            </a:r>
+          </a:p>
+        </p:txBody>
+      </p:sp>
+    </p:spTree>
+    <p:extLst>
+      <p:ext uri="{BB962C8B-B14F-4D97-AF65-F5344CB8AC3E}">
+        <p14:creationId xmlns:p14="http://schemas.microsoft.com/office/powerpoint/2010/main" val="2505165393"/>
+      </p:ext>
+    </p:extLst>
+  </p:cSld>
+  <p:clrMapOvr>
+    <a:masterClrMapping/>
+  </p:clrMapOvr>
+</p:sld>
+</file>
+
+<file path=ppt/slides/slide31.xml><?xml version="1.0" encoding="utf-8"?>
+<p:sld xmlns:a="http://schemas.openxmlformats.org/drawingml/2006/main" xmlns:r="http://schemas.openxmlformats.org/officeDocument/2006/relationships" xmlns:p="http://schemas.openxmlformats.org/presentationml/2006/main">
+  <p:cSld>
+    <p:spTree>
+      <p:nvGrpSpPr>
+        <p:cNvPr id="1" name="">
+          <a:extLst>
+            <a:ext uri="{FF2B5EF4-FFF2-40B4-BE49-F238E27FC236}">
+              <a16:creationId xmlns:a16="http://schemas.microsoft.com/office/drawing/2014/main" id="{7D430414-01F4-67F4-9BC5-3F042B004052}"/>
+            </a:ext>
+          </a:extLst>
+        </p:cNvPr>
+        <p:cNvGrpSpPr/>
+        <p:nvPr/>
+      </p:nvGrpSpPr>
+      <p:grpSpPr>
+        <a:xfrm>
+          <a:off x="0" y="0"/>
+          <a:ext cx="0" cy="0"/>
+          <a:chOff x="0" y="0"/>
+          <a:chExt cx="0" cy="0"/>
+        </a:xfrm>
+      </p:grpSpPr>
+      <p:sp>
+        <p:nvSpPr>
+          <p:cNvPr id="2" name="Retângulo 1">
+            <a:extLst>
+              <a:ext uri="{FF2B5EF4-FFF2-40B4-BE49-F238E27FC236}">
+                <a16:creationId xmlns:a16="http://schemas.microsoft.com/office/drawing/2014/main" id="{E0D13279-56AD-9393-3118-0601EDE41E28}"/>
+              </a:ext>
+            </a:extLst>
+          </p:cNvPr>
+          <p:cNvSpPr/>
+          <p:nvPr/>
+        </p:nvSpPr>
+        <p:spPr>
+          <a:xfrm>
+            <a:off x="0" y="0"/>
+            <a:ext cx="12192000" cy="6858000"/>
+          </a:xfrm>
+          <a:prstGeom prst="rect">
+            <a:avLst/>
+          </a:prstGeom>
+          <a:solidFill>
+            <a:schemeClr val="tx1">
+              <a:lumMod val="95000"/>
+              <a:lumOff val="5000"/>
+            </a:schemeClr>
+          </a:solidFill>
+          <a:ln>
+            <a:noFill/>
+          </a:ln>
+        </p:spPr>
+        <p:style>
+          <a:lnRef idx="2">
+            <a:schemeClr val="accent1">
+              <a:shade val="15000"/>
+            </a:schemeClr>
+          </a:lnRef>
+          <a:fillRef idx="1">
+            <a:schemeClr val="accent1"/>
+          </a:fillRef>
+          <a:effectRef idx="0">
+            <a:schemeClr val="accent1"/>
+          </a:effectRef>
+          <a:fontRef idx="minor">
+            <a:schemeClr val="lt1"/>
+          </a:fontRef>
+        </p:style>
+        <p:txBody>
+          <a:bodyPr rtlCol="0" anchor="ctr"/>
+          <a:lstStyle/>
+          <a:p>
+            <a:pPr algn="ctr"/>
+            <a:endParaRPr lang="pt-BR" dirty="0"/>
+          </a:p>
+        </p:txBody>
+      </p:sp>
+      <p:pic>
+        <p:nvPicPr>
+          <p:cNvPr id="3" name="Imagem 2">
+            <a:extLst>
+              <a:ext uri="{FF2B5EF4-FFF2-40B4-BE49-F238E27FC236}">
+                <a16:creationId xmlns:a16="http://schemas.microsoft.com/office/drawing/2014/main" id="{43830BD3-1D35-322B-94A6-EA5D506ED52C}"/>
+              </a:ext>
+            </a:extLst>
+          </p:cNvPr>
+          <p:cNvPicPr>
+            <a:picLocks noChangeAspect="1"/>
+          </p:cNvPicPr>
+          <p:nvPr/>
+        </p:nvPicPr>
+        <p:blipFill>
+          <a:blip r:embed="rId2">
+            <a:extLst>
+              <a:ext uri="{28A0092B-C50C-407E-A947-70E740481C1C}">
+                <a14:useLocalDpi xmlns:a14="http://schemas.microsoft.com/office/drawing/2010/main" val="0"/>
+              </a:ext>
+            </a:extLst>
+          </a:blip>
+          <a:srcRect/>
+          <a:stretch/>
+        </p:blipFill>
+        <p:spPr>
+          <a:xfrm rot="10800000">
+            <a:off x="4876629" y="2205870"/>
+            <a:ext cx="2438740" cy="2438740"/>
+          </a:xfrm>
+          <a:prstGeom prst="rect">
+            <a:avLst/>
+          </a:prstGeom>
+        </p:spPr>
+      </p:pic>
+      <p:sp>
+        <p:nvSpPr>
+          <p:cNvPr id="4" name="Elipse 3">
+            <a:extLst>
+              <a:ext uri="{FF2B5EF4-FFF2-40B4-BE49-F238E27FC236}">
+                <a16:creationId xmlns:a16="http://schemas.microsoft.com/office/drawing/2014/main" id="{911F767E-8CD6-15C3-F3DF-C72303D62009}"/>
+              </a:ext>
+            </a:extLst>
+          </p:cNvPr>
+          <p:cNvSpPr>
+            <a:spLocks noChangeAspect="1"/>
+          </p:cNvSpPr>
+          <p:nvPr/>
+        </p:nvSpPr>
+        <p:spPr>
+          <a:xfrm rot="10800000">
+            <a:off x="7225369" y="2115870"/>
+            <a:ext cx="180000" cy="180000"/>
+          </a:xfrm>
+          <a:prstGeom prst="ellipse">
+            <a:avLst/>
+          </a:prstGeom>
+          <a:solidFill>
+            <a:srgbClr val="C00000"/>
+          </a:solidFill>
+          <a:ln>
+            <a:noFill/>
+          </a:ln>
+        </p:spPr>
+        <p:style>
+          <a:lnRef idx="2">
+            <a:schemeClr val="accent1">
+              <a:shade val="15000"/>
+            </a:schemeClr>
+          </a:lnRef>
+          <a:fillRef idx="1">
+            <a:schemeClr val="accent1"/>
+          </a:fillRef>
+          <a:effectRef idx="0">
+            <a:schemeClr val="accent1"/>
+          </a:effectRef>
+          <a:fontRef idx="minor">
+            <a:schemeClr val="lt1"/>
+          </a:fontRef>
+        </p:style>
+        <p:txBody>
+          <a:bodyPr rtlCol="0" anchor="ctr"/>
+          <a:lstStyle/>
+          <a:p>
+            <a:pPr algn="ctr"/>
+            <a:endParaRPr lang="pt-BR"/>
+          </a:p>
+        </p:txBody>
+      </p:sp>
+      <p:sp>
+        <p:nvSpPr>
+          <p:cNvPr id="5" name="Elipse 4">
+            <a:extLst>
+              <a:ext uri="{FF2B5EF4-FFF2-40B4-BE49-F238E27FC236}">
+                <a16:creationId xmlns:a16="http://schemas.microsoft.com/office/drawing/2014/main" id="{7C16F67C-FB4D-07F1-09B3-1C5F64B3E534}"/>
+              </a:ext>
+            </a:extLst>
+          </p:cNvPr>
+          <p:cNvSpPr>
+            <a:spLocks noChangeAspect="1"/>
+          </p:cNvSpPr>
+          <p:nvPr/>
+        </p:nvSpPr>
+        <p:spPr>
+          <a:xfrm rot="10800000">
+            <a:off x="4786627" y="2115870"/>
+            <a:ext cx="180000" cy="180000"/>
+          </a:xfrm>
+          <a:prstGeom prst="ellipse">
+            <a:avLst/>
+          </a:prstGeom>
+          <a:solidFill>
+            <a:srgbClr val="C00000"/>
+          </a:solidFill>
+          <a:ln>
+            <a:noFill/>
+          </a:ln>
+        </p:spPr>
+        <p:style>
+          <a:lnRef idx="2">
+            <a:schemeClr val="accent1">
+              <a:shade val="15000"/>
+            </a:schemeClr>
+          </a:lnRef>
+          <a:fillRef idx="1">
+            <a:schemeClr val="accent1"/>
+          </a:fillRef>
+          <a:effectRef idx="0">
+            <a:schemeClr val="accent1"/>
+          </a:effectRef>
+          <a:fontRef idx="minor">
+            <a:schemeClr val="lt1"/>
+          </a:fontRef>
+        </p:style>
+        <p:txBody>
+          <a:bodyPr rtlCol="0" anchor="ctr"/>
+          <a:lstStyle/>
+          <a:p>
+            <a:pPr algn="ctr"/>
+            <a:endParaRPr lang="pt-BR"/>
+          </a:p>
+        </p:txBody>
+      </p:sp>
+      <p:sp>
+        <p:nvSpPr>
+          <p:cNvPr id="7" name="Elipse 6">
+            <a:extLst>
+              <a:ext uri="{FF2B5EF4-FFF2-40B4-BE49-F238E27FC236}">
+                <a16:creationId xmlns:a16="http://schemas.microsoft.com/office/drawing/2014/main" id="{142E7287-24D6-F6E7-D64B-6B7D6C7471AE}"/>
+              </a:ext>
+            </a:extLst>
+          </p:cNvPr>
+          <p:cNvSpPr>
+            <a:spLocks noChangeAspect="1"/>
+          </p:cNvSpPr>
+          <p:nvPr/>
+        </p:nvSpPr>
+        <p:spPr>
+          <a:xfrm rot="10800000">
+            <a:off x="7225369" y="4554610"/>
+            <a:ext cx="180000" cy="180000"/>
+          </a:xfrm>
+          <a:prstGeom prst="ellipse">
+            <a:avLst/>
+          </a:prstGeom>
+          <a:solidFill>
+            <a:srgbClr val="C00000"/>
+          </a:solidFill>
+          <a:ln>
+            <a:noFill/>
+          </a:ln>
+        </p:spPr>
+        <p:style>
+          <a:lnRef idx="2">
+            <a:schemeClr val="accent1">
+              <a:shade val="15000"/>
+            </a:schemeClr>
+          </a:lnRef>
+          <a:fillRef idx="1">
+            <a:schemeClr val="accent1"/>
+          </a:fillRef>
+          <a:effectRef idx="0">
+            <a:schemeClr val="accent1"/>
+          </a:effectRef>
+          <a:fontRef idx="minor">
+            <a:schemeClr val="lt1"/>
+          </a:fontRef>
+        </p:style>
+        <p:txBody>
+          <a:bodyPr rtlCol="0" anchor="ctr"/>
+          <a:lstStyle/>
+          <a:p>
+            <a:pPr algn="ctr"/>
+            <a:endParaRPr lang="pt-BR"/>
+          </a:p>
+        </p:txBody>
+      </p:sp>
+      <p:sp>
+        <p:nvSpPr>
+          <p:cNvPr id="8" name="Elipse 7">
+            <a:extLst>
+              <a:ext uri="{FF2B5EF4-FFF2-40B4-BE49-F238E27FC236}">
+                <a16:creationId xmlns:a16="http://schemas.microsoft.com/office/drawing/2014/main" id="{8CF10D1C-2AA7-3A3E-50C5-2BED33DE5421}"/>
+              </a:ext>
+            </a:extLst>
+          </p:cNvPr>
+          <p:cNvSpPr>
+            <a:spLocks noChangeAspect="1"/>
+          </p:cNvSpPr>
+          <p:nvPr/>
+        </p:nvSpPr>
+        <p:spPr>
+          <a:xfrm rot="10800000">
+            <a:off x="4786627" y="4554610"/>
+            <a:ext cx="180000" cy="180000"/>
+          </a:xfrm>
+          <a:prstGeom prst="ellipse">
+            <a:avLst/>
+          </a:prstGeom>
+          <a:solidFill>
+            <a:srgbClr val="C00000"/>
+          </a:solidFill>
+          <a:ln>
+            <a:noFill/>
+          </a:ln>
+        </p:spPr>
+        <p:style>
+          <a:lnRef idx="2">
+            <a:schemeClr val="accent1">
+              <a:shade val="15000"/>
+            </a:schemeClr>
+          </a:lnRef>
+          <a:fillRef idx="1">
+            <a:schemeClr val="accent1"/>
+          </a:fillRef>
+          <a:effectRef idx="0">
+            <a:schemeClr val="accent1"/>
+          </a:effectRef>
+          <a:fontRef idx="minor">
+            <a:schemeClr val="lt1"/>
+          </a:fontRef>
+        </p:style>
+        <p:txBody>
+          <a:bodyPr rtlCol="0" anchor="ctr"/>
+          <a:lstStyle/>
+          <a:p>
+            <a:pPr algn="ctr"/>
+            <a:endParaRPr lang="pt-BR"/>
+          </a:p>
+        </p:txBody>
+      </p:sp>
+      <p:sp>
+        <p:nvSpPr>
+          <p:cNvPr id="9" name="CaixaDeTexto 8">
+            <a:extLst>
+              <a:ext uri="{FF2B5EF4-FFF2-40B4-BE49-F238E27FC236}">
+                <a16:creationId xmlns:a16="http://schemas.microsoft.com/office/drawing/2014/main" id="{C2D5245F-9739-3B7A-0ADF-EBBA5C61065A}"/>
+              </a:ext>
+            </a:extLst>
+          </p:cNvPr>
+          <p:cNvSpPr txBox="1"/>
+          <p:nvPr/>
+        </p:nvSpPr>
+        <p:spPr>
+          <a:xfrm>
+            <a:off x="3887137" y="1836538"/>
+            <a:ext cx="944490" cy="369332"/>
+          </a:xfrm>
+          <a:prstGeom prst="rect">
+            <a:avLst/>
+          </a:prstGeom>
+          <a:noFill/>
+        </p:spPr>
+        <p:txBody>
+          <a:bodyPr wrap="none" rtlCol="0">
+            <a:spAutoFit/>
+          </a:bodyPr>
+          <a:lstStyle/>
+          <a:p>
+            <a:pPr algn="r"/>
+            <a:r>
+              <a:rPr lang="pt-BR" dirty="0">
+                <a:solidFill>
+                  <a:schemeClr val="bg1"/>
+                </a:solidFill>
+                <a:latin typeface="Consolas" panose="020B0609020204030204" pitchFamily="49" charset="0"/>
+              </a:rPr>
+              <a:t>u0, v0</a:t>
+            </a:r>
+          </a:p>
+        </p:txBody>
+      </p:sp>
+      <p:sp>
+        <p:nvSpPr>
+          <p:cNvPr id="11" name="CaixaDeTexto 10">
+            <a:extLst>
+              <a:ext uri="{FF2B5EF4-FFF2-40B4-BE49-F238E27FC236}">
+                <a16:creationId xmlns:a16="http://schemas.microsoft.com/office/drawing/2014/main" id="{6174C958-165A-72A9-5172-159668A2E55B}"/>
+              </a:ext>
+            </a:extLst>
+          </p:cNvPr>
+          <p:cNvSpPr txBox="1"/>
+          <p:nvPr/>
+        </p:nvSpPr>
+        <p:spPr>
+          <a:xfrm>
+            <a:off x="3887137" y="4644610"/>
+            <a:ext cx="944490" cy="369332"/>
+          </a:xfrm>
+          <a:prstGeom prst="rect">
+            <a:avLst/>
+          </a:prstGeom>
+          <a:noFill/>
+        </p:spPr>
+        <p:txBody>
+          <a:bodyPr wrap="none" rtlCol="0" anchor="b">
+            <a:spAutoFit/>
+          </a:bodyPr>
+          <a:lstStyle/>
+          <a:p>
+            <a:pPr algn="r"/>
+            <a:r>
+              <a:rPr lang="pt-BR" dirty="0">
+                <a:solidFill>
+                  <a:schemeClr val="bg1"/>
+                </a:solidFill>
+                <a:latin typeface="Consolas" panose="020B0609020204030204" pitchFamily="49" charset="0"/>
+              </a:rPr>
+              <a:t>u0, v1</a:t>
+            </a:r>
+          </a:p>
+        </p:txBody>
+      </p:sp>
+      <p:sp>
+        <p:nvSpPr>
+          <p:cNvPr id="14" name="CaixaDeTexto 13">
+            <a:extLst>
+              <a:ext uri="{FF2B5EF4-FFF2-40B4-BE49-F238E27FC236}">
+                <a16:creationId xmlns:a16="http://schemas.microsoft.com/office/drawing/2014/main" id="{9094C24A-3A81-7D82-9976-D432FEB447DB}"/>
+              </a:ext>
+            </a:extLst>
+          </p:cNvPr>
+          <p:cNvSpPr txBox="1"/>
+          <p:nvPr/>
+        </p:nvSpPr>
+        <p:spPr>
+          <a:xfrm>
+            <a:off x="7313235" y="1832778"/>
+            <a:ext cx="944489" cy="369332"/>
+          </a:xfrm>
+          <a:prstGeom prst="rect">
+            <a:avLst/>
+          </a:prstGeom>
+          <a:noFill/>
+        </p:spPr>
+        <p:txBody>
+          <a:bodyPr wrap="none" rtlCol="0">
+            <a:spAutoFit/>
+          </a:bodyPr>
+          <a:lstStyle/>
+          <a:p>
+            <a:r>
+              <a:rPr lang="pt-BR" dirty="0">
+                <a:solidFill>
+                  <a:schemeClr val="bg1"/>
+                </a:solidFill>
+                <a:latin typeface="Consolas" panose="020B0609020204030204" pitchFamily="49" charset="0"/>
+              </a:rPr>
+              <a:t>u1, v0</a:t>
+            </a:r>
+          </a:p>
+        </p:txBody>
+      </p:sp>
+      <p:sp>
+        <p:nvSpPr>
+          <p:cNvPr id="15" name="CaixaDeTexto 14">
+            <a:extLst>
+              <a:ext uri="{FF2B5EF4-FFF2-40B4-BE49-F238E27FC236}">
+                <a16:creationId xmlns:a16="http://schemas.microsoft.com/office/drawing/2014/main" id="{003DDDB8-DF6D-8DE8-5569-8071E081297F}"/>
+              </a:ext>
+            </a:extLst>
+          </p:cNvPr>
+          <p:cNvSpPr txBox="1"/>
+          <p:nvPr/>
+        </p:nvSpPr>
+        <p:spPr>
+          <a:xfrm>
+            <a:off x="7313235" y="4644610"/>
+            <a:ext cx="944489" cy="369332"/>
+          </a:xfrm>
+          <a:prstGeom prst="rect">
+            <a:avLst/>
+          </a:prstGeom>
+          <a:noFill/>
+        </p:spPr>
+        <p:txBody>
+          <a:bodyPr wrap="none" rtlCol="0" anchor="b">
+            <a:spAutoFit/>
+          </a:bodyPr>
+          <a:lstStyle/>
+          <a:p>
+            <a:r>
+              <a:rPr lang="pt-BR" dirty="0">
+                <a:solidFill>
+                  <a:schemeClr val="bg1"/>
+                </a:solidFill>
+                <a:latin typeface="Consolas" panose="020B0609020204030204" pitchFamily="49" charset="0"/>
+              </a:rPr>
+              <a:t>u1, v1</a:t>
+            </a:r>
+          </a:p>
+        </p:txBody>
+      </p:sp>
+      <p:sp>
+        <p:nvSpPr>
+          <p:cNvPr id="6" name="CaixaDeTexto 5">
+            <a:extLst>
+              <a:ext uri="{FF2B5EF4-FFF2-40B4-BE49-F238E27FC236}">
+                <a16:creationId xmlns:a16="http://schemas.microsoft.com/office/drawing/2014/main" id="{4B315D13-AD2C-D669-BEFE-7E05351728A5}"/>
+              </a:ext>
+            </a:extLst>
+          </p:cNvPr>
+          <p:cNvSpPr txBox="1"/>
+          <p:nvPr/>
+        </p:nvSpPr>
+        <p:spPr>
+          <a:xfrm>
+            <a:off x="0" y="0"/>
+            <a:ext cx="2970685" cy="2308324"/>
+          </a:xfrm>
+          <a:prstGeom prst="rect">
+            <a:avLst/>
+          </a:prstGeom>
+          <a:noFill/>
+        </p:spPr>
+        <p:txBody>
+          <a:bodyPr wrap="none" rtlCol="0">
+            <a:spAutoFit/>
+          </a:bodyPr>
+          <a:lstStyle/>
+          <a:p>
+            <a:r>
+              <a:rPr lang="pt-BR" dirty="0">
+                <a:solidFill>
+                  <a:schemeClr val="accent3">
+                    <a:lumMod val="50000"/>
+                  </a:schemeClr>
+                </a:solidFill>
+                <a:latin typeface="Consolas" panose="020B0609020204030204" pitchFamily="49" charset="0"/>
+              </a:rPr>
+              <a:t>// </a:t>
+            </a:r>
+            <a:r>
+              <a:rPr lang="pt-BR" dirty="0" err="1">
+                <a:solidFill>
+                  <a:schemeClr val="accent3">
+                    <a:lumMod val="50000"/>
+                  </a:schemeClr>
+                </a:solidFill>
+                <a:latin typeface="Consolas" panose="020B0609020204030204" pitchFamily="49" charset="0"/>
+              </a:rPr>
+              <a:t>texCoord</a:t>
+            </a:r>
+            <a:r>
+              <a:rPr lang="pt-BR" dirty="0">
+                <a:solidFill>
+                  <a:schemeClr val="accent3">
+                    <a:lumMod val="50000"/>
+                  </a:schemeClr>
+                </a:solidFill>
+                <a:latin typeface="Consolas" panose="020B0609020204030204" pitchFamily="49" charset="0"/>
+              </a:rPr>
+              <a:t> sem o flip</a:t>
+            </a:r>
+          </a:p>
+          <a:p>
+            <a:endParaRPr lang="pt-BR" dirty="0">
+              <a:solidFill>
+                <a:schemeClr val="bg1"/>
+              </a:solidFill>
+              <a:latin typeface="Consolas" panose="020B0609020204030204" pitchFamily="49" charset="0"/>
+            </a:endParaRPr>
+          </a:p>
+          <a:p>
+            <a:r>
+              <a:rPr lang="pt-BR" dirty="0" err="1">
+                <a:solidFill>
+                  <a:schemeClr val="bg1"/>
+                </a:solidFill>
+                <a:latin typeface="Consolas" panose="020B0609020204030204" pitchFamily="49" charset="0"/>
+              </a:rPr>
+              <a:t>float</a:t>
+            </a:r>
+            <a:r>
+              <a:rPr lang="pt-BR" dirty="0">
+                <a:solidFill>
+                  <a:schemeClr val="bg1"/>
+                </a:solidFill>
+                <a:latin typeface="Consolas" panose="020B0609020204030204" pitchFamily="49" charset="0"/>
+              </a:rPr>
+              <a:t>[] </a:t>
+            </a:r>
+            <a:r>
+              <a:rPr lang="pt-BR" dirty="0" err="1">
+                <a:solidFill>
+                  <a:schemeClr val="bg1"/>
+                </a:solidFill>
+                <a:latin typeface="Consolas" panose="020B0609020204030204" pitchFamily="49" charset="0"/>
+              </a:rPr>
+              <a:t>texCoord</a:t>
+            </a:r>
+            <a:r>
+              <a:rPr lang="pt-BR" dirty="0">
+                <a:solidFill>
+                  <a:schemeClr val="bg1"/>
+                </a:solidFill>
+                <a:latin typeface="Consolas" panose="020B0609020204030204" pitchFamily="49" charset="0"/>
+              </a:rPr>
+              <a:t> = {</a:t>
+            </a:r>
+          </a:p>
+          <a:p>
+            <a:r>
+              <a:rPr lang="pt-BR" dirty="0">
+                <a:solidFill>
+                  <a:schemeClr val="bg1"/>
+                </a:solidFill>
+                <a:latin typeface="Consolas" panose="020B0609020204030204" pitchFamily="49" charset="0"/>
+              </a:rPr>
+              <a:t>    u0, v1,</a:t>
+            </a:r>
+            <a:endParaRPr lang="pt-BR" dirty="0">
+              <a:solidFill>
+                <a:schemeClr val="accent3"/>
+              </a:solidFill>
+              <a:latin typeface="Consolas" panose="020B0609020204030204" pitchFamily="49" charset="0"/>
+            </a:endParaRPr>
+          </a:p>
+          <a:p>
+            <a:r>
+              <a:rPr lang="pt-BR" dirty="0">
+                <a:solidFill>
+                  <a:schemeClr val="bg1"/>
+                </a:solidFill>
+                <a:latin typeface="Consolas" panose="020B0609020204030204" pitchFamily="49" charset="0"/>
+              </a:rPr>
+              <a:t>    u1, v1,</a:t>
+            </a:r>
+          </a:p>
+          <a:p>
+            <a:r>
+              <a:rPr lang="pt-BR" dirty="0">
+                <a:solidFill>
+                  <a:schemeClr val="bg1"/>
+                </a:solidFill>
+                <a:latin typeface="Consolas" panose="020B0609020204030204" pitchFamily="49" charset="0"/>
+              </a:rPr>
+              <a:t>    u1, v0,</a:t>
+            </a:r>
+            <a:endParaRPr lang="pt-BR" dirty="0">
+              <a:solidFill>
+                <a:schemeClr val="accent3"/>
+              </a:solidFill>
+              <a:latin typeface="Consolas" panose="020B0609020204030204" pitchFamily="49" charset="0"/>
+            </a:endParaRPr>
+          </a:p>
+          <a:p>
+            <a:r>
+              <a:rPr lang="pt-BR" dirty="0">
+                <a:solidFill>
+                  <a:schemeClr val="bg1"/>
+                </a:solidFill>
+                <a:latin typeface="Consolas" panose="020B0609020204030204" pitchFamily="49" charset="0"/>
+              </a:rPr>
+              <a:t>    u0, v0</a:t>
+            </a:r>
+          </a:p>
+          <a:p>
+            <a:r>
+              <a:rPr lang="pt-BR" dirty="0">
+                <a:solidFill>
+                  <a:schemeClr val="bg1"/>
+                </a:solidFill>
+                <a:latin typeface="Consolas" panose="020B0609020204030204" pitchFamily="49" charset="0"/>
+              </a:rPr>
+              <a:t>};</a:t>
+            </a:r>
+          </a:p>
+        </p:txBody>
+      </p:sp>
+    </p:spTree>
+    <p:extLst>
+      <p:ext uri="{BB962C8B-B14F-4D97-AF65-F5344CB8AC3E}">
+        <p14:creationId xmlns:p14="http://schemas.microsoft.com/office/powerpoint/2010/main" val="2470439528"/>
+      </p:ext>
+    </p:extLst>
+  </p:cSld>
+  <p:clrMapOvr>
+    <a:masterClrMapping/>
+  </p:clrMapOvr>
+</p:sld>
+</file>
+
+<file path=ppt/slides/slide32.xml><?xml version="1.0" encoding="utf-8"?>
+<p:sld xmlns:a="http://schemas.openxmlformats.org/drawingml/2006/main" xmlns:r="http://schemas.openxmlformats.org/officeDocument/2006/relationships" xmlns:p="http://schemas.openxmlformats.org/presentationml/2006/main">
+  <p:cSld>
+    <p:spTree>
+      <p:nvGrpSpPr>
+        <p:cNvPr id="1" name="">
+          <a:extLst>
+            <a:ext uri="{FF2B5EF4-FFF2-40B4-BE49-F238E27FC236}">
+              <a16:creationId xmlns:a16="http://schemas.microsoft.com/office/drawing/2014/main" id="{69C6DB78-C3ED-8EE3-F8A0-EFEB1B8E2700}"/>
+            </a:ext>
+          </a:extLst>
+        </p:cNvPr>
+        <p:cNvGrpSpPr/>
+        <p:nvPr/>
+      </p:nvGrpSpPr>
+      <p:grpSpPr>
+        <a:xfrm>
+          <a:off x="0" y="0"/>
+          <a:ext cx="0" cy="0"/>
+          <a:chOff x="0" y="0"/>
+          <a:chExt cx="0" cy="0"/>
+        </a:xfrm>
+      </p:grpSpPr>
+      <p:sp>
+        <p:nvSpPr>
+          <p:cNvPr id="2" name="Retângulo 1">
+            <a:extLst>
+              <a:ext uri="{FF2B5EF4-FFF2-40B4-BE49-F238E27FC236}">
+                <a16:creationId xmlns:a16="http://schemas.microsoft.com/office/drawing/2014/main" id="{70708B9B-68F1-CBE6-8512-044F96E3A057}"/>
+              </a:ext>
+            </a:extLst>
+          </p:cNvPr>
+          <p:cNvSpPr/>
+          <p:nvPr/>
+        </p:nvSpPr>
+        <p:spPr>
+          <a:xfrm>
+            <a:off x="0" y="0"/>
+            <a:ext cx="12192000" cy="6858000"/>
+          </a:xfrm>
+          <a:prstGeom prst="rect">
+            <a:avLst/>
+          </a:prstGeom>
+          <a:solidFill>
+            <a:schemeClr val="tx1">
+              <a:lumMod val="95000"/>
+              <a:lumOff val="5000"/>
+            </a:schemeClr>
+          </a:solidFill>
+          <a:ln>
+            <a:noFill/>
+          </a:ln>
+        </p:spPr>
+        <p:style>
+          <a:lnRef idx="2">
+            <a:schemeClr val="accent1">
+              <a:shade val="15000"/>
+            </a:schemeClr>
+          </a:lnRef>
+          <a:fillRef idx="1">
+            <a:schemeClr val="accent1"/>
+          </a:fillRef>
+          <a:effectRef idx="0">
+            <a:schemeClr val="accent1"/>
+          </a:effectRef>
+          <a:fontRef idx="minor">
+            <a:schemeClr val="lt1"/>
+          </a:fontRef>
+        </p:style>
+        <p:txBody>
+          <a:bodyPr rtlCol="0" anchor="ctr"/>
+          <a:lstStyle/>
+          <a:p>
+            <a:pPr algn="ctr"/>
+            <a:endParaRPr lang="pt-BR"/>
+          </a:p>
+        </p:txBody>
+      </p:sp>
+      <p:sp>
+        <p:nvSpPr>
+          <p:cNvPr id="6" name="CaixaDeTexto 5">
+            <a:extLst>
+              <a:ext uri="{FF2B5EF4-FFF2-40B4-BE49-F238E27FC236}">
+                <a16:creationId xmlns:a16="http://schemas.microsoft.com/office/drawing/2014/main" id="{6B00C15D-37D3-92EC-FAB8-6E98ACA10BED}"/>
+              </a:ext>
+            </a:extLst>
+          </p:cNvPr>
+          <p:cNvSpPr txBox="1"/>
+          <p:nvPr/>
+        </p:nvSpPr>
+        <p:spPr>
+          <a:xfrm>
+            <a:off x="0" y="0"/>
+            <a:ext cx="9049272" cy="2308324"/>
+          </a:xfrm>
+          <a:prstGeom prst="rect">
+            <a:avLst/>
+          </a:prstGeom>
+          <a:noFill/>
+        </p:spPr>
+        <p:txBody>
+          <a:bodyPr wrap="none" rtlCol="0">
+            <a:spAutoFit/>
+          </a:bodyPr>
+          <a:lstStyle/>
+          <a:p>
+            <a:r>
+              <a:rPr lang="pt-BR" dirty="0">
+                <a:solidFill>
+                  <a:schemeClr val="accent3">
+                    <a:lumMod val="50000"/>
+                  </a:schemeClr>
+                </a:solidFill>
+                <a:latin typeface="Consolas" panose="020B0609020204030204" pitchFamily="49" charset="0"/>
+              </a:rPr>
+              <a:t>// </a:t>
+            </a:r>
+            <a:r>
+              <a:rPr lang="pt-BR" dirty="0" err="1">
+                <a:solidFill>
+                  <a:schemeClr val="accent3">
+                    <a:lumMod val="50000"/>
+                  </a:schemeClr>
+                </a:solidFill>
+                <a:latin typeface="Consolas" panose="020B0609020204030204" pitchFamily="49" charset="0"/>
+              </a:rPr>
+              <a:t>texCoord</a:t>
+            </a:r>
+            <a:r>
+              <a:rPr lang="pt-BR" dirty="0">
+                <a:solidFill>
+                  <a:schemeClr val="accent3">
+                    <a:lumMod val="50000"/>
+                  </a:schemeClr>
+                </a:solidFill>
+                <a:latin typeface="Consolas" panose="020B0609020204030204" pitchFamily="49" charset="0"/>
+              </a:rPr>
+              <a:t> para sprites por causa do ‘</a:t>
+            </a:r>
+            <a:r>
+              <a:rPr lang="pt-BR" dirty="0" err="1">
+                <a:solidFill>
+                  <a:schemeClr val="accent3">
+                    <a:lumMod val="50000"/>
+                  </a:schemeClr>
+                </a:solidFill>
+                <a:latin typeface="Consolas" panose="020B0609020204030204" pitchFamily="49" charset="0"/>
+              </a:rPr>
+              <a:t>GL.Enable</a:t>
+            </a:r>
+            <a:r>
+              <a:rPr lang="pt-BR" dirty="0">
+                <a:solidFill>
+                  <a:schemeClr val="accent3">
+                    <a:lumMod val="50000"/>
+                  </a:schemeClr>
+                </a:solidFill>
+                <a:latin typeface="Consolas" panose="020B0609020204030204" pitchFamily="49" charset="0"/>
+              </a:rPr>
+              <a:t>(</a:t>
+            </a:r>
+            <a:r>
+              <a:rPr lang="pt-BR" dirty="0" err="1">
+                <a:solidFill>
+                  <a:schemeClr val="accent3">
+                    <a:lumMod val="50000"/>
+                  </a:schemeClr>
+                </a:solidFill>
+                <a:latin typeface="Consolas" panose="020B0609020204030204" pitchFamily="49" charset="0"/>
+              </a:rPr>
+              <a:t>EnableCap.CullFace</a:t>
+            </a:r>
+            <a:r>
+              <a:rPr lang="pt-BR" dirty="0">
+                <a:solidFill>
+                  <a:schemeClr val="accent3">
+                    <a:lumMod val="50000"/>
+                  </a:schemeClr>
+                </a:solidFill>
+                <a:latin typeface="Consolas" panose="020B0609020204030204" pitchFamily="49" charset="0"/>
+              </a:rPr>
+              <a:t>);’</a:t>
+            </a:r>
+          </a:p>
+          <a:p>
+            <a:endParaRPr lang="pt-BR" dirty="0">
+              <a:solidFill>
+                <a:schemeClr val="bg1"/>
+              </a:solidFill>
+              <a:latin typeface="Consolas" panose="020B0609020204030204" pitchFamily="49" charset="0"/>
+            </a:endParaRPr>
+          </a:p>
+          <a:p>
+            <a:r>
+              <a:rPr lang="pt-BR" dirty="0" err="1">
+                <a:solidFill>
+                  <a:schemeClr val="bg1"/>
+                </a:solidFill>
+                <a:latin typeface="Consolas" panose="020B0609020204030204" pitchFamily="49" charset="0"/>
+              </a:rPr>
+              <a:t>float</a:t>
+            </a:r>
+            <a:r>
+              <a:rPr lang="pt-BR" dirty="0">
+                <a:solidFill>
+                  <a:schemeClr val="bg1"/>
+                </a:solidFill>
+                <a:latin typeface="Consolas" panose="020B0609020204030204" pitchFamily="49" charset="0"/>
+              </a:rPr>
+              <a:t>[] </a:t>
+            </a:r>
+            <a:r>
+              <a:rPr lang="pt-BR" dirty="0" err="1">
+                <a:solidFill>
+                  <a:schemeClr val="bg1"/>
+                </a:solidFill>
+                <a:latin typeface="Consolas" panose="020B0609020204030204" pitchFamily="49" charset="0"/>
+              </a:rPr>
+              <a:t>texCoord</a:t>
+            </a:r>
+            <a:r>
+              <a:rPr lang="pt-BR" dirty="0">
+                <a:solidFill>
+                  <a:schemeClr val="bg1"/>
+                </a:solidFill>
+                <a:latin typeface="Consolas" panose="020B0609020204030204" pitchFamily="49" charset="0"/>
+              </a:rPr>
+              <a:t> = {</a:t>
+            </a:r>
+          </a:p>
+          <a:p>
+            <a:r>
+              <a:rPr lang="pt-BR" dirty="0">
+                <a:solidFill>
+                  <a:schemeClr val="bg1"/>
+                </a:solidFill>
+                <a:latin typeface="Consolas" panose="020B0609020204030204" pitchFamily="49" charset="0"/>
+              </a:rPr>
+              <a:t>    u1, v0,</a:t>
+            </a:r>
+            <a:endParaRPr lang="pt-BR" dirty="0">
+              <a:solidFill>
+                <a:schemeClr val="accent3"/>
+              </a:solidFill>
+              <a:latin typeface="Consolas" panose="020B0609020204030204" pitchFamily="49" charset="0"/>
+            </a:endParaRPr>
+          </a:p>
+          <a:p>
+            <a:r>
+              <a:rPr lang="pt-BR" dirty="0">
+                <a:solidFill>
+                  <a:schemeClr val="bg1"/>
+                </a:solidFill>
+                <a:latin typeface="Consolas" panose="020B0609020204030204" pitchFamily="49" charset="0"/>
+              </a:rPr>
+              <a:t>    u0, v0,</a:t>
+            </a:r>
+          </a:p>
+          <a:p>
+            <a:r>
+              <a:rPr lang="pt-BR" dirty="0">
+                <a:solidFill>
+                  <a:schemeClr val="bg1"/>
+                </a:solidFill>
+                <a:latin typeface="Consolas" panose="020B0609020204030204" pitchFamily="49" charset="0"/>
+              </a:rPr>
+              <a:t>    u0, v1,</a:t>
+            </a:r>
+            <a:endParaRPr lang="pt-BR" dirty="0">
+              <a:solidFill>
+                <a:schemeClr val="accent3"/>
+              </a:solidFill>
+              <a:latin typeface="Consolas" panose="020B0609020204030204" pitchFamily="49" charset="0"/>
+            </a:endParaRPr>
+          </a:p>
+          <a:p>
+            <a:r>
+              <a:rPr lang="pt-BR" dirty="0">
+                <a:solidFill>
+                  <a:schemeClr val="bg1"/>
+                </a:solidFill>
+                <a:latin typeface="Consolas" panose="020B0609020204030204" pitchFamily="49" charset="0"/>
+              </a:rPr>
+              <a:t>    u1, v1</a:t>
+            </a:r>
+          </a:p>
+          <a:p>
+            <a:r>
+              <a:rPr lang="pt-BR" dirty="0">
+                <a:solidFill>
+                  <a:schemeClr val="bg1"/>
+                </a:solidFill>
+                <a:latin typeface="Consolas" panose="020B0609020204030204" pitchFamily="49" charset="0"/>
+              </a:rPr>
+              <a:t>};</a:t>
+            </a:r>
+          </a:p>
+        </p:txBody>
+      </p:sp>
+      <p:pic>
+        <p:nvPicPr>
+          <p:cNvPr id="12" name="Imagem 11">
+            <a:extLst>
+              <a:ext uri="{FF2B5EF4-FFF2-40B4-BE49-F238E27FC236}">
+                <a16:creationId xmlns:a16="http://schemas.microsoft.com/office/drawing/2014/main" id="{A639FB27-4787-68AD-E9C8-BB7B59B6AD69}"/>
+              </a:ext>
+            </a:extLst>
+          </p:cNvPr>
+          <p:cNvPicPr>
+            <a:picLocks noChangeAspect="1"/>
+          </p:cNvPicPr>
+          <p:nvPr/>
+        </p:nvPicPr>
+        <p:blipFill>
+          <a:blip r:embed="rId2">
+            <a:extLst>
+              <a:ext uri="{28A0092B-C50C-407E-A947-70E740481C1C}">
+                <a14:useLocalDpi xmlns:a14="http://schemas.microsoft.com/office/drawing/2010/main" val="0"/>
+              </a:ext>
+            </a:extLst>
+          </a:blip>
+          <a:srcRect/>
+          <a:stretch/>
+        </p:blipFill>
+        <p:spPr>
+          <a:xfrm flipH="1">
+            <a:off x="4876629" y="2202110"/>
+            <a:ext cx="2438740" cy="2438740"/>
+          </a:xfrm>
+          <a:prstGeom prst="rect">
+            <a:avLst/>
+          </a:prstGeom>
+        </p:spPr>
+      </p:pic>
+      <p:sp>
+        <p:nvSpPr>
+          <p:cNvPr id="13" name="Elipse 12">
+            <a:extLst>
+              <a:ext uri="{FF2B5EF4-FFF2-40B4-BE49-F238E27FC236}">
+                <a16:creationId xmlns:a16="http://schemas.microsoft.com/office/drawing/2014/main" id="{706B8995-5B04-E909-B6AD-F0AAD547DCC2}"/>
+              </a:ext>
+            </a:extLst>
+          </p:cNvPr>
+          <p:cNvSpPr>
+            <a:spLocks noChangeAspect="1"/>
+          </p:cNvSpPr>
+          <p:nvPr/>
+        </p:nvSpPr>
+        <p:spPr>
+          <a:xfrm flipH="1">
+            <a:off x="7225369" y="4550850"/>
+            <a:ext cx="180000" cy="180000"/>
+          </a:xfrm>
+          <a:prstGeom prst="ellipse">
+            <a:avLst/>
+          </a:prstGeom>
+          <a:solidFill>
+            <a:srgbClr val="C00000"/>
+          </a:solidFill>
+          <a:ln>
+            <a:noFill/>
+          </a:ln>
+        </p:spPr>
+        <p:style>
+          <a:lnRef idx="2">
+            <a:schemeClr val="accent1">
+              <a:shade val="15000"/>
+            </a:schemeClr>
+          </a:lnRef>
+          <a:fillRef idx="1">
+            <a:schemeClr val="accent1"/>
+          </a:fillRef>
+          <a:effectRef idx="0">
+            <a:schemeClr val="accent1"/>
+          </a:effectRef>
+          <a:fontRef idx="minor">
+            <a:schemeClr val="lt1"/>
+          </a:fontRef>
+        </p:style>
+        <p:txBody>
+          <a:bodyPr rtlCol="0" anchor="ctr"/>
+          <a:lstStyle/>
+          <a:p>
+            <a:pPr algn="ctr"/>
+            <a:endParaRPr lang="pt-BR"/>
+          </a:p>
+        </p:txBody>
+      </p:sp>
+      <p:sp>
+        <p:nvSpPr>
+          <p:cNvPr id="16" name="Elipse 15">
+            <a:extLst>
+              <a:ext uri="{FF2B5EF4-FFF2-40B4-BE49-F238E27FC236}">
+                <a16:creationId xmlns:a16="http://schemas.microsoft.com/office/drawing/2014/main" id="{F6A70663-969C-8949-36AC-C4F06C6E232A}"/>
+              </a:ext>
+            </a:extLst>
+          </p:cNvPr>
+          <p:cNvSpPr>
+            <a:spLocks noChangeAspect="1"/>
+          </p:cNvSpPr>
+          <p:nvPr/>
+        </p:nvSpPr>
+        <p:spPr>
+          <a:xfrm flipH="1">
+            <a:off x="4786627" y="4550850"/>
+            <a:ext cx="180000" cy="180000"/>
+          </a:xfrm>
+          <a:prstGeom prst="ellipse">
+            <a:avLst/>
+          </a:prstGeom>
+          <a:solidFill>
+            <a:srgbClr val="C00000"/>
+          </a:solidFill>
+          <a:ln>
+            <a:noFill/>
+          </a:ln>
+        </p:spPr>
+        <p:style>
+          <a:lnRef idx="2">
+            <a:schemeClr val="accent1">
+              <a:shade val="15000"/>
+            </a:schemeClr>
+          </a:lnRef>
+          <a:fillRef idx="1">
+            <a:schemeClr val="accent1"/>
+          </a:fillRef>
+          <a:effectRef idx="0">
+            <a:schemeClr val="accent1"/>
+          </a:effectRef>
+          <a:fontRef idx="minor">
+            <a:schemeClr val="lt1"/>
+          </a:fontRef>
+        </p:style>
+        <p:txBody>
+          <a:bodyPr rtlCol="0" anchor="ctr"/>
+          <a:lstStyle/>
+          <a:p>
+            <a:pPr algn="ctr"/>
+            <a:endParaRPr lang="pt-BR"/>
+          </a:p>
+        </p:txBody>
+      </p:sp>
+      <p:sp>
+        <p:nvSpPr>
+          <p:cNvPr id="17" name="Elipse 16">
+            <a:extLst>
+              <a:ext uri="{FF2B5EF4-FFF2-40B4-BE49-F238E27FC236}">
+                <a16:creationId xmlns:a16="http://schemas.microsoft.com/office/drawing/2014/main" id="{35BEE3C4-4820-0082-A2E5-F3C2EBDBCF93}"/>
+              </a:ext>
+            </a:extLst>
+          </p:cNvPr>
+          <p:cNvSpPr>
+            <a:spLocks noChangeAspect="1"/>
+          </p:cNvSpPr>
+          <p:nvPr/>
+        </p:nvSpPr>
+        <p:spPr>
+          <a:xfrm flipH="1">
+            <a:off x="7225369" y="2112110"/>
+            <a:ext cx="180000" cy="180000"/>
+          </a:xfrm>
+          <a:prstGeom prst="ellipse">
+            <a:avLst/>
+          </a:prstGeom>
+          <a:solidFill>
+            <a:srgbClr val="C00000"/>
+          </a:solidFill>
+          <a:ln>
+            <a:noFill/>
+          </a:ln>
+        </p:spPr>
+        <p:style>
+          <a:lnRef idx="2">
+            <a:schemeClr val="accent1">
+              <a:shade val="15000"/>
+            </a:schemeClr>
+          </a:lnRef>
+          <a:fillRef idx="1">
+            <a:schemeClr val="accent1"/>
+          </a:fillRef>
+          <a:effectRef idx="0">
+            <a:schemeClr val="accent1"/>
+          </a:effectRef>
+          <a:fontRef idx="minor">
+            <a:schemeClr val="lt1"/>
+          </a:fontRef>
+        </p:style>
+        <p:txBody>
+          <a:bodyPr rtlCol="0" anchor="ctr"/>
+          <a:lstStyle/>
+          <a:p>
+            <a:pPr algn="ctr"/>
+            <a:endParaRPr lang="pt-BR"/>
+          </a:p>
+        </p:txBody>
+      </p:sp>
+      <p:sp>
+        <p:nvSpPr>
+          <p:cNvPr id="18" name="Elipse 17">
+            <a:extLst>
+              <a:ext uri="{FF2B5EF4-FFF2-40B4-BE49-F238E27FC236}">
+                <a16:creationId xmlns:a16="http://schemas.microsoft.com/office/drawing/2014/main" id="{A1A73B4A-BDDF-2817-2E86-868A7B9D3882}"/>
+              </a:ext>
+            </a:extLst>
+          </p:cNvPr>
+          <p:cNvSpPr>
+            <a:spLocks noChangeAspect="1"/>
+          </p:cNvSpPr>
+          <p:nvPr/>
+        </p:nvSpPr>
+        <p:spPr>
+          <a:xfrm flipH="1">
+            <a:off x="4786627" y="2112110"/>
+            <a:ext cx="180000" cy="180000"/>
+          </a:xfrm>
+          <a:prstGeom prst="ellipse">
+            <a:avLst/>
+          </a:prstGeom>
+          <a:solidFill>
+            <a:srgbClr val="C00000"/>
+          </a:solidFill>
+          <a:ln>
+            <a:noFill/>
+          </a:ln>
+        </p:spPr>
+        <p:style>
+          <a:lnRef idx="2">
+            <a:schemeClr val="accent1">
+              <a:shade val="15000"/>
+            </a:schemeClr>
+          </a:lnRef>
+          <a:fillRef idx="1">
+            <a:schemeClr val="accent1"/>
+          </a:fillRef>
+          <a:effectRef idx="0">
+            <a:schemeClr val="accent1"/>
+          </a:effectRef>
+          <a:fontRef idx="minor">
+            <a:schemeClr val="lt1"/>
+          </a:fontRef>
+        </p:style>
+        <p:txBody>
+          <a:bodyPr rtlCol="0" anchor="ctr"/>
+          <a:lstStyle/>
+          <a:p>
+            <a:pPr algn="ctr"/>
+            <a:endParaRPr lang="pt-BR"/>
+          </a:p>
+        </p:txBody>
+      </p:sp>
+      <p:sp>
+        <p:nvSpPr>
+          <p:cNvPr id="19" name="CaixaDeTexto 18">
+            <a:extLst>
+              <a:ext uri="{FF2B5EF4-FFF2-40B4-BE49-F238E27FC236}">
+                <a16:creationId xmlns:a16="http://schemas.microsoft.com/office/drawing/2014/main" id="{9CB67E7E-99A8-291F-75DB-71AB87C5B7E0}"/>
+              </a:ext>
+            </a:extLst>
+          </p:cNvPr>
+          <p:cNvSpPr txBox="1"/>
+          <p:nvPr/>
+        </p:nvSpPr>
+        <p:spPr>
+          <a:xfrm flipH="1">
+            <a:off x="3887137" y="4640850"/>
+            <a:ext cx="944490" cy="369332"/>
+          </a:xfrm>
+          <a:prstGeom prst="rect">
+            <a:avLst/>
+          </a:prstGeom>
+          <a:noFill/>
+        </p:spPr>
+        <p:txBody>
+          <a:bodyPr wrap="none" rtlCol="0">
+            <a:spAutoFit/>
+          </a:bodyPr>
+          <a:lstStyle/>
+          <a:p>
+            <a:pPr algn="r"/>
+            <a:r>
+              <a:rPr lang="pt-BR" dirty="0">
+                <a:solidFill>
+                  <a:schemeClr val="bg1"/>
+                </a:solidFill>
+                <a:latin typeface="Consolas" panose="020B0609020204030204" pitchFamily="49" charset="0"/>
+              </a:rPr>
+              <a:t>u0, v0</a:t>
+            </a:r>
+          </a:p>
+        </p:txBody>
+      </p:sp>
+      <p:sp>
+        <p:nvSpPr>
+          <p:cNvPr id="20" name="CaixaDeTexto 19">
+            <a:extLst>
+              <a:ext uri="{FF2B5EF4-FFF2-40B4-BE49-F238E27FC236}">
+                <a16:creationId xmlns:a16="http://schemas.microsoft.com/office/drawing/2014/main" id="{38339558-5695-99CC-ACE2-4D080AF35A52}"/>
+              </a:ext>
+            </a:extLst>
+          </p:cNvPr>
+          <p:cNvSpPr txBox="1"/>
+          <p:nvPr/>
+        </p:nvSpPr>
+        <p:spPr>
+          <a:xfrm flipH="1">
+            <a:off x="3887137" y="1832778"/>
+            <a:ext cx="944490" cy="369332"/>
+          </a:xfrm>
+          <a:prstGeom prst="rect">
+            <a:avLst/>
+          </a:prstGeom>
+          <a:noFill/>
+        </p:spPr>
+        <p:txBody>
+          <a:bodyPr wrap="none" rtlCol="0" anchor="b">
+            <a:spAutoFit/>
+          </a:bodyPr>
+          <a:lstStyle/>
+          <a:p>
+            <a:pPr algn="r"/>
+            <a:r>
+              <a:rPr lang="pt-BR" dirty="0">
+                <a:solidFill>
+                  <a:schemeClr val="bg1"/>
+                </a:solidFill>
+                <a:latin typeface="Consolas" panose="020B0609020204030204" pitchFamily="49" charset="0"/>
+              </a:rPr>
+              <a:t>u0, v1</a:t>
+            </a:r>
+          </a:p>
+        </p:txBody>
+      </p:sp>
+      <p:sp>
+        <p:nvSpPr>
+          <p:cNvPr id="21" name="CaixaDeTexto 20">
+            <a:extLst>
+              <a:ext uri="{FF2B5EF4-FFF2-40B4-BE49-F238E27FC236}">
+                <a16:creationId xmlns:a16="http://schemas.microsoft.com/office/drawing/2014/main" id="{49559B0E-1D59-408B-57E3-DBA97E90C3E6}"/>
+              </a:ext>
+            </a:extLst>
+          </p:cNvPr>
+          <p:cNvSpPr txBox="1"/>
+          <p:nvPr/>
+        </p:nvSpPr>
+        <p:spPr>
+          <a:xfrm flipH="1">
+            <a:off x="7313235" y="4644610"/>
+            <a:ext cx="944489" cy="369332"/>
+          </a:xfrm>
+          <a:prstGeom prst="rect">
+            <a:avLst/>
+          </a:prstGeom>
+          <a:noFill/>
+        </p:spPr>
+        <p:txBody>
+          <a:bodyPr wrap="none" rtlCol="0">
+            <a:spAutoFit/>
+          </a:bodyPr>
+          <a:lstStyle/>
+          <a:p>
+            <a:r>
+              <a:rPr lang="pt-BR" dirty="0">
+                <a:solidFill>
+                  <a:schemeClr val="bg1"/>
+                </a:solidFill>
+                <a:latin typeface="Consolas" panose="020B0609020204030204" pitchFamily="49" charset="0"/>
+              </a:rPr>
+              <a:t>u1, v0</a:t>
+            </a:r>
+          </a:p>
+        </p:txBody>
+      </p:sp>
+      <p:sp>
+        <p:nvSpPr>
+          <p:cNvPr id="22" name="CaixaDeTexto 21">
+            <a:extLst>
+              <a:ext uri="{FF2B5EF4-FFF2-40B4-BE49-F238E27FC236}">
+                <a16:creationId xmlns:a16="http://schemas.microsoft.com/office/drawing/2014/main" id="{6E444A0A-52B9-8EA2-A021-E77A42ADBE11}"/>
+              </a:ext>
+            </a:extLst>
+          </p:cNvPr>
+          <p:cNvSpPr txBox="1"/>
+          <p:nvPr/>
+        </p:nvSpPr>
+        <p:spPr>
+          <a:xfrm flipH="1">
+            <a:off x="7313235" y="1832778"/>
+            <a:ext cx="944489" cy="369332"/>
+          </a:xfrm>
+          <a:prstGeom prst="rect">
+            <a:avLst/>
+          </a:prstGeom>
+          <a:noFill/>
+        </p:spPr>
+        <p:txBody>
+          <a:bodyPr wrap="none" rtlCol="0" anchor="b">
+            <a:spAutoFit/>
+          </a:bodyPr>
+          <a:lstStyle/>
+          <a:p>
+            <a:r>
+              <a:rPr lang="pt-BR" dirty="0">
+                <a:solidFill>
+                  <a:schemeClr val="bg1"/>
+                </a:solidFill>
+                <a:latin typeface="Consolas" panose="020B0609020204030204" pitchFamily="49" charset="0"/>
+              </a:rPr>
+              <a:t>u1, v1</a:t>
+            </a:r>
+          </a:p>
+        </p:txBody>
+      </p:sp>
+    </p:spTree>
+    <p:extLst>
+      <p:ext uri="{BB962C8B-B14F-4D97-AF65-F5344CB8AC3E}">
+        <p14:creationId xmlns:p14="http://schemas.microsoft.com/office/powerpoint/2010/main" val="2407438829"/>
+      </p:ext>
+    </p:extLst>
+  </p:cSld>
+  <p:clrMapOvr>
+    <a:masterClrMapping/>
+  </p:clrMapOvr>
+</p:sld>
+</file>
+
+<file path=ppt/slides/slide33.xml><?xml version="1.0" encoding="utf-8"?>
+<p:sld xmlns:a="http://schemas.openxmlformats.org/drawingml/2006/main" xmlns:r="http://schemas.openxmlformats.org/officeDocument/2006/relationships" xmlns:p="http://schemas.openxmlformats.org/presentationml/2006/main">
+  <p:cSld>
+    <p:spTree>
+      <p:nvGrpSpPr>
+        <p:cNvPr id="1" name="">
+          <a:extLst>
+            <a:ext uri="{FF2B5EF4-FFF2-40B4-BE49-F238E27FC236}">
+              <a16:creationId xmlns:a16="http://schemas.microsoft.com/office/drawing/2014/main" id="{99052162-7F62-341C-BB74-9B11F2C4F6D1}"/>
+            </a:ext>
+          </a:extLst>
+        </p:cNvPr>
+        <p:cNvGrpSpPr/>
+        <p:nvPr/>
+      </p:nvGrpSpPr>
+      <p:grpSpPr>
+        <a:xfrm>
+          <a:off x="0" y="0"/>
+          <a:ext cx="0" cy="0"/>
+          <a:chOff x="0" y="0"/>
+          <a:chExt cx="0" cy="0"/>
+        </a:xfrm>
+      </p:grpSpPr>
+      <p:sp>
+        <p:nvSpPr>
+          <p:cNvPr id="2" name="Retângulo 1">
+            <a:extLst>
+              <a:ext uri="{FF2B5EF4-FFF2-40B4-BE49-F238E27FC236}">
+                <a16:creationId xmlns:a16="http://schemas.microsoft.com/office/drawing/2014/main" id="{01211219-6E4C-2DE9-1AB0-CFEEF27F8D03}"/>
+              </a:ext>
+            </a:extLst>
+          </p:cNvPr>
+          <p:cNvSpPr/>
+          <p:nvPr/>
+        </p:nvSpPr>
+        <p:spPr>
+          <a:xfrm>
+            <a:off x="0" y="0"/>
+            <a:ext cx="12192000" cy="6858000"/>
+          </a:xfrm>
+          <a:prstGeom prst="rect">
+            <a:avLst/>
+          </a:prstGeom>
+          <a:solidFill>
+            <a:schemeClr val="tx1">
+              <a:lumMod val="95000"/>
+              <a:lumOff val="5000"/>
+            </a:schemeClr>
+          </a:solidFill>
+          <a:ln>
+            <a:noFill/>
+          </a:ln>
+        </p:spPr>
+        <p:style>
+          <a:lnRef idx="2">
+            <a:schemeClr val="accent1">
+              <a:shade val="15000"/>
+            </a:schemeClr>
+          </a:lnRef>
+          <a:fillRef idx="1">
+            <a:schemeClr val="accent1"/>
+          </a:fillRef>
+          <a:effectRef idx="0">
+            <a:schemeClr val="accent1"/>
+          </a:effectRef>
+          <a:fontRef idx="minor">
+            <a:schemeClr val="lt1"/>
+          </a:fontRef>
+        </p:style>
+        <p:txBody>
+          <a:bodyPr rtlCol="0" anchor="ctr"/>
+          <a:lstStyle/>
+          <a:p>
+            <a:pPr algn="ctr"/>
+            <a:endParaRPr lang="pt-BR"/>
+          </a:p>
+        </p:txBody>
+      </p:sp>
+    </p:spTree>
+    <p:extLst>
+      <p:ext uri="{BB962C8B-B14F-4D97-AF65-F5344CB8AC3E}">
+        <p14:creationId xmlns:p14="http://schemas.microsoft.com/office/powerpoint/2010/main" val="3206107953"/>
+      </p:ext>
+    </p:extLst>
+  </p:cSld>
+  <p:clrMapOvr>
+    <a:masterClrMapping/>
+  </p:clrMapOvr>
+</p:sld>
+</file>
+
 <file path=ppt/slides/slide4.xml><?xml version="1.0" encoding="utf-8"?>
+<p:sld xmlns:a="http://schemas.openxmlformats.org/drawingml/2006/main" xmlns:r="http://schemas.openxmlformats.org/officeDocument/2006/relationships" xmlns:p="http://schemas.openxmlformats.org/presentationml/2006/main">
+  <p:cSld>
+    <p:spTree>
+      <p:nvGrpSpPr>
+        <p:cNvPr id="1" name="">
+          <a:extLst>
+            <a:ext uri="{FF2B5EF4-FFF2-40B4-BE49-F238E27FC236}">
+              <a16:creationId xmlns:a16="http://schemas.microsoft.com/office/drawing/2014/main" id="{DD002C07-E1CE-B6A1-AB2D-92C3CC7927FB}"/>
+            </a:ext>
+          </a:extLst>
+        </p:cNvPr>
+        <p:cNvGrpSpPr/>
+        <p:nvPr/>
+      </p:nvGrpSpPr>
+      <p:grpSpPr>
+        <a:xfrm>
+          <a:off x="0" y="0"/>
+          <a:ext cx="0" cy="0"/>
+          <a:chOff x="0" y="0"/>
+          <a:chExt cx="0" cy="0"/>
+        </a:xfrm>
+      </p:grpSpPr>
+      <p:sp>
+        <p:nvSpPr>
+          <p:cNvPr id="2" name="Retângulo 1">
+            <a:extLst>
+              <a:ext uri="{FF2B5EF4-FFF2-40B4-BE49-F238E27FC236}">
+                <a16:creationId xmlns:a16="http://schemas.microsoft.com/office/drawing/2014/main" id="{34216EFD-A889-DE96-AA3D-32D9C9A941B7}"/>
+              </a:ext>
+            </a:extLst>
+          </p:cNvPr>
+          <p:cNvSpPr/>
+          <p:nvPr/>
+        </p:nvSpPr>
+        <p:spPr>
+          <a:xfrm>
+            <a:off x="0" y="0"/>
+            <a:ext cx="12192000" cy="6858000"/>
+          </a:xfrm>
+          <a:prstGeom prst="rect">
+            <a:avLst/>
+          </a:prstGeom>
+          <a:solidFill>
+            <a:schemeClr val="tx1">
+              <a:lumMod val="95000"/>
+              <a:lumOff val="5000"/>
+            </a:schemeClr>
+          </a:solidFill>
+          <a:ln>
+            <a:noFill/>
+          </a:ln>
+        </p:spPr>
+        <p:style>
+          <a:lnRef idx="2">
+            <a:schemeClr val="accent1">
+              <a:shade val="15000"/>
+            </a:schemeClr>
+          </a:lnRef>
+          <a:fillRef idx="1">
+            <a:schemeClr val="accent1"/>
+          </a:fillRef>
+          <a:effectRef idx="0">
+            <a:schemeClr val="accent1"/>
+          </a:effectRef>
+          <a:fontRef idx="minor">
+            <a:schemeClr val="lt1"/>
+          </a:fontRef>
+        </p:style>
+        <p:txBody>
+          <a:bodyPr rtlCol="0" anchor="ctr"/>
+          <a:lstStyle/>
+          <a:p>
+            <a:pPr algn="ctr"/>
+            <a:endParaRPr lang="pt-BR"/>
+          </a:p>
+        </p:txBody>
+      </p:sp>
+      <p:pic>
+        <p:nvPicPr>
+          <p:cNvPr id="3" name="Imagem 2" descr="Forma, Retângulo&#10;&#10;O conteúdo gerado por IA pode estar incorreto.">
+            <a:extLst>
+              <a:ext uri="{FF2B5EF4-FFF2-40B4-BE49-F238E27FC236}">
+                <a16:creationId xmlns:a16="http://schemas.microsoft.com/office/drawing/2014/main" id="{2DAFEFB6-42B4-8D3E-F4B6-4664F4F728A1}"/>
+              </a:ext>
+            </a:extLst>
+          </p:cNvPr>
+          <p:cNvPicPr>
+            <a:picLocks noChangeAspect="1"/>
+          </p:cNvPicPr>
+          <p:nvPr/>
+        </p:nvPicPr>
+        <p:blipFill>
+          <a:blip r:embed="rId2">
+            <a:extLst>
+              <a:ext uri="{28A0092B-C50C-407E-A947-70E740481C1C}">
+                <a14:useLocalDpi xmlns:a14="http://schemas.microsoft.com/office/drawing/2010/main" val="0"/>
+              </a:ext>
+            </a:extLst>
+          </a:blip>
+          <a:stretch>
+            <a:fillRect/>
+          </a:stretch>
+        </p:blipFill>
+        <p:spPr>
+          <a:xfrm>
+            <a:off x="2496000" y="623531"/>
+            <a:ext cx="7200000" cy="5610938"/>
+          </a:xfrm>
+          <a:prstGeom prst="rect">
+            <a:avLst/>
+          </a:prstGeom>
+        </p:spPr>
+      </p:pic>
+      <p:cxnSp>
+        <p:nvCxnSpPr>
+          <p:cNvPr id="5" name="Conector de Seta Reta 4">
+            <a:extLst>
+              <a:ext uri="{FF2B5EF4-FFF2-40B4-BE49-F238E27FC236}">
+                <a16:creationId xmlns:a16="http://schemas.microsoft.com/office/drawing/2014/main" id="{291C468A-D839-7B0E-28C3-A91A063C4963}"/>
+              </a:ext>
+            </a:extLst>
+          </p:cNvPr>
+          <p:cNvCxnSpPr>
+            <a:cxnSpLocks/>
+          </p:cNvCxnSpPr>
+          <p:nvPr/>
+        </p:nvCxnSpPr>
+        <p:spPr>
+          <a:xfrm flipV="1">
+            <a:off x="6096000" y="501307"/>
+            <a:ext cx="0" cy="2927693"/>
+          </a:xfrm>
+          <a:prstGeom prst="straightConnector1">
+            <a:avLst/>
+          </a:prstGeom>
+          <a:ln w="76200">
+            <a:solidFill>
+              <a:srgbClr val="00B050"/>
+            </a:solidFill>
+            <a:tailEnd type="triangle"/>
+          </a:ln>
+        </p:spPr>
+        <p:style>
+          <a:lnRef idx="2">
+            <a:schemeClr val="accent1"/>
+          </a:lnRef>
+          <a:fillRef idx="0">
+            <a:schemeClr val="accent1"/>
+          </a:fillRef>
+          <a:effectRef idx="1">
+            <a:schemeClr val="accent1"/>
+          </a:effectRef>
+          <a:fontRef idx="minor">
+            <a:schemeClr val="tx1"/>
+          </a:fontRef>
+        </p:style>
+      </p:cxnSp>
+      <p:cxnSp>
+        <p:nvCxnSpPr>
+          <p:cNvPr id="7" name="Conector de Seta Reta 6">
+            <a:extLst>
+              <a:ext uri="{FF2B5EF4-FFF2-40B4-BE49-F238E27FC236}">
+                <a16:creationId xmlns:a16="http://schemas.microsoft.com/office/drawing/2014/main" id="{338F8E9B-5228-8EDB-F5ED-186EEAA40B27}"/>
+              </a:ext>
+            </a:extLst>
+          </p:cNvPr>
+          <p:cNvCxnSpPr>
+            <a:cxnSpLocks/>
+          </p:cNvCxnSpPr>
+          <p:nvPr/>
+        </p:nvCxnSpPr>
+        <p:spPr>
+          <a:xfrm>
+            <a:off x="6096000" y="3429000"/>
+            <a:ext cx="3705225" cy="0"/>
+          </a:xfrm>
+          <a:prstGeom prst="straightConnector1">
+            <a:avLst/>
+          </a:prstGeom>
+          <a:ln w="76200">
+            <a:solidFill>
+              <a:srgbClr val="FF0000"/>
+            </a:solidFill>
+            <a:tailEnd type="triangle"/>
+          </a:ln>
+        </p:spPr>
+        <p:style>
+          <a:lnRef idx="2">
+            <a:schemeClr val="accent1"/>
+          </a:lnRef>
+          <a:fillRef idx="0">
+            <a:schemeClr val="accent1"/>
+          </a:fillRef>
+          <a:effectRef idx="1">
+            <a:schemeClr val="accent1"/>
+          </a:effectRef>
+          <a:fontRef idx="minor">
+            <a:schemeClr val="tx1"/>
+          </a:fontRef>
+        </p:style>
+      </p:cxnSp>
+      <p:sp>
+        <p:nvSpPr>
+          <p:cNvPr id="8" name="CaixaDeTexto 7">
+            <a:extLst>
+              <a:ext uri="{FF2B5EF4-FFF2-40B4-BE49-F238E27FC236}">
+                <a16:creationId xmlns:a16="http://schemas.microsoft.com/office/drawing/2014/main" id="{396B32DE-94A1-4531-1DE1-7CCF98442DD1}"/>
+              </a:ext>
+            </a:extLst>
+          </p:cNvPr>
+          <p:cNvSpPr txBox="1"/>
+          <p:nvPr/>
+        </p:nvSpPr>
+        <p:spPr>
+          <a:xfrm>
+            <a:off x="5941150" y="65988"/>
+            <a:ext cx="309700" cy="369332"/>
+          </a:xfrm>
+          <a:prstGeom prst="rect">
+            <a:avLst/>
+          </a:prstGeom>
+          <a:noFill/>
+        </p:spPr>
+        <p:txBody>
+          <a:bodyPr wrap="none" rtlCol="0">
+            <a:spAutoFit/>
+          </a:bodyPr>
+          <a:lstStyle/>
+          <a:p>
+            <a:r>
+              <a:rPr lang="pt-BR" dirty="0">
+                <a:solidFill>
+                  <a:schemeClr val="bg1"/>
+                </a:solidFill>
+              </a:rPr>
+              <a:t>Y</a:t>
+            </a:r>
+          </a:p>
+        </p:txBody>
+      </p:sp>
+      <p:sp>
+        <p:nvSpPr>
+          <p:cNvPr id="9" name="CaixaDeTexto 8">
+            <a:extLst>
+              <a:ext uri="{FF2B5EF4-FFF2-40B4-BE49-F238E27FC236}">
+                <a16:creationId xmlns:a16="http://schemas.microsoft.com/office/drawing/2014/main" id="{FB3FE21E-29D4-F6AB-F4F6-3433C53540BD}"/>
+              </a:ext>
+            </a:extLst>
+          </p:cNvPr>
+          <p:cNvSpPr txBox="1"/>
+          <p:nvPr/>
+        </p:nvSpPr>
+        <p:spPr>
+          <a:xfrm>
+            <a:off x="10619693" y="3244334"/>
+            <a:ext cx="312906" cy="369332"/>
+          </a:xfrm>
+          <a:prstGeom prst="rect">
+            <a:avLst/>
+          </a:prstGeom>
+          <a:noFill/>
+        </p:spPr>
+        <p:txBody>
+          <a:bodyPr wrap="none" rtlCol="0">
+            <a:spAutoFit/>
+          </a:bodyPr>
+          <a:lstStyle/>
+          <a:p>
+            <a:r>
+              <a:rPr lang="pt-BR" dirty="0">
+                <a:solidFill>
+                  <a:schemeClr val="bg1"/>
+                </a:solidFill>
+              </a:rPr>
+              <a:t>X</a:t>
+            </a:r>
+          </a:p>
+        </p:txBody>
+      </p:sp>
+      <p:cxnSp>
+        <p:nvCxnSpPr>
+          <p:cNvPr id="16" name="Conector de Seta Reta 15">
+            <a:extLst>
+              <a:ext uri="{FF2B5EF4-FFF2-40B4-BE49-F238E27FC236}">
+                <a16:creationId xmlns:a16="http://schemas.microsoft.com/office/drawing/2014/main" id="{FC1A8584-59D9-30B6-66C8-261F28CE6E36}"/>
+              </a:ext>
+            </a:extLst>
+          </p:cNvPr>
+          <p:cNvCxnSpPr>
+            <a:cxnSpLocks/>
+          </p:cNvCxnSpPr>
+          <p:nvPr/>
+        </p:nvCxnSpPr>
+        <p:spPr>
+          <a:xfrm flipH="1">
+            <a:off x="2390775" y="3429000"/>
+            <a:ext cx="3705225" cy="0"/>
+          </a:xfrm>
+          <a:prstGeom prst="straightConnector1">
+            <a:avLst/>
+          </a:prstGeom>
+          <a:ln w="76200">
+            <a:solidFill>
+              <a:schemeClr val="tx1">
+                <a:lumMod val="50000"/>
+                <a:lumOff val="50000"/>
+              </a:schemeClr>
+            </a:solidFill>
+            <a:tailEnd type="triangle"/>
+          </a:ln>
+        </p:spPr>
+        <p:style>
+          <a:lnRef idx="2">
+            <a:schemeClr val="accent1"/>
+          </a:lnRef>
+          <a:fillRef idx="0">
+            <a:schemeClr val="accent1"/>
+          </a:fillRef>
+          <a:effectRef idx="1">
+            <a:schemeClr val="accent1"/>
+          </a:effectRef>
+          <a:fontRef idx="minor">
+            <a:schemeClr val="tx1"/>
+          </a:fontRef>
+        </p:style>
+      </p:cxnSp>
+      <p:cxnSp>
+        <p:nvCxnSpPr>
+          <p:cNvPr id="11" name="Conector reto 10">
+            <a:extLst>
+              <a:ext uri="{FF2B5EF4-FFF2-40B4-BE49-F238E27FC236}">
+                <a16:creationId xmlns:a16="http://schemas.microsoft.com/office/drawing/2014/main" id="{51598AE8-2E64-360F-20D5-E4A22048B0F9}"/>
+              </a:ext>
+            </a:extLst>
+          </p:cNvPr>
+          <p:cNvCxnSpPr>
+            <a:cxnSpLocks/>
+            <a:stCxn id="3" idx="1"/>
+            <a:endCxn id="3" idx="3"/>
+          </p:cNvCxnSpPr>
+          <p:nvPr/>
+        </p:nvCxnSpPr>
+        <p:spPr>
+          <a:xfrm>
+            <a:off x="2496000" y="3429000"/>
+            <a:ext cx="7200000" cy="0"/>
+          </a:xfrm>
+          <a:prstGeom prst="line">
+            <a:avLst/>
+          </a:prstGeom>
+          <a:ln>
+            <a:solidFill>
+              <a:schemeClr val="tx1"/>
+            </a:solidFill>
+            <a:prstDash val="dash"/>
+          </a:ln>
+        </p:spPr>
+        <p:style>
+          <a:lnRef idx="2">
+            <a:schemeClr val="accent1"/>
+          </a:lnRef>
+          <a:fillRef idx="0">
+            <a:schemeClr val="accent1"/>
+          </a:fillRef>
+          <a:effectRef idx="1">
+            <a:schemeClr val="accent1"/>
+          </a:effectRef>
+          <a:fontRef idx="minor">
+            <a:schemeClr val="tx1"/>
+          </a:fontRef>
+        </p:style>
+      </p:cxnSp>
+      <p:cxnSp>
+        <p:nvCxnSpPr>
+          <p:cNvPr id="17" name="Conector de Seta Reta 16">
+            <a:extLst>
+              <a:ext uri="{FF2B5EF4-FFF2-40B4-BE49-F238E27FC236}">
+                <a16:creationId xmlns:a16="http://schemas.microsoft.com/office/drawing/2014/main" id="{BF691D81-EED8-8DAC-A870-53B7A50E2CFF}"/>
+              </a:ext>
+            </a:extLst>
+          </p:cNvPr>
+          <p:cNvCxnSpPr>
+            <a:cxnSpLocks/>
+          </p:cNvCxnSpPr>
+          <p:nvPr/>
+        </p:nvCxnSpPr>
+        <p:spPr>
+          <a:xfrm>
+            <a:off x="6096000" y="3429000"/>
+            <a:ext cx="0" cy="2927693"/>
+          </a:xfrm>
+          <a:prstGeom prst="straightConnector1">
+            <a:avLst/>
+          </a:prstGeom>
+          <a:ln w="76200">
+            <a:solidFill>
+              <a:schemeClr val="tx1">
+                <a:lumMod val="50000"/>
+                <a:lumOff val="50000"/>
+              </a:schemeClr>
+            </a:solidFill>
+            <a:tailEnd type="triangle"/>
+          </a:ln>
+        </p:spPr>
+        <p:style>
+          <a:lnRef idx="2">
+            <a:schemeClr val="accent1"/>
+          </a:lnRef>
+          <a:fillRef idx="0">
+            <a:schemeClr val="accent1"/>
+          </a:fillRef>
+          <a:effectRef idx="1">
+            <a:schemeClr val="accent1"/>
+          </a:effectRef>
+          <a:fontRef idx="minor">
+            <a:schemeClr val="tx1"/>
+          </a:fontRef>
+        </p:style>
+      </p:cxnSp>
+      <p:cxnSp>
+        <p:nvCxnSpPr>
+          <p:cNvPr id="6" name="Conector reto 5">
+            <a:extLst>
+              <a:ext uri="{FF2B5EF4-FFF2-40B4-BE49-F238E27FC236}">
+                <a16:creationId xmlns:a16="http://schemas.microsoft.com/office/drawing/2014/main" id="{E6FC70B7-4981-0F64-CE06-A899DCEAE4BD}"/>
+              </a:ext>
+            </a:extLst>
+          </p:cNvPr>
+          <p:cNvCxnSpPr>
+            <a:cxnSpLocks/>
+            <a:stCxn id="3" idx="0"/>
+            <a:endCxn id="3" idx="2"/>
+          </p:cNvCxnSpPr>
+          <p:nvPr/>
+        </p:nvCxnSpPr>
+        <p:spPr>
+          <a:xfrm>
+            <a:off x="6096000" y="623531"/>
+            <a:ext cx="0" cy="5610938"/>
+          </a:xfrm>
+          <a:prstGeom prst="line">
+            <a:avLst/>
+          </a:prstGeom>
+          <a:ln>
+            <a:solidFill>
+              <a:schemeClr val="tx1"/>
+            </a:solidFill>
+            <a:prstDash val="dash"/>
+          </a:ln>
+        </p:spPr>
+        <p:style>
+          <a:lnRef idx="2">
+            <a:schemeClr val="accent1"/>
+          </a:lnRef>
+          <a:fillRef idx="0">
+            <a:schemeClr val="accent1"/>
+          </a:fillRef>
+          <a:effectRef idx="1">
+            <a:schemeClr val="accent1"/>
+          </a:effectRef>
+          <a:fontRef idx="minor">
+            <a:schemeClr val="tx1"/>
+          </a:fontRef>
+        </p:style>
+      </p:cxnSp>
+      <p:sp>
+        <p:nvSpPr>
+          <p:cNvPr id="18" name="CaixaDeTexto 17">
+            <a:extLst>
+              <a:ext uri="{FF2B5EF4-FFF2-40B4-BE49-F238E27FC236}">
+                <a16:creationId xmlns:a16="http://schemas.microsoft.com/office/drawing/2014/main" id="{F88335C1-8E64-A6BB-EA40-A3ABB66DEC65}"/>
+              </a:ext>
+            </a:extLst>
+          </p:cNvPr>
+          <p:cNvSpPr txBox="1"/>
+          <p:nvPr/>
+        </p:nvSpPr>
+        <p:spPr>
+          <a:xfrm>
+            <a:off x="5384885" y="3238354"/>
+            <a:ext cx="1451038" cy="369332"/>
+          </a:xfrm>
+          <a:prstGeom prst="rect">
+            <a:avLst/>
+          </a:prstGeom>
+          <a:noFill/>
+        </p:spPr>
+        <p:txBody>
+          <a:bodyPr wrap="none" rtlCol="0">
+            <a:spAutoFit/>
+          </a:bodyPr>
+          <a:lstStyle/>
+          <a:p>
+            <a:r>
+              <a:rPr lang="pt-BR" dirty="0">
+                <a:solidFill>
+                  <a:srgbClr val="FFFF00"/>
+                </a:solidFill>
+                <a:effectLst>
+                  <a:glow rad="63500">
+                    <a:schemeClr val="tx1"/>
+                  </a:glow>
+                </a:effectLst>
+                <a:latin typeface="Consolas" panose="020B0609020204030204" pitchFamily="49" charset="0"/>
+              </a:rPr>
+              <a:t>0.0f, 0.0f</a:t>
+            </a:r>
+          </a:p>
+        </p:txBody>
+      </p:sp>
+      <p:sp>
+        <p:nvSpPr>
+          <p:cNvPr id="19" name="CaixaDeTexto 18">
+            <a:extLst>
+              <a:ext uri="{FF2B5EF4-FFF2-40B4-BE49-F238E27FC236}">
+                <a16:creationId xmlns:a16="http://schemas.microsoft.com/office/drawing/2014/main" id="{052968F9-E83F-4287-14ED-51F52D59C63B}"/>
+              </a:ext>
+            </a:extLst>
+          </p:cNvPr>
+          <p:cNvSpPr txBox="1"/>
+          <p:nvPr/>
+        </p:nvSpPr>
+        <p:spPr>
+          <a:xfrm>
+            <a:off x="1707162" y="3238499"/>
+            <a:ext cx="1577676" cy="369332"/>
+          </a:xfrm>
+          <a:prstGeom prst="rect">
+            <a:avLst/>
+          </a:prstGeom>
+          <a:noFill/>
+        </p:spPr>
+        <p:txBody>
+          <a:bodyPr wrap="none" rtlCol="0">
+            <a:spAutoFit/>
+          </a:bodyPr>
+          <a:lstStyle/>
+          <a:p>
+            <a:r>
+              <a:rPr lang="pt-BR" dirty="0">
+                <a:solidFill>
+                  <a:srgbClr val="FFFF00"/>
+                </a:solidFill>
+                <a:effectLst>
+                  <a:glow rad="63500">
+                    <a:schemeClr val="tx1"/>
+                  </a:glow>
+                </a:effectLst>
+                <a:latin typeface="Consolas" panose="020B0609020204030204" pitchFamily="49" charset="0"/>
+              </a:rPr>
+              <a:t>-1.0f, 0.0f</a:t>
+            </a:r>
+          </a:p>
+        </p:txBody>
+      </p:sp>
+      <p:sp>
+        <p:nvSpPr>
+          <p:cNvPr id="20" name="CaixaDeTexto 19">
+            <a:extLst>
+              <a:ext uri="{FF2B5EF4-FFF2-40B4-BE49-F238E27FC236}">
+                <a16:creationId xmlns:a16="http://schemas.microsoft.com/office/drawing/2014/main" id="{4709A324-AA1C-6E88-8768-8BB82F8D6801}"/>
+              </a:ext>
+            </a:extLst>
+          </p:cNvPr>
+          <p:cNvSpPr txBox="1"/>
+          <p:nvPr/>
+        </p:nvSpPr>
+        <p:spPr>
+          <a:xfrm>
+            <a:off x="8976993" y="3234464"/>
+            <a:ext cx="1451038" cy="369332"/>
+          </a:xfrm>
+          <a:prstGeom prst="rect">
+            <a:avLst/>
+          </a:prstGeom>
+          <a:noFill/>
+        </p:spPr>
+        <p:txBody>
+          <a:bodyPr wrap="none" rtlCol="0">
+            <a:spAutoFit/>
+          </a:bodyPr>
+          <a:lstStyle/>
+          <a:p>
+            <a:r>
+              <a:rPr lang="pt-BR" dirty="0">
+                <a:solidFill>
+                  <a:srgbClr val="FFFF00"/>
+                </a:solidFill>
+                <a:effectLst>
+                  <a:glow rad="63500">
+                    <a:schemeClr val="tx1"/>
+                  </a:glow>
+                </a:effectLst>
+                <a:latin typeface="Consolas" panose="020B0609020204030204" pitchFamily="49" charset="0"/>
+              </a:rPr>
+              <a:t>1.0f, 0.0f</a:t>
+            </a:r>
+          </a:p>
+        </p:txBody>
+      </p:sp>
+      <p:sp>
+        <p:nvSpPr>
+          <p:cNvPr id="21" name="CaixaDeTexto 20">
+            <a:extLst>
+              <a:ext uri="{FF2B5EF4-FFF2-40B4-BE49-F238E27FC236}">
+                <a16:creationId xmlns:a16="http://schemas.microsoft.com/office/drawing/2014/main" id="{A08784AF-5343-B69E-F713-ABB8A94CED25}"/>
+              </a:ext>
+            </a:extLst>
+          </p:cNvPr>
+          <p:cNvSpPr txBox="1"/>
+          <p:nvPr/>
+        </p:nvSpPr>
+        <p:spPr>
+          <a:xfrm>
+            <a:off x="5358506" y="665177"/>
+            <a:ext cx="1451038" cy="369332"/>
+          </a:xfrm>
+          <a:prstGeom prst="rect">
+            <a:avLst/>
+          </a:prstGeom>
+          <a:noFill/>
+        </p:spPr>
+        <p:txBody>
+          <a:bodyPr wrap="none" rtlCol="0">
+            <a:spAutoFit/>
+          </a:bodyPr>
+          <a:lstStyle/>
+          <a:p>
+            <a:r>
+              <a:rPr lang="pt-BR" dirty="0">
+                <a:solidFill>
+                  <a:srgbClr val="FFFF00"/>
+                </a:solidFill>
+                <a:effectLst>
+                  <a:glow rad="63500">
+                    <a:schemeClr val="tx1"/>
+                  </a:glow>
+                </a:effectLst>
+                <a:latin typeface="Consolas" panose="020B0609020204030204" pitchFamily="49" charset="0"/>
+              </a:rPr>
+              <a:t>0.0f, 1.0f</a:t>
+            </a:r>
+          </a:p>
+        </p:txBody>
+      </p:sp>
+      <p:sp>
+        <p:nvSpPr>
+          <p:cNvPr id="22" name="CaixaDeTexto 21">
+            <a:extLst>
+              <a:ext uri="{FF2B5EF4-FFF2-40B4-BE49-F238E27FC236}">
+                <a16:creationId xmlns:a16="http://schemas.microsoft.com/office/drawing/2014/main" id="{9584593D-1178-DAFA-4C7F-FAFE43D3BE89}"/>
+              </a:ext>
+            </a:extLst>
+          </p:cNvPr>
+          <p:cNvSpPr txBox="1"/>
+          <p:nvPr/>
+        </p:nvSpPr>
+        <p:spPr>
+          <a:xfrm>
+            <a:off x="1680783" y="665322"/>
+            <a:ext cx="1577676" cy="369332"/>
+          </a:xfrm>
+          <a:prstGeom prst="rect">
+            <a:avLst/>
+          </a:prstGeom>
+          <a:noFill/>
+        </p:spPr>
+        <p:txBody>
+          <a:bodyPr wrap="none" rtlCol="0">
+            <a:spAutoFit/>
+          </a:bodyPr>
+          <a:lstStyle/>
+          <a:p>
+            <a:r>
+              <a:rPr lang="pt-BR" dirty="0">
+                <a:solidFill>
+                  <a:srgbClr val="FFFF00"/>
+                </a:solidFill>
+                <a:effectLst>
+                  <a:glow rad="63500">
+                    <a:schemeClr val="tx1"/>
+                  </a:glow>
+                </a:effectLst>
+                <a:latin typeface="Consolas" panose="020B0609020204030204" pitchFamily="49" charset="0"/>
+              </a:rPr>
+              <a:t>-1.0f, 1.0f</a:t>
+            </a:r>
+          </a:p>
+        </p:txBody>
+      </p:sp>
+      <p:sp>
+        <p:nvSpPr>
+          <p:cNvPr id="23" name="CaixaDeTexto 22">
+            <a:extLst>
+              <a:ext uri="{FF2B5EF4-FFF2-40B4-BE49-F238E27FC236}">
+                <a16:creationId xmlns:a16="http://schemas.microsoft.com/office/drawing/2014/main" id="{CF4E505C-F703-FB48-DFD3-A8EDB67AE1F9}"/>
+              </a:ext>
+            </a:extLst>
+          </p:cNvPr>
+          <p:cNvSpPr txBox="1"/>
+          <p:nvPr/>
+        </p:nvSpPr>
+        <p:spPr>
+          <a:xfrm>
+            <a:off x="8950614" y="661287"/>
+            <a:ext cx="1451038" cy="369332"/>
+          </a:xfrm>
+          <a:prstGeom prst="rect">
+            <a:avLst/>
+          </a:prstGeom>
+          <a:noFill/>
+        </p:spPr>
+        <p:txBody>
+          <a:bodyPr wrap="none" rtlCol="0">
+            <a:spAutoFit/>
+          </a:bodyPr>
+          <a:lstStyle/>
+          <a:p>
+            <a:r>
+              <a:rPr lang="pt-BR" dirty="0">
+                <a:solidFill>
+                  <a:srgbClr val="FFFF00"/>
+                </a:solidFill>
+                <a:effectLst>
+                  <a:glow rad="63500">
+                    <a:schemeClr val="tx1"/>
+                  </a:glow>
+                </a:effectLst>
+                <a:latin typeface="Consolas" panose="020B0609020204030204" pitchFamily="49" charset="0"/>
+              </a:rPr>
+              <a:t>1.0f, 1.0f</a:t>
+            </a:r>
+          </a:p>
+        </p:txBody>
+      </p:sp>
+      <p:sp>
+        <p:nvSpPr>
+          <p:cNvPr id="24" name="CaixaDeTexto 23">
+            <a:extLst>
+              <a:ext uri="{FF2B5EF4-FFF2-40B4-BE49-F238E27FC236}">
+                <a16:creationId xmlns:a16="http://schemas.microsoft.com/office/drawing/2014/main" id="{6903FEB3-85EC-4000-5438-2EF34A286C52}"/>
+              </a:ext>
+            </a:extLst>
+          </p:cNvPr>
+          <p:cNvSpPr txBox="1"/>
+          <p:nvPr/>
+        </p:nvSpPr>
+        <p:spPr>
+          <a:xfrm>
+            <a:off x="5291831" y="6045622"/>
+            <a:ext cx="1577676" cy="369332"/>
+          </a:xfrm>
+          <a:prstGeom prst="rect">
+            <a:avLst/>
+          </a:prstGeom>
+          <a:noFill/>
+        </p:spPr>
+        <p:txBody>
+          <a:bodyPr wrap="none" rtlCol="0">
+            <a:spAutoFit/>
+          </a:bodyPr>
+          <a:lstStyle/>
+          <a:p>
+            <a:r>
+              <a:rPr lang="pt-BR" dirty="0">
+                <a:solidFill>
+                  <a:srgbClr val="FFFF00"/>
+                </a:solidFill>
+                <a:effectLst>
+                  <a:glow rad="63500">
+                    <a:schemeClr val="tx1"/>
+                  </a:glow>
+                </a:effectLst>
+                <a:latin typeface="Consolas" panose="020B0609020204030204" pitchFamily="49" charset="0"/>
+              </a:rPr>
+              <a:t>0.0f, -1.0f</a:t>
+            </a:r>
+          </a:p>
+        </p:txBody>
+      </p:sp>
+      <p:sp>
+        <p:nvSpPr>
+          <p:cNvPr id="25" name="CaixaDeTexto 24">
+            <a:extLst>
+              <a:ext uri="{FF2B5EF4-FFF2-40B4-BE49-F238E27FC236}">
+                <a16:creationId xmlns:a16="http://schemas.microsoft.com/office/drawing/2014/main" id="{AD2E8102-1563-6C87-6A00-B20C08A32D48}"/>
+              </a:ext>
+            </a:extLst>
+          </p:cNvPr>
+          <p:cNvSpPr txBox="1"/>
+          <p:nvPr/>
+        </p:nvSpPr>
+        <p:spPr>
+          <a:xfrm>
+            <a:off x="1642683" y="6045767"/>
+            <a:ext cx="1704313" cy="369332"/>
+          </a:xfrm>
+          <a:prstGeom prst="rect">
+            <a:avLst/>
+          </a:prstGeom>
+          <a:noFill/>
+        </p:spPr>
+        <p:txBody>
+          <a:bodyPr wrap="none" rtlCol="0">
+            <a:spAutoFit/>
+          </a:bodyPr>
+          <a:lstStyle/>
+          <a:p>
+            <a:r>
+              <a:rPr lang="pt-BR" dirty="0">
+                <a:solidFill>
+                  <a:srgbClr val="FFFF00"/>
+                </a:solidFill>
+                <a:effectLst>
+                  <a:glow rad="63500">
+                    <a:schemeClr val="tx1"/>
+                  </a:glow>
+                </a:effectLst>
+                <a:latin typeface="Consolas" panose="020B0609020204030204" pitchFamily="49" charset="0"/>
+              </a:rPr>
+              <a:t>-1.0f, -1.0f</a:t>
+            </a:r>
+          </a:p>
+        </p:txBody>
+      </p:sp>
+      <p:sp>
+        <p:nvSpPr>
+          <p:cNvPr id="26" name="CaixaDeTexto 25">
+            <a:extLst>
+              <a:ext uri="{FF2B5EF4-FFF2-40B4-BE49-F238E27FC236}">
+                <a16:creationId xmlns:a16="http://schemas.microsoft.com/office/drawing/2014/main" id="{25E41409-07BF-F654-A036-B9F27303E0CB}"/>
+              </a:ext>
+            </a:extLst>
+          </p:cNvPr>
+          <p:cNvSpPr txBox="1"/>
+          <p:nvPr/>
+        </p:nvSpPr>
+        <p:spPr>
+          <a:xfrm>
+            <a:off x="8922039" y="6041732"/>
+            <a:ext cx="1577676" cy="369332"/>
+          </a:xfrm>
+          <a:prstGeom prst="rect">
+            <a:avLst/>
+          </a:prstGeom>
+          <a:noFill/>
+        </p:spPr>
+        <p:txBody>
+          <a:bodyPr wrap="none" rtlCol="0">
+            <a:spAutoFit/>
+          </a:bodyPr>
+          <a:lstStyle/>
+          <a:p>
+            <a:r>
+              <a:rPr lang="pt-BR" dirty="0">
+                <a:solidFill>
+                  <a:srgbClr val="FFFF00"/>
+                </a:solidFill>
+                <a:effectLst>
+                  <a:glow rad="63500">
+                    <a:schemeClr val="tx1"/>
+                  </a:glow>
+                </a:effectLst>
+                <a:latin typeface="Consolas" panose="020B0609020204030204" pitchFamily="49" charset="0"/>
+              </a:rPr>
+              <a:t>1.0f, -1.0f</a:t>
+            </a:r>
+          </a:p>
+        </p:txBody>
+      </p:sp>
+      <p:sp>
+        <p:nvSpPr>
+          <p:cNvPr id="4" name="CaixaDeTexto 3">
+            <a:extLst>
+              <a:ext uri="{FF2B5EF4-FFF2-40B4-BE49-F238E27FC236}">
+                <a16:creationId xmlns:a16="http://schemas.microsoft.com/office/drawing/2014/main" id="{10FA1F7D-D46C-147A-CBE2-B9CA08D8A76C}"/>
+              </a:ext>
+            </a:extLst>
+          </p:cNvPr>
+          <p:cNvSpPr txBox="1"/>
+          <p:nvPr/>
+        </p:nvSpPr>
+        <p:spPr>
+          <a:xfrm>
+            <a:off x="3391230" y="4647069"/>
+            <a:ext cx="1704313" cy="369332"/>
+          </a:xfrm>
+          <a:prstGeom prst="rect">
+            <a:avLst/>
+          </a:prstGeom>
+          <a:noFill/>
+        </p:spPr>
+        <p:txBody>
+          <a:bodyPr wrap="none" rtlCol="0">
+            <a:spAutoFit/>
+          </a:bodyPr>
+          <a:lstStyle/>
+          <a:p>
+            <a:r>
+              <a:rPr lang="pt-BR" dirty="0">
+                <a:solidFill>
+                  <a:srgbClr val="FFFF00"/>
+                </a:solidFill>
+                <a:effectLst>
+                  <a:glow rad="63500">
+                    <a:schemeClr val="tx1"/>
+                  </a:glow>
+                </a:effectLst>
+                <a:latin typeface="Consolas" panose="020B0609020204030204" pitchFamily="49" charset="0"/>
+              </a:rPr>
+              <a:t>-0.5f, -0.5f</a:t>
+            </a:r>
+          </a:p>
+        </p:txBody>
+      </p:sp>
+      <p:sp>
+        <p:nvSpPr>
+          <p:cNvPr id="10" name="CaixaDeTexto 9">
+            <a:extLst>
+              <a:ext uri="{FF2B5EF4-FFF2-40B4-BE49-F238E27FC236}">
+                <a16:creationId xmlns:a16="http://schemas.microsoft.com/office/drawing/2014/main" id="{E60BEE7E-934C-99CE-1FAA-E26CE89A9678}"/>
+              </a:ext>
+            </a:extLst>
+          </p:cNvPr>
+          <p:cNvSpPr txBox="1"/>
+          <p:nvPr/>
+        </p:nvSpPr>
+        <p:spPr>
+          <a:xfrm>
+            <a:off x="7216892" y="4647069"/>
+            <a:ext cx="1577676" cy="369332"/>
+          </a:xfrm>
+          <a:prstGeom prst="rect">
+            <a:avLst/>
+          </a:prstGeom>
+          <a:noFill/>
+        </p:spPr>
+        <p:txBody>
+          <a:bodyPr wrap="none" rtlCol="0">
+            <a:spAutoFit/>
+          </a:bodyPr>
+          <a:lstStyle/>
+          <a:p>
+            <a:r>
+              <a:rPr lang="pt-BR" dirty="0">
+                <a:solidFill>
+                  <a:srgbClr val="FFFF00"/>
+                </a:solidFill>
+                <a:effectLst>
+                  <a:glow rad="63500">
+                    <a:schemeClr val="tx1"/>
+                  </a:glow>
+                </a:effectLst>
+                <a:latin typeface="Consolas" panose="020B0609020204030204" pitchFamily="49" charset="0"/>
+              </a:rPr>
+              <a:t>0.5f, -0.5f</a:t>
+            </a:r>
+          </a:p>
+        </p:txBody>
+      </p:sp>
+      <p:sp>
+        <p:nvSpPr>
+          <p:cNvPr id="12" name="CaixaDeTexto 11">
+            <a:extLst>
+              <a:ext uri="{FF2B5EF4-FFF2-40B4-BE49-F238E27FC236}">
+                <a16:creationId xmlns:a16="http://schemas.microsoft.com/office/drawing/2014/main" id="{91C52AA6-B282-55EB-2109-1A65784D9860}"/>
+              </a:ext>
+            </a:extLst>
+          </p:cNvPr>
+          <p:cNvSpPr txBox="1"/>
+          <p:nvPr/>
+        </p:nvSpPr>
+        <p:spPr>
+          <a:xfrm>
+            <a:off x="5383362" y="1586296"/>
+            <a:ext cx="1451038" cy="369332"/>
+          </a:xfrm>
+          <a:prstGeom prst="rect">
+            <a:avLst/>
+          </a:prstGeom>
+          <a:noFill/>
+        </p:spPr>
+        <p:txBody>
+          <a:bodyPr wrap="none" rtlCol="0">
+            <a:spAutoFit/>
+          </a:bodyPr>
+          <a:lstStyle/>
+          <a:p>
+            <a:r>
+              <a:rPr lang="pt-BR" dirty="0">
+                <a:solidFill>
+                  <a:srgbClr val="FFFF00"/>
+                </a:solidFill>
+                <a:effectLst>
+                  <a:glow rad="63500">
+                    <a:schemeClr val="tx1"/>
+                  </a:glow>
+                </a:effectLst>
+                <a:latin typeface="Consolas" panose="020B0609020204030204" pitchFamily="49" charset="0"/>
+              </a:rPr>
+              <a:t>0.0f, 0.5f</a:t>
+            </a:r>
+          </a:p>
+        </p:txBody>
+      </p:sp>
+    </p:spTree>
+    <p:extLst>
+      <p:ext uri="{BB962C8B-B14F-4D97-AF65-F5344CB8AC3E}">
+        <p14:creationId xmlns:p14="http://schemas.microsoft.com/office/powerpoint/2010/main" val="1238513023"/>
+      </p:ext>
+    </p:extLst>
+  </p:cSld>
+  <p:clrMapOvr>
+    <a:masterClrMapping/>
+  </p:clrMapOvr>
+</p:sld>
+</file>
+
+<file path=ppt/slides/slide5.xml><?xml version="1.0" encoding="utf-8"?>
 <p:sld xmlns:a="http://schemas.openxmlformats.org/drawingml/2006/main" xmlns:r="http://schemas.openxmlformats.org/officeDocument/2006/relationships" xmlns:p="http://schemas.openxmlformats.org/presentationml/2006/main">
   <p:cSld>
     <p:spTree>
@@ -13980,7 +19521,7 @@
 </p:sld>
 </file>
 
-<file path=ppt/slides/slide5.xml><?xml version="1.0" encoding="utf-8"?>
+<file path=ppt/slides/slide6.xml><?xml version="1.0" encoding="utf-8"?>
 <p:sld xmlns:a="http://schemas.openxmlformats.org/drawingml/2006/main" xmlns:r="http://schemas.openxmlformats.org/officeDocument/2006/relationships" xmlns:p="http://schemas.openxmlformats.org/presentationml/2006/main">
   <p:cSld>
     <p:spTree>
@@ -14640,7 +20181,7 @@
 </p:sld>
 </file>
 
-<file path=ppt/slides/slide6.xml><?xml version="1.0" encoding="utf-8"?>
+<file path=ppt/slides/slide7.xml><?xml version="1.0" encoding="utf-8"?>
 <p:sld xmlns:a="http://schemas.openxmlformats.org/drawingml/2006/main" xmlns:r="http://schemas.openxmlformats.org/officeDocument/2006/relationships" xmlns:p="http://schemas.openxmlformats.org/presentationml/2006/main">
   <p:cSld>
     <p:spTree>
@@ -15340,7 +20881,7 @@
 </p:sld>
 </file>
 
-<file path=ppt/slides/slide7.xml><?xml version="1.0" encoding="utf-8"?>
+<file path=ppt/slides/slide8.xml><?xml version="1.0" encoding="utf-8"?>
 <p:sld xmlns:a="http://schemas.openxmlformats.org/drawingml/2006/main" xmlns:r="http://schemas.openxmlformats.org/officeDocument/2006/relationships" xmlns:p="http://schemas.openxmlformats.org/presentationml/2006/main">
   <p:cSld>
     <p:spTree>
@@ -15431,7 +20972,7 @@
 </p:sld>
 </file>
 
-<file path=ppt/slides/slide8.xml><?xml version="1.0" encoding="utf-8"?>
+<file path=ppt/slides/slide9.xml><?xml version="1.0" encoding="utf-8"?>
 <p:sld xmlns:a="http://schemas.openxmlformats.org/drawingml/2006/main" xmlns:r="http://schemas.openxmlformats.org/officeDocument/2006/relationships" xmlns:p="http://schemas.openxmlformats.org/presentationml/2006/main">
   <p:cSld>
     <p:spTree>
@@ -16168,752 +21709,6 @@
     <p:extLst>
       <p:ext uri="{BB962C8B-B14F-4D97-AF65-F5344CB8AC3E}">
         <p14:creationId xmlns:p14="http://schemas.microsoft.com/office/powerpoint/2010/main" val="87835635"/>
-      </p:ext>
-    </p:extLst>
-  </p:cSld>
-  <p:clrMapOvr>
-    <a:masterClrMapping/>
-  </p:clrMapOvr>
-</p:sld>
-</file>
-
-<file path=ppt/slides/slide9.xml><?xml version="1.0" encoding="utf-8"?>
-<p:sld xmlns:a="http://schemas.openxmlformats.org/drawingml/2006/main" xmlns:r="http://schemas.openxmlformats.org/officeDocument/2006/relationships" xmlns:p="http://schemas.openxmlformats.org/presentationml/2006/main">
-  <p:cSld>
-    <p:spTree>
-      <p:nvGrpSpPr>
-        <p:cNvPr id="1" name="">
-          <a:extLst>
-            <a:ext uri="{FF2B5EF4-FFF2-40B4-BE49-F238E27FC236}">
-              <a16:creationId xmlns:a16="http://schemas.microsoft.com/office/drawing/2014/main" id="{832D3574-AE79-74D9-E45F-5E4C83010F26}"/>
-            </a:ext>
-          </a:extLst>
-        </p:cNvPr>
-        <p:cNvGrpSpPr/>
-        <p:nvPr/>
-      </p:nvGrpSpPr>
-      <p:grpSpPr>
-        <a:xfrm>
-          <a:off x="0" y="0"/>
-          <a:ext cx="0" cy="0"/>
-          <a:chOff x="0" y="0"/>
-          <a:chExt cx="0" cy="0"/>
-        </a:xfrm>
-      </p:grpSpPr>
-      <p:sp>
-        <p:nvSpPr>
-          <p:cNvPr id="2" name="Retângulo 1">
-            <a:extLst>
-              <a:ext uri="{FF2B5EF4-FFF2-40B4-BE49-F238E27FC236}">
-                <a16:creationId xmlns:a16="http://schemas.microsoft.com/office/drawing/2014/main" id="{78B13B3A-9A20-B83C-8FD4-A5560C23213A}"/>
-              </a:ext>
-            </a:extLst>
-          </p:cNvPr>
-          <p:cNvSpPr/>
-          <p:nvPr/>
-        </p:nvSpPr>
-        <p:spPr>
-          <a:xfrm>
-            <a:off x="0" y="0"/>
-            <a:ext cx="12192000" cy="6858000"/>
-          </a:xfrm>
-          <a:prstGeom prst="rect">
-            <a:avLst/>
-          </a:prstGeom>
-          <a:solidFill>
-            <a:schemeClr val="tx1">
-              <a:lumMod val="95000"/>
-              <a:lumOff val="5000"/>
-            </a:schemeClr>
-          </a:solidFill>
-          <a:ln>
-            <a:noFill/>
-          </a:ln>
-        </p:spPr>
-        <p:style>
-          <a:lnRef idx="2">
-            <a:schemeClr val="accent1">
-              <a:shade val="15000"/>
-            </a:schemeClr>
-          </a:lnRef>
-          <a:fillRef idx="1">
-            <a:schemeClr val="accent1"/>
-          </a:fillRef>
-          <a:effectRef idx="0">
-            <a:schemeClr val="accent1"/>
-          </a:effectRef>
-          <a:fontRef idx="minor">
-            <a:schemeClr val="lt1"/>
-          </a:fontRef>
-        </p:style>
-        <p:txBody>
-          <a:bodyPr rtlCol="0" anchor="ctr"/>
-          <a:lstStyle/>
-          <a:p>
-            <a:pPr algn="ctr"/>
-            <a:endParaRPr lang="pt-BR"/>
-          </a:p>
-        </p:txBody>
-      </p:sp>
-      <p:pic>
-        <p:nvPicPr>
-          <p:cNvPr id="3" name="Imagem 2" descr="Forma, Retângulo&#10;&#10;O conteúdo gerado por IA pode estar incorreto.">
-            <a:extLst>
-              <a:ext uri="{FF2B5EF4-FFF2-40B4-BE49-F238E27FC236}">
-                <a16:creationId xmlns:a16="http://schemas.microsoft.com/office/drawing/2014/main" id="{C759B68E-37AF-14D6-F2B1-237073F0C3E8}"/>
-              </a:ext>
-            </a:extLst>
-          </p:cNvPr>
-          <p:cNvPicPr>
-            <a:picLocks noChangeAspect="1"/>
-          </p:cNvPicPr>
-          <p:nvPr/>
-        </p:nvPicPr>
-        <p:blipFill>
-          <a:blip r:embed="rId2">
-            <a:extLst>
-              <a:ext uri="{28A0092B-C50C-407E-A947-70E740481C1C}">
-                <a14:useLocalDpi xmlns:a14="http://schemas.microsoft.com/office/drawing/2010/main" val="0"/>
-              </a:ext>
-            </a:extLst>
-          </a:blip>
-          <a:stretch>
-            <a:fillRect/>
-          </a:stretch>
-        </p:blipFill>
-        <p:spPr>
-          <a:xfrm>
-            <a:off x="2496000" y="623531"/>
-            <a:ext cx="7200000" cy="5610938"/>
-          </a:xfrm>
-          <a:prstGeom prst="rect">
-            <a:avLst/>
-          </a:prstGeom>
-        </p:spPr>
-      </p:pic>
-      <p:cxnSp>
-        <p:nvCxnSpPr>
-          <p:cNvPr id="5" name="Conector de Seta Reta 4">
-            <a:extLst>
-              <a:ext uri="{FF2B5EF4-FFF2-40B4-BE49-F238E27FC236}">
-                <a16:creationId xmlns:a16="http://schemas.microsoft.com/office/drawing/2014/main" id="{61DBB11C-C192-65C8-E885-F063CAC3C4BB}"/>
-              </a:ext>
-            </a:extLst>
-          </p:cNvPr>
-          <p:cNvCxnSpPr>
-            <a:cxnSpLocks/>
-          </p:cNvCxnSpPr>
-          <p:nvPr/>
-        </p:nvCxnSpPr>
-        <p:spPr>
-          <a:xfrm flipV="1">
-            <a:off x="2168165" y="623531"/>
-            <a:ext cx="0" cy="5959311"/>
-          </a:xfrm>
-          <a:prstGeom prst="straightConnector1">
-            <a:avLst/>
-          </a:prstGeom>
-          <a:ln w="76200">
-            <a:solidFill>
-              <a:srgbClr val="00B050"/>
-            </a:solidFill>
-            <a:tailEnd type="triangle"/>
-          </a:ln>
-        </p:spPr>
-        <p:style>
-          <a:lnRef idx="2">
-            <a:schemeClr val="accent1"/>
-          </a:lnRef>
-          <a:fillRef idx="0">
-            <a:schemeClr val="accent1"/>
-          </a:fillRef>
-          <a:effectRef idx="1">
-            <a:schemeClr val="accent1"/>
-          </a:effectRef>
-          <a:fontRef idx="minor">
-            <a:schemeClr val="tx1"/>
-          </a:fontRef>
-        </p:style>
-      </p:cxnSp>
-      <p:cxnSp>
-        <p:nvCxnSpPr>
-          <p:cNvPr id="7" name="Conector de Seta Reta 6">
-            <a:extLst>
-              <a:ext uri="{FF2B5EF4-FFF2-40B4-BE49-F238E27FC236}">
-                <a16:creationId xmlns:a16="http://schemas.microsoft.com/office/drawing/2014/main" id="{C919E996-F12E-3FB5-4992-9029F7629017}"/>
-              </a:ext>
-            </a:extLst>
-          </p:cNvPr>
-          <p:cNvCxnSpPr>
-            <a:cxnSpLocks/>
-          </p:cNvCxnSpPr>
-          <p:nvPr/>
-        </p:nvCxnSpPr>
-        <p:spPr>
-          <a:xfrm>
-            <a:off x="2168165" y="6582842"/>
-            <a:ext cx="7527835" cy="0"/>
-          </a:xfrm>
-          <a:prstGeom prst="straightConnector1">
-            <a:avLst/>
-          </a:prstGeom>
-          <a:ln w="76200">
-            <a:solidFill>
-              <a:srgbClr val="FF0000"/>
-            </a:solidFill>
-            <a:tailEnd type="triangle"/>
-          </a:ln>
-        </p:spPr>
-        <p:style>
-          <a:lnRef idx="2">
-            <a:schemeClr val="accent1"/>
-          </a:lnRef>
-          <a:fillRef idx="0">
-            <a:schemeClr val="accent1"/>
-          </a:fillRef>
-          <a:effectRef idx="1">
-            <a:schemeClr val="accent1"/>
-          </a:effectRef>
-          <a:fontRef idx="minor">
-            <a:schemeClr val="tx1"/>
-          </a:fontRef>
-        </p:style>
-      </p:cxnSp>
-      <p:sp>
-        <p:nvSpPr>
-          <p:cNvPr id="8" name="CaixaDeTexto 7">
-            <a:extLst>
-              <a:ext uri="{FF2B5EF4-FFF2-40B4-BE49-F238E27FC236}">
-                <a16:creationId xmlns:a16="http://schemas.microsoft.com/office/drawing/2014/main" id="{16E85638-BC47-0680-A03C-4C668D73803F}"/>
-              </a:ext>
-            </a:extLst>
-          </p:cNvPr>
-          <p:cNvSpPr txBox="1"/>
-          <p:nvPr/>
-        </p:nvSpPr>
-        <p:spPr>
-          <a:xfrm>
-            <a:off x="2013315" y="131975"/>
-            <a:ext cx="309700" cy="369332"/>
-          </a:xfrm>
-          <a:prstGeom prst="rect">
-            <a:avLst/>
-          </a:prstGeom>
-          <a:noFill/>
-        </p:spPr>
-        <p:txBody>
-          <a:bodyPr wrap="none" rtlCol="0">
-            <a:spAutoFit/>
-          </a:bodyPr>
-          <a:lstStyle/>
-          <a:p>
-            <a:r>
-              <a:rPr lang="pt-BR" dirty="0">
-                <a:solidFill>
-                  <a:schemeClr val="bg1"/>
-                </a:solidFill>
-              </a:rPr>
-              <a:t>Y</a:t>
-            </a:r>
-          </a:p>
-        </p:txBody>
-      </p:sp>
-      <p:sp>
-        <p:nvSpPr>
-          <p:cNvPr id="9" name="CaixaDeTexto 8">
-            <a:extLst>
-              <a:ext uri="{FF2B5EF4-FFF2-40B4-BE49-F238E27FC236}">
-                <a16:creationId xmlns:a16="http://schemas.microsoft.com/office/drawing/2014/main" id="{AD807ABC-127C-7C7A-E5B9-8BF21D251543}"/>
-              </a:ext>
-            </a:extLst>
-          </p:cNvPr>
-          <p:cNvSpPr txBox="1"/>
-          <p:nvPr/>
-        </p:nvSpPr>
-        <p:spPr>
-          <a:xfrm>
-            <a:off x="9886268" y="6398176"/>
-            <a:ext cx="312906" cy="369332"/>
-          </a:xfrm>
-          <a:prstGeom prst="rect">
-            <a:avLst/>
-          </a:prstGeom>
-          <a:noFill/>
-        </p:spPr>
-        <p:txBody>
-          <a:bodyPr wrap="none" rtlCol="0">
-            <a:spAutoFit/>
-          </a:bodyPr>
-          <a:lstStyle/>
-          <a:p>
-            <a:r>
-              <a:rPr lang="pt-BR" dirty="0">
-                <a:solidFill>
-                  <a:schemeClr val="bg1"/>
-                </a:solidFill>
-              </a:rPr>
-              <a:t>X</a:t>
-            </a:r>
-          </a:p>
-        </p:txBody>
-      </p:sp>
-      <p:cxnSp>
-        <p:nvCxnSpPr>
-          <p:cNvPr id="6" name="Conector reto 5">
-            <a:extLst>
-              <a:ext uri="{FF2B5EF4-FFF2-40B4-BE49-F238E27FC236}">
-                <a16:creationId xmlns:a16="http://schemas.microsoft.com/office/drawing/2014/main" id="{E3EF0D48-18D5-577A-C524-6E49B8908855}"/>
-              </a:ext>
-            </a:extLst>
-          </p:cNvPr>
-          <p:cNvCxnSpPr/>
-          <p:nvPr/>
-        </p:nvCxnSpPr>
-        <p:spPr>
-          <a:xfrm>
-            <a:off x="6014301" y="386499"/>
-            <a:ext cx="81699" cy="6196343"/>
-          </a:xfrm>
-          <a:prstGeom prst="line">
-            <a:avLst/>
-          </a:prstGeom>
-        </p:spPr>
-        <p:style>
-          <a:lnRef idx="2">
-            <a:schemeClr val="accent1"/>
-          </a:lnRef>
-          <a:fillRef idx="0">
-            <a:schemeClr val="accent1"/>
-          </a:fillRef>
-          <a:effectRef idx="1">
-            <a:schemeClr val="accent1"/>
-          </a:effectRef>
-          <a:fontRef idx="minor">
-            <a:schemeClr val="tx1"/>
-          </a:fontRef>
-        </p:style>
-      </p:cxnSp>
-      <p:cxnSp>
-        <p:nvCxnSpPr>
-          <p:cNvPr id="11" name="Conector reto 10">
-            <a:extLst>
-              <a:ext uri="{FF2B5EF4-FFF2-40B4-BE49-F238E27FC236}">
-                <a16:creationId xmlns:a16="http://schemas.microsoft.com/office/drawing/2014/main" id="{C8415649-3771-F5C0-7273-A271FC165B4E}"/>
-              </a:ext>
-            </a:extLst>
-          </p:cNvPr>
-          <p:cNvCxnSpPr>
-            <a:cxnSpLocks/>
-          </p:cNvCxnSpPr>
-          <p:nvPr/>
-        </p:nvCxnSpPr>
-        <p:spPr>
-          <a:xfrm>
-            <a:off x="1800520" y="3429000"/>
-            <a:ext cx="8776354" cy="96625"/>
-          </a:xfrm>
-          <a:prstGeom prst="line">
-            <a:avLst/>
-          </a:prstGeom>
-        </p:spPr>
-        <p:style>
-          <a:lnRef idx="2">
-            <a:schemeClr val="accent1"/>
-          </a:lnRef>
-          <a:fillRef idx="0">
-            <a:schemeClr val="accent1"/>
-          </a:fillRef>
-          <a:effectRef idx="1">
-            <a:schemeClr val="accent1"/>
-          </a:effectRef>
-          <a:fontRef idx="minor">
-            <a:schemeClr val="tx1"/>
-          </a:fontRef>
-        </p:style>
-      </p:cxnSp>
-      <p:sp>
-        <p:nvSpPr>
-          <p:cNvPr id="13" name="CaixaDeTexto 12">
-            <a:extLst>
-              <a:ext uri="{FF2B5EF4-FFF2-40B4-BE49-F238E27FC236}">
-                <a16:creationId xmlns:a16="http://schemas.microsoft.com/office/drawing/2014/main" id="{8BF89DE6-ADF6-70D3-2582-C315F4465602}"/>
-              </a:ext>
-            </a:extLst>
-          </p:cNvPr>
-          <p:cNvSpPr txBox="1"/>
-          <p:nvPr/>
-        </p:nvSpPr>
-        <p:spPr>
-          <a:xfrm>
-            <a:off x="6055150" y="3449467"/>
-            <a:ext cx="944489" cy="369332"/>
-          </a:xfrm>
-          <a:prstGeom prst="rect">
-            <a:avLst/>
-          </a:prstGeom>
-          <a:noFill/>
-        </p:spPr>
-        <p:txBody>
-          <a:bodyPr wrap="none" rtlCol="0">
-            <a:spAutoFit/>
-          </a:bodyPr>
-          <a:lstStyle/>
-          <a:p>
-            <a:r>
-              <a:rPr lang="pt-BR" dirty="0">
-                <a:latin typeface="Consolas" panose="020B0609020204030204" pitchFamily="49" charset="0"/>
-              </a:rPr>
-              <a:t>x0, y0</a:t>
-            </a:r>
-          </a:p>
-        </p:txBody>
-      </p:sp>
-      <p:sp>
-        <p:nvSpPr>
-          <p:cNvPr id="14" name="CaixaDeTexto 13">
-            <a:extLst>
-              <a:ext uri="{FF2B5EF4-FFF2-40B4-BE49-F238E27FC236}">
-                <a16:creationId xmlns:a16="http://schemas.microsoft.com/office/drawing/2014/main" id="{FA6C6786-7131-DC04-7E8E-571ABB65559F}"/>
-              </a:ext>
-            </a:extLst>
-          </p:cNvPr>
-          <p:cNvSpPr txBox="1"/>
-          <p:nvPr/>
-        </p:nvSpPr>
-        <p:spPr>
-          <a:xfrm>
-            <a:off x="2471676" y="5865137"/>
-            <a:ext cx="1197764" cy="369332"/>
-          </a:xfrm>
-          <a:prstGeom prst="rect">
-            <a:avLst/>
-          </a:prstGeom>
-          <a:noFill/>
-        </p:spPr>
-        <p:txBody>
-          <a:bodyPr wrap="none" rtlCol="0">
-            <a:spAutoFit/>
-          </a:bodyPr>
-          <a:lstStyle/>
-          <a:p>
-            <a:r>
-              <a:rPr lang="pt-BR" dirty="0">
-                <a:latin typeface="Consolas" panose="020B0609020204030204" pitchFamily="49" charset="0"/>
-              </a:rPr>
-              <a:t>-x1, -y1</a:t>
-            </a:r>
-          </a:p>
-        </p:txBody>
-      </p:sp>
-      <p:sp>
-        <p:nvSpPr>
-          <p:cNvPr id="15" name="CaixaDeTexto 14">
-            <a:extLst>
-              <a:ext uri="{FF2B5EF4-FFF2-40B4-BE49-F238E27FC236}">
-                <a16:creationId xmlns:a16="http://schemas.microsoft.com/office/drawing/2014/main" id="{25C48533-120F-82F2-6C9A-258FD64BA34A}"/>
-              </a:ext>
-            </a:extLst>
-          </p:cNvPr>
-          <p:cNvSpPr txBox="1"/>
-          <p:nvPr/>
-        </p:nvSpPr>
-        <p:spPr>
-          <a:xfrm>
-            <a:off x="8740354" y="833634"/>
-            <a:ext cx="944489" cy="369332"/>
-          </a:xfrm>
-          <a:prstGeom prst="rect">
-            <a:avLst/>
-          </a:prstGeom>
-          <a:noFill/>
-        </p:spPr>
-        <p:txBody>
-          <a:bodyPr wrap="none" rtlCol="0">
-            <a:spAutoFit/>
-          </a:bodyPr>
-          <a:lstStyle/>
-          <a:p>
-            <a:r>
-              <a:rPr lang="pt-BR" dirty="0">
-                <a:latin typeface="Consolas" panose="020B0609020204030204" pitchFamily="49" charset="0"/>
-              </a:rPr>
-              <a:t>x1, y1</a:t>
-            </a:r>
-          </a:p>
-        </p:txBody>
-      </p:sp>
-      <p:sp>
-        <p:nvSpPr>
-          <p:cNvPr id="16" name="CaixaDeTexto 15">
-            <a:extLst>
-              <a:ext uri="{FF2B5EF4-FFF2-40B4-BE49-F238E27FC236}">
-                <a16:creationId xmlns:a16="http://schemas.microsoft.com/office/drawing/2014/main" id="{D590FEC0-1E60-D945-3C42-EADC0803B4B5}"/>
-              </a:ext>
-            </a:extLst>
-          </p:cNvPr>
-          <p:cNvSpPr txBox="1"/>
-          <p:nvPr/>
-        </p:nvSpPr>
-        <p:spPr>
-          <a:xfrm>
-            <a:off x="8589271" y="5817648"/>
-            <a:ext cx="1071127" cy="369332"/>
-          </a:xfrm>
-          <a:prstGeom prst="rect">
-            <a:avLst/>
-          </a:prstGeom>
-          <a:noFill/>
-        </p:spPr>
-        <p:txBody>
-          <a:bodyPr wrap="none" rtlCol="0">
-            <a:spAutoFit/>
-          </a:bodyPr>
-          <a:lstStyle/>
-          <a:p>
-            <a:r>
-              <a:rPr lang="pt-BR" dirty="0">
-                <a:latin typeface="Consolas" panose="020B0609020204030204" pitchFamily="49" charset="0"/>
-              </a:rPr>
-              <a:t>x1, -y1</a:t>
-            </a:r>
-          </a:p>
-        </p:txBody>
-      </p:sp>
-      <p:sp>
-        <p:nvSpPr>
-          <p:cNvPr id="18" name="CaixaDeTexto 17">
-            <a:extLst>
-              <a:ext uri="{FF2B5EF4-FFF2-40B4-BE49-F238E27FC236}">
-                <a16:creationId xmlns:a16="http://schemas.microsoft.com/office/drawing/2014/main" id="{395FD0C0-9819-917B-08FC-7EDF0DEB9804}"/>
-              </a:ext>
-            </a:extLst>
-          </p:cNvPr>
-          <p:cNvSpPr txBox="1"/>
-          <p:nvPr/>
-        </p:nvSpPr>
-        <p:spPr>
-          <a:xfrm>
-            <a:off x="2486785" y="843060"/>
-            <a:ext cx="1071127" cy="369332"/>
-          </a:xfrm>
-          <a:prstGeom prst="rect">
-            <a:avLst/>
-          </a:prstGeom>
-          <a:noFill/>
-        </p:spPr>
-        <p:txBody>
-          <a:bodyPr wrap="none" rtlCol="0">
-            <a:spAutoFit/>
-          </a:bodyPr>
-          <a:lstStyle/>
-          <a:p>
-            <a:r>
-              <a:rPr lang="pt-BR" dirty="0">
-                <a:latin typeface="Consolas" panose="020B0609020204030204" pitchFamily="49" charset="0"/>
-              </a:rPr>
-              <a:t>-x1, y1</a:t>
-            </a:r>
-          </a:p>
-        </p:txBody>
-      </p:sp>
-      <p:sp>
-        <p:nvSpPr>
-          <p:cNvPr id="23" name="CaixaDeTexto 22">
-            <a:extLst>
-              <a:ext uri="{FF2B5EF4-FFF2-40B4-BE49-F238E27FC236}">
-                <a16:creationId xmlns:a16="http://schemas.microsoft.com/office/drawing/2014/main" id="{2BDA2BEA-5A58-C026-AEEB-A3D4EE0946E6}"/>
-              </a:ext>
-            </a:extLst>
-          </p:cNvPr>
-          <p:cNvSpPr txBox="1"/>
-          <p:nvPr/>
-        </p:nvSpPr>
-        <p:spPr>
-          <a:xfrm>
-            <a:off x="7749646" y="3477312"/>
-            <a:ext cx="691215" cy="369332"/>
-          </a:xfrm>
-          <a:prstGeom prst="rect">
-            <a:avLst/>
-          </a:prstGeom>
-          <a:noFill/>
-        </p:spPr>
-        <p:txBody>
-          <a:bodyPr wrap="none" rtlCol="0">
-            <a:spAutoFit/>
-          </a:bodyPr>
-          <a:lstStyle/>
-          <a:p>
-            <a:r>
-              <a:rPr lang="pt-BR" dirty="0">
-                <a:latin typeface="Consolas" panose="020B0609020204030204" pitchFamily="49" charset="0"/>
-              </a:rPr>
-              <a:t>9, 0</a:t>
-            </a:r>
-          </a:p>
-        </p:txBody>
-      </p:sp>
-      <p:sp>
-        <p:nvSpPr>
-          <p:cNvPr id="4" name="CaixaDeTexto 3">
-            <a:extLst>
-              <a:ext uri="{FF2B5EF4-FFF2-40B4-BE49-F238E27FC236}">
-                <a16:creationId xmlns:a16="http://schemas.microsoft.com/office/drawing/2014/main" id="{40C3DEF5-9155-6EA8-AA09-1DF5569ADD0E}"/>
-              </a:ext>
-            </a:extLst>
-          </p:cNvPr>
-          <p:cNvSpPr txBox="1"/>
-          <p:nvPr/>
-        </p:nvSpPr>
-        <p:spPr>
-          <a:xfrm>
-            <a:off x="3941309" y="3459420"/>
-            <a:ext cx="817853" cy="369332"/>
-          </a:xfrm>
-          <a:prstGeom prst="rect">
-            <a:avLst/>
-          </a:prstGeom>
-          <a:noFill/>
-        </p:spPr>
-        <p:txBody>
-          <a:bodyPr wrap="none" rtlCol="0">
-            <a:spAutoFit/>
-          </a:bodyPr>
-          <a:lstStyle/>
-          <a:p>
-            <a:r>
-              <a:rPr lang="pt-BR" dirty="0">
-                <a:latin typeface="Consolas" panose="020B0609020204030204" pitchFamily="49" charset="0"/>
-              </a:rPr>
-              <a:t>-8, 0</a:t>
-            </a:r>
-          </a:p>
-        </p:txBody>
-      </p:sp>
-      <p:sp>
-        <p:nvSpPr>
-          <p:cNvPr id="10" name="CaixaDeTexto 9">
-            <a:extLst>
-              <a:ext uri="{FF2B5EF4-FFF2-40B4-BE49-F238E27FC236}">
-                <a16:creationId xmlns:a16="http://schemas.microsoft.com/office/drawing/2014/main" id="{0376242D-7903-1C04-76EF-680B9ECABEB9}"/>
-              </a:ext>
-            </a:extLst>
-          </p:cNvPr>
-          <p:cNvSpPr txBox="1"/>
-          <p:nvPr/>
-        </p:nvSpPr>
-        <p:spPr>
-          <a:xfrm>
-            <a:off x="3846224" y="833634"/>
-            <a:ext cx="817853" cy="369332"/>
-          </a:xfrm>
-          <a:prstGeom prst="rect">
-            <a:avLst/>
-          </a:prstGeom>
-          <a:noFill/>
-        </p:spPr>
-        <p:txBody>
-          <a:bodyPr wrap="none" rtlCol="0">
-            <a:spAutoFit/>
-          </a:bodyPr>
-          <a:lstStyle/>
-          <a:p>
-            <a:r>
-              <a:rPr lang="pt-BR" dirty="0">
-                <a:latin typeface="Consolas" panose="020B0609020204030204" pitchFamily="49" charset="0"/>
-              </a:rPr>
-              <a:t>-8, 1</a:t>
-            </a:r>
-          </a:p>
-        </p:txBody>
-      </p:sp>
-      <p:sp>
-        <p:nvSpPr>
-          <p:cNvPr id="17" name="CaixaDeTexto 16">
-            <a:extLst>
-              <a:ext uri="{FF2B5EF4-FFF2-40B4-BE49-F238E27FC236}">
-                <a16:creationId xmlns:a16="http://schemas.microsoft.com/office/drawing/2014/main" id="{26482F2E-9027-FAEF-07F7-CC79D5196AD4}"/>
-              </a:ext>
-            </a:extLst>
-          </p:cNvPr>
-          <p:cNvSpPr txBox="1"/>
-          <p:nvPr/>
-        </p:nvSpPr>
-        <p:spPr>
-          <a:xfrm>
-            <a:off x="7508967" y="767645"/>
-            <a:ext cx="691215" cy="369332"/>
-          </a:xfrm>
-          <a:prstGeom prst="rect">
-            <a:avLst/>
-          </a:prstGeom>
-          <a:noFill/>
-        </p:spPr>
-        <p:txBody>
-          <a:bodyPr wrap="none" rtlCol="0">
-            <a:spAutoFit/>
-          </a:bodyPr>
-          <a:lstStyle/>
-          <a:p>
-            <a:r>
-              <a:rPr lang="pt-BR" dirty="0">
-                <a:latin typeface="Consolas" panose="020B0609020204030204" pitchFamily="49" charset="0"/>
-              </a:rPr>
-              <a:t>9, 1</a:t>
-            </a:r>
-          </a:p>
-        </p:txBody>
-      </p:sp>
-      <p:sp>
-        <p:nvSpPr>
-          <p:cNvPr id="19" name="CaixaDeTexto 18">
-            <a:extLst>
-              <a:ext uri="{FF2B5EF4-FFF2-40B4-BE49-F238E27FC236}">
-                <a16:creationId xmlns:a16="http://schemas.microsoft.com/office/drawing/2014/main" id="{E679ABB8-C564-B963-6EB6-CC19446A18BE}"/>
-              </a:ext>
-            </a:extLst>
-          </p:cNvPr>
-          <p:cNvSpPr txBox="1"/>
-          <p:nvPr/>
-        </p:nvSpPr>
-        <p:spPr>
-          <a:xfrm>
-            <a:off x="0" y="0"/>
-            <a:ext cx="1324402" cy="369332"/>
-          </a:xfrm>
-          <a:prstGeom prst="rect">
-            <a:avLst/>
-          </a:prstGeom>
-          <a:noFill/>
-        </p:spPr>
-        <p:txBody>
-          <a:bodyPr wrap="none" rtlCol="0">
-            <a:spAutoFit/>
-          </a:bodyPr>
-          <a:lstStyle/>
-          <a:p>
-            <a:r>
-              <a:rPr lang="pt-BR" dirty="0" err="1">
-                <a:solidFill>
-                  <a:schemeClr val="bg1"/>
-                </a:solidFill>
-                <a:latin typeface="Consolas" panose="020B0609020204030204" pitchFamily="49" charset="0"/>
-              </a:rPr>
-              <a:t>Crosshair</a:t>
-            </a:r>
-            <a:endParaRPr lang="pt-BR" dirty="0">
-              <a:solidFill>
-                <a:schemeClr val="bg1"/>
-              </a:solidFill>
-              <a:latin typeface="Consolas" panose="020B0609020204030204" pitchFamily="49" charset="0"/>
-            </a:endParaRPr>
-          </a:p>
-        </p:txBody>
-      </p:sp>
-    </p:spTree>
-    <p:extLst>
-      <p:ext uri="{BB962C8B-B14F-4D97-AF65-F5344CB8AC3E}">
-        <p14:creationId xmlns:p14="http://schemas.microsoft.com/office/powerpoint/2010/main" val="2541292165"/>
       </p:ext>
     </p:extLst>
   </p:cSld>
